--- a/AzureCase_TM_coe_updated.pptx
+++ b/AzureCase_TM_coe_updated.pptx
@@ -5,7 +5,7 @@
     <p:sldMasterId id="2147483654" r:id="rId1"/>
   </p:sldMasterIdLst>
   <p:notesMasterIdLst>
-    <p:notesMasterId r:id="rId17"/>
+    <p:notesMasterId r:id="rId19"/>
   </p:notesMasterIdLst>
   <p:sldIdLst>
     <p:sldId id="256" r:id="rId2"/>
@@ -22,7 +22,9 @@
     <p:sldId id="283" r:id="rId13"/>
     <p:sldId id="285" r:id="rId14"/>
     <p:sldId id="286" r:id="rId15"/>
-    <p:sldId id="284" r:id="rId16"/>
+    <p:sldId id="287" r:id="rId16"/>
+    <p:sldId id="288" r:id="rId17"/>
+    <p:sldId id="284" r:id="rId18"/>
   </p:sldIdLst>
   <p:sldSz cx="9144000" cy="5143500" type="screen16x9"/>
   <p:notesSz cx="6858000" cy="9144000"/>
@@ -230,10 +232,3120 @@
   </p:defaultTextStyle>
   <p:extLst>
     <p:ext uri="{EFAFB233-063F-42B5-8137-9DF3F51BA10A}">
-      <p15:sldGuideLst xmlns:p15="http://schemas.microsoft.com/office/powerpoint/2012/main" xmlns=""/>
+      <p15:sldGuideLst xmlns="" xmlns:p15="http://schemas.microsoft.com/office/powerpoint/2012/main"/>
     </p:ext>
   </p:extLst>
 </p:presentation>
+</file>
+
+<file path=ppt/diagrams/colors1.xml><?xml version="1.0" encoding="utf-8"?>
+<dgm:colorsDef xmlns:dgm="http://schemas.openxmlformats.org/drawingml/2006/diagram" xmlns:a="http://schemas.openxmlformats.org/drawingml/2006/main" uniqueId="urn:microsoft.com/office/officeart/2005/8/colors/accent3_5">
+  <dgm:title val=""/>
+  <dgm:desc val=""/>
+  <dgm:catLst>
+    <dgm:cat type="accent3" pri="11500"/>
+  </dgm:catLst>
+  <dgm:styleLbl name="node0">
+    <dgm:fillClrLst meth="cycle">
+      <a:schemeClr val="accent3">
+        <a:alpha val="80000"/>
+      </a:schemeClr>
+    </dgm:fillClrLst>
+    <dgm:linClrLst meth="repeat">
+      <a:schemeClr val="lt1"/>
+    </dgm:linClrLst>
+    <dgm:effectClrLst/>
+    <dgm:txLinClrLst/>
+    <dgm:txFillClrLst/>
+    <dgm:txEffectClrLst/>
+  </dgm:styleLbl>
+  <dgm:styleLbl name="node1">
+    <dgm:fillClrLst>
+      <a:schemeClr val="accent3">
+        <a:alpha val="90000"/>
+      </a:schemeClr>
+      <a:schemeClr val="accent3">
+        <a:alpha val="50000"/>
+      </a:schemeClr>
+    </dgm:fillClrLst>
+    <dgm:linClrLst meth="repeat">
+      <a:schemeClr val="lt1"/>
+    </dgm:linClrLst>
+    <dgm:effectClrLst/>
+    <dgm:txLinClrLst/>
+    <dgm:txFillClrLst/>
+    <dgm:txEffectClrLst/>
+  </dgm:styleLbl>
+  <dgm:styleLbl name="alignNode1">
+    <dgm:fillClrLst>
+      <a:schemeClr val="accent3">
+        <a:alpha val="90000"/>
+      </a:schemeClr>
+      <a:schemeClr val="accent3">
+        <a:alpha val="50000"/>
+      </a:schemeClr>
+    </dgm:fillClrLst>
+    <dgm:linClrLst>
+      <a:schemeClr val="accent3">
+        <a:alpha val="90000"/>
+      </a:schemeClr>
+      <a:schemeClr val="accent3">
+        <a:alpha val="50000"/>
+      </a:schemeClr>
+    </dgm:linClrLst>
+    <dgm:effectClrLst/>
+    <dgm:txLinClrLst/>
+    <dgm:txFillClrLst/>
+    <dgm:txEffectClrLst/>
+  </dgm:styleLbl>
+  <dgm:styleLbl name="lnNode1">
+    <dgm:fillClrLst>
+      <a:schemeClr val="accent3">
+        <a:shade val="90000"/>
+      </a:schemeClr>
+      <a:schemeClr val="accent3">
+        <a:alpha val="50000"/>
+        <a:tint val="50000"/>
+      </a:schemeClr>
+    </dgm:fillClrLst>
+    <dgm:linClrLst meth="repeat">
+      <a:schemeClr val="lt1"/>
+    </dgm:linClrLst>
+    <dgm:effectClrLst/>
+    <dgm:txLinClrLst/>
+    <dgm:txFillClrLst/>
+    <dgm:txEffectClrLst/>
+  </dgm:styleLbl>
+  <dgm:styleLbl name="vennNode1">
+    <dgm:fillClrLst>
+      <a:schemeClr val="accent3">
+        <a:shade val="80000"/>
+        <a:alpha val="50000"/>
+      </a:schemeClr>
+      <a:schemeClr val="accent3">
+        <a:alpha val="80000"/>
+      </a:schemeClr>
+    </dgm:fillClrLst>
+    <dgm:linClrLst meth="repeat">
+      <a:schemeClr val="lt1"/>
+    </dgm:linClrLst>
+    <dgm:effectClrLst/>
+    <dgm:txLinClrLst/>
+    <dgm:txFillClrLst/>
+    <dgm:txEffectClrLst/>
+  </dgm:styleLbl>
+  <dgm:styleLbl name="node2">
+    <dgm:fillClrLst>
+      <a:schemeClr val="accent3">
+        <a:alpha val="70000"/>
+      </a:schemeClr>
+    </dgm:fillClrLst>
+    <dgm:linClrLst meth="repeat">
+      <a:schemeClr val="lt1"/>
+    </dgm:linClrLst>
+    <dgm:effectClrLst/>
+    <dgm:txLinClrLst/>
+    <dgm:txFillClrLst/>
+    <dgm:txEffectClrLst/>
+  </dgm:styleLbl>
+  <dgm:styleLbl name="node3">
+    <dgm:fillClrLst>
+      <a:schemeClr val="accent3">
+        <a:alpha val="50000"/>
+      </a:schemeClr>
+    </dgm:fillClrLst>
+    <dgm:linClrLst meth="repeat">
+      <a:schemeClr val="lt1"/>
+    </dgm:linClrLst>
+    <dgm:effectClrLst/>
+    <dgm:txLinClrLst/>
+    <dgm:txFillClrLst/>
+    <dgm:txEffectClrLst/>
+  </dgm:styleLbl>
+  <dgm:styleLbl name="node4">
+    <dgm:fillClrLst>
+      <a:schemeClr val="accent3">
+        <a:alpha val="30000"/>
+      </a:schemeClr>
+    </dgm:fillClrLst>
+    <dgm:linClrLst meth="repeat">
+      <a:schemeClr val="lt1"/>
+    </dgm:linClrLst>
+    <dgm:effectClrLst/>
+    <dgm:txLinClrLst/>
+    <dgm:txFillClrLst/>
+    <dgm:txEffectClrLst/>
+  </dgm:styleLbl>
+  <dgm:styleLbl name="fgImgPlace1">
+    <dgm:fillClrLst>
+      <a:schemeClr val="accent3">
+        <a:tint val="50000"/>
+        <a:alpha val="90000"/>
+      </a:schemeClr>
+      <a:schemeClr val="accent3">
+        <a:tint val="20000"/>
+        <a:alpha val="50000"/>
+      </a:schemeClr>
+    </dgm:fillClrLst>
+    <dgm:linClrLst meth="repeat">
+      <a:schemeClr val="lt1"/>
+    </dgm:linClrLst>
+    <dgm:effectClrLst/>
+    <dgm:txLinClrLst/>
+    <dgm:txFillClrLst meth="repeat">
+      <a:schemeClr val="lt1"/>
+    </dgm:txFillClrLst>
+    <dgm:txEffectClrLst/>
+  </dgm:styleLbl>
+  <dgm:styleLbl name="alignImgPlace1">
+    <dgm:fillClrLst>
+      <a:schemeClr val="accent3">
+        <a:tint val="50000"/>
+      </a:schemeClr>
+      <a:schemeClr val="accent3">
+        <a:tint val="20000"/>
+      </a:schemeClr>
+    </dgm:fillClrLst>
+    <dgm:linClrLst meth="repeat">
+      <a:schemeClr val="lt1"/>
+    </dgm:linClrLst>
+    <dgm:effectClrLst/>
+    <dgm:txLinClrLst/>
+    <dgm:txFillClrLst meth="repeat">
+      <a:schemeClr val="lt1"/>
+    </dgm:txFillClrLst>
+    <dgm:txEffectClrLst/>
+  </dgm:styleLbl>
+  <dgm:styleLbl name="bgImgPlace1">
+    <dgm:fillClrLst>
+      <a:schemeClr val="accent3">
+        <a:tint val="50000"/>
+      </a:schemeClr>
+      <a:schemeClr val="accent3">
+        <a:tint val="20000"/>
+      </a:schemeClr>
+    </dgm:fillClrLst>
+    <dgm:linClrLst meth="repeat">
+      <a:schemeClr val="lt1"/>
+    </dgm:linClrLst>
+    <dgm:effectClrLst/>
+    <dgm:txLinClrLst/>
+    <dgm:txFillClrLst meth="repeat">
+      <a:schemeClr val="lt1"/>
+    </dgm:txFillClrLst>
+    <dgm:txEffectClrLst/>
+  </dgm:styleLbl>
+  <dgm:styleLbl name="sibTrans2D1">
+    <dgm:fillClrLst>
+      <a:schemeClr val="accent3">
+        <a:shade val="90000"/>
+      </a:schemeClr>
+      <a:schemeClr val="accent3">
+        <a:tint val="50000"/>
+      </a:schemeClr>
+    </dgm:fillClrLst>
+    <dgm:linClrLst>
+      <a:schemeClr val="accent3">
+        <a:shade val="90000"/>
+      </a:schemeClr>
+      <a:schemeClr val="accent3">
+        <a:tint val="50000"/>
+      </a:schemeClr>
+    </dgm:linClrLst>
+    <dgm:effectClrLst/>
+    <dgm:txLinClrLst/>
+    <dgm:txFillClrLst/>
+    <dgm:txEffectClrLst/>
+  </dgm:styleLbl>
+  <dgm:styleLbl name="fgSibTrans2D1">
+    <dgm:fillClrLst>
+      <a:schemeClr val="accent3">
+        <a:shade val="90000"/>
+      </a:schemeClr>
+      <a:schemeClr val="accent3">
+        <a:tint val="50000"/>
+      </a:schemeClr>
+    </dgm:fillClrLst>
+    <dgm:linClrLst>
+      <a:schemeClr val="accent3">
+        <a:shade val="90000"/>
+      </a:schemeClr>
+      <a:schemeClr val="accent3">
+        <a:tint val="50000"/>
+      </a:schemeClr>
+    </dgm:linClrLst>
+    <dgm:effectClrLst/>
+    <dgm:txLinClrLst/>
+    <dgm:txFillClrLst/>
+    <dgm:txEffectClrLst/>
+  </dgm:styleLbl>
+  <dgm:styleLbl name="bgSibTrans2D1">
+    <dgm:fillClrLst>
+      <a:schemeClr val="accent3">
+        <a:shade val="90000"/>
+      </a:schemeClr>
+      <a:schemeClr val="accent3">
+        <a:tint val="50000"/>
+      </a:schemeClr>
+    </dgm:fillClrLst>
+    <dgm:linClrLst>
+      <a:schemeClr val="accent3">
+        <a:shade val="90000"/>
+      </a:schemeClr>
+      <a:schemeClr val="accent3">
+        <a:tint val="50000"/>
+      </a:schemeClr>
+    </dgm:linClrLst>
+    <dgm:effectClrLst/>
+    <dgm:txLinClrLst/>
+    <dgm:txFillClrLst/>
+    <dgm:txEffectClrLst/>
+  </dgm:styleLbl>
+  <dgm:styleLbl name="sibTrans1D1">
+    <dgm:fillClrLst>
+      <a:schemeClr val="accent3">
+        <a:shade val="90000"/>
+      </a:schemeClr>
+      <a:schemeClr val="accent3">
+        <a:tint val="50000"/>
+      </a:schemeClr>
+    </dgm:fillClrLst>
+    <dgm:linClrLst>
+      <a:schemeClr val="accent3">
+        <a:shade val="90000"/>
+      </a:schemeClr>
+      <a:schemeClr val="accent3">
+        <a:tint val="50000"/>
+      </a:schemeClr>
+    </dgm:linClrLst>
+    <dgm:effectClrLst/>
+    <dgm:txLinClrLst/>
+    <dgm:txFillClrLst meth="repeat">
+      <a:schemeClr val="tx1"/>
+    </dgm:txFillClrLst>
+    <dgm:txEffectClrLst/>
+  </dgm:styleLbl>
+  <dgm:styleLbl name="callout">
+    <dgm:fillClrLst meth="repeat">
+      <a:schemeClr val="accent3"/>
+    </dgm:fillClrLst>
+    <dgm:linClrLst meth="repeat">
+      <a:schemeClr val="accent3"/>
+    </dgm:linClrLst>
+    <dgm:effectClrLst/>
+    <dgm:txLinClrLst/>
+    <dgm:txFillClrLst meth="repeat">
+      <a:schemeClr val="tx1"/>
+    </dgm:txFillClrLst>
+    <dgm:txEffectClrLst/>
+  </dgm:styleLbl>
+  <dgm:styleLbl name="asst0">
+    <dgm:fillClrLst meth="repeat">
+      <a:schemeClr val="accent3">
+        <a:alpha val="90000"/>
+      </a:schemeClr>
+    </dgm:fillClrLst>
+    <dgm:linClrLst meth="repeat">
+      <a:schemeClr val="lt1"/>
+    </dgm:linClrLst>
+    <dgm:effectClrLst/>
+    <dgm:txLinClrLst/>
+    <dgm:txFillClrLst/>
+    <dgm:txEffectClrLst/>
+  </dgm:styleLbl>
+  <dgm:styleLbl name="asst1">
+    <dgm:fillClrLst meth="repeat">
+      <a:schemeClr val="accent3">
+        <a:alpha val="90000"/>
+      </a:schemeClr>
+    </dgm:fillClrLst>
+    <dgm:linClrLst meth="repeat">
+      <a:schemeClr val="lt1"/>
+    </dgm:linClrLst>
+    <dgm:effectClrLst/>
+    <dgm:txLinClrLst/>
+    <dgm:txFillClrLst/>
+    <dgm:txEffectClrLst/>
+  </dgm:styleLbl>
+  <dgm:styleLbl name="asst2">
+    <dgm:fillClrLst>
+      <a:schemeClr val="accent3">
+        <a:alpha val="90000"/>
+      </a:schemeClr>
+    </dgm:fillClrLst>
+    <dgm:linClrLst meth="repeat">
+      <a:schemeClr val="lt1"/>
+    </dgm:linClrLst>
+    <dgm:effectClrLst/>
+    <dgm:txLinClrLst/>
+    <dgm:txFillClrLst/>
+    <dgm:txEffectClrLst/>
+  </dgm:styleLbl>
+  <dgm:styleLbl name="asst3">
+    <dgm:fillClrLst>
+      <a:schemeClr val="accent3">
+        <a:alpha val="70000"/>
+      </a:schemeClr>
+    </dgm:fillClrLst>
+    <dgm:linClrLst meth="repeat">
+      <a:schemeClr val="lt1"/>
+    </dgm:linClrLst>
+    <dgm:effectClrLst/>
+    <dgm:txLinClrLst/>
+    <dgm:txFillClrLst/>
+    <dgm:txEffectClrLst/>
+  </dgm:styleLbl>
+  <dgm:styleLbl name="asst4">
+    <dgm:fillClrLst>
+      <a:schemeClr val="accent3">
+        <a:alpha val="50000"/>
+      </a:schemeClr>
+    </dgm:fillClrLst>
+    <dgm:linClrLst meth="repeat">
+      <a:schemeClr val="lt1"/>
+    </dgm:linClrLst>
+    <dgm:effectClrLst/>
+    <dgm:txLinClrLst/>
+    <dgm:txFillClrLst/>
+    <dgm:txEffectClrLst/>
+  </dgm:styleLbl>
+  <dgm:styleLbl name="parChTrans2D1">
+    <dgm:fillClrLst meth="repeat">
+      <a:schemeClr val="accent3">
+        <a:shade val="80000"/>
+      </a:schemeClr>
+    </dgm:fillClrLst>
+    <dgm:linClrLst meth="repeat">
+      <a:schemeClr val="accent3">
+        <a:shade val="80000"/>
+      </a:schemeClr>
+    </dgm:linClrLst>
+    <dgm:effectClrLst/>
+    <dgm:txLinClrLst/>
+    <dgm:txFillClrLst/>
+    <dgm:txEffectClrLst/>
+  </dgm:styleLbl>
+  <dgm:styleLbl name="parChTrans2D2">
+    <dgm:fillClrLst meth="repeat">
+      <a:schemeClr val="accent3">
+        <a:tint val="90000"/>
+      </a:schemeClr>
+    </dgm:fillClrLst>
+    <dgm:linClrLst meth="repeat">
+      <a:schemeClr val="accent3">
+        <a:tint val="90000"/>
+      </a:schemeClr>
+    </dgm:linClrLst>
+    <dgm:effectClrLst/>
+    <dgm:txLinClrLst/>
+    <dgm:txFillClrLst/>
+    <dgm:txEffectClrLst/>
+  </dgm:styleLbl>
+  <dgm:styleLbl name="parChTrans2D3">
+    <dgm:fillClrLst meth="repeat">
+      <a:schemeClr val="accent3">
+        <a:tint val="70000"/>
+      </a:schemeClr>
+    </dgm:fillClrLst>
+    <dgm:linClrLst meth="repeat">
+      <a:schemeClr val="accent3">
+        <a:tint val="70000"/>
+      </a:schemeClr>
+    </dgm:linClrLst>
+    <dgm:effectClrLst/>
+    <dgm:txLinClrLst/>
+    <dgm:txFillClrLst/>
+    <dgm:txEffectClrLst/>
+  </dgm:styleLbl>
+  <dgm:styleLbl name="parChTrans2D4">
+    <dgm:fillClrLst meth="repeat">
+      <a:schemeClr val="accent3">
+        <a:tint val="50000"/>
+      </a:schemeClr>
+    </dgm:fillClrLst>
+    <dgm:linClrLst meth="repeat">
+      <a:schemeClr val="accent3">
+        <a:tint val="50000"/>
+      </a:schemeClr>
+    </dgm:linClrLst>
+    <dgm:effectClrLst/>
+    <dgm:txLinClrLst/>
+    <dgm:txFillClrLst meth="repeat">
+      <a:schemeClr val="dk1"/>
+    </dgm:txFillClrLst>
+    <dgm:txEffectClrLst/>
+  </dgm:styleLbl>
+  <dgm:styleLbl name="parChTrans1D1">
+    <dgm:fillClrLst meth="repeat">
+      <a:schemeClr val="accent3">
+        <a:shade val="80000"/>
+      </a:schemeClr>
+    </dgm:fillClrLst>
+    <dgm:linClrLst meth="repeat">
+      <a:schemeClr val="accent3">
+        <a:shade val="80000"/>
+      </a:schemeClr>
+    </dgm:linClrLst>
+    <dgm:effectClrLst/>
+    <dgm:txLinClrLst/>
+    <dgm:txFillClrLst meth="repeat">
+      <a:schemeClr val="tx1"/>
+    </dgm:txFillClrLst>
+    <dgm:txEffectClrLst/>
+  </dgm:styleLbl>
+  <dgm:styleLbl name="parChTrans1D2">
+    <dgm:fillClrLst meth="repeat">
+      <a:schemeClr val="accent3">
+        <a:tint val="90000"/>
+      </a:schemeClr>
+    </dgm:fillClrLst>
+    <dgm:linClrLst meth="repeat">
+      <a:schemeClr val="accent3">
+        <a:tint val="90000"/>
+      </a:schemeClr>
+    </dgm:linClrLst>
+    <dgm:effectClrLst/>
+    <dgm:txLinClrLst/>
+    <dgm:txFillClrLst meth="repeat">
+      <a:schemeClr val="tx1"/>
+    </dgm:txFillClrLst>
+    <dgm:txEffectClrLst/>
+  </dgm:styleLbl>
+  <dgm:styleLbl name="parChTrans1D3">
+    <dgm:fillClrLst meth="repeat">
+      <a:schemeClr val="accent3">
+        <a:tint val="70000"/>
+      </a:schemeClr>
+    </dgm:fillClrLst>
+    <dgm:linClrLst meth="repeat">
+      <a:schemeClr val="accent3">
+        <a:tint val="70000"/>
+      </a:schemeClr>
+    </dgm:linClrLst>
+    <dgm:effectClrLst/>
+    <dgm:txLinClrLst/>
+    <dgm:txFillClrLst meth="repeat">
+      <a:schemeClr val="tx1"/>
+    </dgm:txFillClrLst>
+    <dgm:txEffectClrLst/>
+  </dgm:styleLbl>
+  <dgm:styleLbl name="parChTrans1D4">
+    <dgm:fillClrLst meth="repeat">
+      <a:schemeClr val="accent3">
+        <a:tint val="50000"/>
+      </a:schemeClr>
+    </dgm:fillClrLst>
+    <dgm:linClrLst meth="repeat">
+      <a:schemeClr val="accent3">
+        <a:tint val="50000"/>
+      </a:schemeClr>
+    </dgm:linClrLst>
+    <dgm:effectClrLst/>
+    <dgm:txLinClrLst/>
+    <dgm:txFillClrLst meth="repeat">
+      <a:schemeClr val="tx1"/>
+    </dgm:txFillClrLst>
+    <dgm:txEffectClrLst/>
+  </dgm:styleLbl>
+  <dgm:styleLbl name="fgAcc1">
+    <dgm:fillClrLst meth="repeat">
+      <a:schemeClr val="lt1">
+        <a:alpha val="90000"/>
+      </a:schemeClr>
+    </dgm:fillClrLst>
+    <dgm:linClrLst>
+      <a:schemeClr val="accent3">
+        <a:alpha val="90000"/>
+      </a:schemeClr>
+      <a:schemeClr val="accent3">
+        <a:alpha val="50000"/>
+      </a:schemeClr>
+    </dgm:linClrLst>
+    <dgm:effectClrLst/>
+    <dgm:txLinClrLst/>
+    <dgm:txFillClrLst meth="repeat">
+      <a:schemeClr val="dk1"/>
+    </dgm:txFillClrLst>
+    <dgm:txEffectClrLst/>
+  </dgm:styleLbl>
+  <dgm:styleLbl name="conFgAcc1">
+    <dgm:fillClrLst meth="repeat">
+      <a:schemeClr val="lt1">
+        <a:alpha val="90000"/>
+      </a:schemeClr>
+    </dgm:fillClrLst>
+    <dgm:linClrLst>
+      <a:schemeClr val="accent3">
+        <a:alpha val="90000"/>
+      </a:schemeClr>
+      <a:schemeClr val="accent3">
+        <a:alpha val="50000"/>
+      </a:schemeClr>
+    </dgm:linClrLst>
+    <dgm:effectClrLst/>
+    <dgm:txLinClrLst/>
+    <dgm:txFillClrLst meth="repeat">
+      <a:schemeClr val="dk1"/>
+    </dgm:txFillClrLst>
+    <dgm:txEffectClrLst/>
+  </dgm:styleLbl>
+  <dgm:styleLbl name="alignAcc1">
+    <dgm:fillClrLst meth="repeat">
+      <a:schemeClr val="lt1">
+        <a:alpha val="90000"/>
+      </a:schemeClr>
+    </dgm:fillClrLst>
+    <dgm:linClrLst>
+      <a:schemeClr val="accent3">
+        <a:alpha val="90000"/>
+      </a:schemeClr>
+      <a:schemeClr val="accent3">
+        <a:alpha val="50000"/>
+      </a:schemeClr>
+    </dgm:linClrLst>
+    <dgm:effectClrLst/>
+    <dgm:txLinClrLst/>
+    <dgm:txFillClrLst meth="repeat">
+      <a:schemeClr val="dk1"/>
+    </dgm:txFillClrLst>
+    <dgm:txEffectClrLst/>
+  </dgm:styleLbl>
+  <dgm:styleLbl name="trAlignAcc1">
+    <dgm:fillClrLst meth="repeat">
+      <a:schemeClr val="lt1">
+        <a:alpha val="40000"/>
+      </a:schemeClr>
+    </dgm:fillClrLst>
+    <dgm:linClrLst>
+      <a:schemeClr val="accent3">
+        <a:alpha val="90000"/>
+      </a:schemeClr>
+      <a:schemeClr val="accent3">
+        <a:alpha val="50000"/>
+      </a:schemeClr>
+    </dgm:linClrLst>
+    <dgm:effectClrLst/>
+    <dgm:txLinClrLst/>
+    <dgm:txFillClrLst meth="repeat">
+      <a:schemeClr val="dk1"/>
+    </dgm:txFillClrLst>
+    <dgm:txEffectClrLst/>
+  </dgm:styleLbl>
+  <dgm:styleLbl name="bgAcc1">
+    <dgm:fillClrLst meth="repeat">
+      <a:schemeClr val="lt1">
+        <a:alpha val="90000"/>
+      </a:schemeClr>
+    </dgm:fillClrLst>
+    <dgm:linClrLst>
+      <a:schemeClr val="accent3">
+        <a:alpha val="90000"/>
+      </a:schemeClr>
+      <a:schemeClr val="accent3">
+        <a:alpha val="50000"/>
+      </a:schemeClr>
+    </dgm:linClrLst>
+    <dgm:effectClrLst/>
+    <dgm:txLinClrLst/>
+    <dgm:txFillClrLst meth="repeat">
+      <a:schemeClr val="dk1"/>
+    </dgm:txFillClrLst>
+    <dgm:txEffectClrLst/>
+  </dgm:styleLbl>
+  <dgm:styleLbl name="solidFgAcc1">
+    <dgm:fillClrLst meth="repeat">
+      <a:schemeClr val="lt1"/>
+    </dgm:fillClrLst>
+    <dgm:linClrLst>
+      <a:schemeClr val="accent3">
+        <a:alpha val="90000"/>
+      </a:schemeClr>
+      <a:schemeClr val="accent3">
+        <a:alpha val="50000"/>
+      </a:schemeClr>
+    </dgm:linClrLst>
+    <dgm:effectClrLst/>
+    <dgm:txLinClrLst/>
+    <dgm:txFillClrLst meth="repeat">
+      <a:schemeClr val="dk1"/>
+    </dgm:txFillClrLst>
+    <dgm:txEffectClrLst/>
+  </dgm:styleLbl>
+  <dgm:styleLbl name="solidAlignAcc1">
+    <dgm:fillClrLst meth="repeat">
+      <a:schemeClr val="lt1"/>
+    </dgm:fillClrLst>
+    <dgm:linClrLst meth="repeat">
+      <a:schemeClr val="accent3"/>
+    </dgm:linClrLst>
+    <dgm:effectClrLst/>
+    <dgm:txLinClrLst/>
+    <dgm:txFillClrLst meth="repeat">
+      <a:schemeClr val="dk1"/>
+    </dgm:txFillClrLst>
+    <dgm:txEffectClrLst/>
+  </dgm:styleLbl>
+  <dgm:styleLbl name="solidBgAcc1">
+    <dgm:fillClrLst meth="repeat">
+      <a:schemeClr val="lt1"/>
+    </dgm:fillClrLst>
+    <dgm:linClrLst meth="repeat">
+      <a:schemeClr val="accent3"/>
+    </dgm:linClrLst>
+    <dgm:effectClrLst/>
+    <dgm:txLinClrLst/>
+    <dgm:txFillClrLst meth="repeat">
+      <a:schemeClr val="dk1"/>
+    </dgm:txFillClrLst>
+    <dgm:txEffectClrLst/>
+  </dgm:styleLbl>
+  <dgm:styleLbl name="fgAccFollowNode1">
+    <dgm:fillClrLst>
+      <a:schemeClr val="accent3">
+        <a:alpha val="90000"/>
+        <a:tint val="40000"/>
+      </a:schemeClr>
+      <a:schemeClr val="accent3">
+        <a:alpha val="50000"/>
+        <a:tint val="40000"/>
+      </a:schemeClr>
+    </dgm:fillClrLst>
+    <dgm:linClrLst meth="repeat">
+      <a:schemeClr val="accent3">
+        <a:alpha val="90000"/>
+        <a:tint val="40000"/>
+      </a:schemeClr>
+    </dgm:linClrLst>
+    <dgm:effectClrLst/>
+    <dgm:txLinClrLst/>
+    <dgm:txFillClrLst meth="repeat">
+      <a:schemeClr val="dk1"/>
+    </dgm:txFillClrLst>
+    <dgm:txEffectClrLst/>
+  </dgm:styleLbl>
+  <dgm:styleLbl name="alignAccFollowNode1">
+    <dgm:fillClrLst meth="repeat">
+      <a:schemeClr val="accent3">
+        <a:alpha val="90000"/>
+        <a:tint val="40000"/>
+      </a:schemeClr>
+    </dgm:fillClrLst>
+    <dgm:linClrLst meth="repeat">
+      <a:schemeClr val="accent3">
+        <a:alpha val="90000"/>
+        <a:tint val="40000"/>
+      </a:schemeClr>
+    </dgm:linClrLst>
+    <dgm:effectClrLst/>
+    <dgm:txLinClrLst/>
+    <dgm:txFillClrLst meth="repeat">
+      <a:schemeClr val="dk1"/>
+    </dgm:txFillClrLst>
+    <dgm:txEffectClrLst/>
+  </dgm:styleLbl>
+  <dgm:styleLbl name="bgAccFollowNode1">
+    <dgm:fillClrLst meth="repeat">
+      <a:schemeClr val="accent3">
+        <a:alpha val="90000"/>
+        <a:tint val="40000"/>
+      </a:schemeClr>
+    </dgm:fillClrLst>
+    <dgm:linClrLst meth="repeat">
+      <a:schemeClr val="lt1"/>
+    </dgm:linClrLst>
+    <dgm:effectClrLst/>
+    <dgm:txLinClrLst/>
+    <dgm:txFillClrLst meth="repeat">
+      <a:schemeClr val="dk1"/>
+    </dgm:txFillClrLst>
+    <dgm:txEffectClrLst/>
+  </dgm:styleLbl>
+  <dgm:styleLbl name="fgAcc0">
+    <dgm:fillClrLst meth="repeat">
+      <a:schemeClr val="lt1">
+        <a:alpha val="90000"/>
+      </a:schemeClr>
+    </dgm:fillClrLst>
+    <dgm:linClrLst meth="repeat">
+      <a:schemeClr val="accent3">
+        <a:shade val="80000"/>
+      </a:schemeClr>
+    </dgm:linClrLst>
+    <dgm:effectClrLst/>
+    <dgm:txLinClrLst/>
+    <dgm:txFillClrLst meth="repeat">
+      <a:schemeClr val="dk1"/>
+    </dgm:txFillClrLst>
+    <dgm:txEffectClrLst/>
+  </dgm:styleLbl>
+  <dgm:styleLbl name="fgAcc2">
+    <dgm:fillClrLst meth="repeat">
+      <a:schemeClr val="lt1">
+        <a:alpha val="90000"/>
+      </a:schemeClr>
+    </dgm:fillClrLst>
+    <dgm:linClrLst meth="repeat">
+      <a:schemeClr val="accent3">
+        <a:tint val="90000"/>
+      </a:schemeClr>
+    </dgm:linClrLst>
+    <dgm:effectClrLst/>
+    <dgm:txLinClrLst/>
+    <dgm:txFillClrLst meth="repeat">
+      <a:schemeClr val="dk1"/>
+    </dgm:txFillClrLst>
+    <dgm:txEffectClrLst/>
+  </dgm:styleLbl>
+  <dgm:styleLbl name="fgAcc3">
+    <dgm:fillClrLst meth="repeat">
+      <a:schemeClr val="lt1">
+        <a:alpha val="90000"/>
+      </a:schemeClr>
+    </dgm:fillClrLst>
+    <dgm:linClrLst meth="repeat">
+      <a:schemeClr val="accent3">
+        <a:tint val="70000"/>
+      </a:schemeClr>
+    </dgm:linClrLst>
+    <dgm:effectClrLst/>
+    <dgm:txLinClrLst/>
+    <dgm:txFillClrLst meth="repeat">
+      <a:schemeClr val="dk1"/>
+    </dgm:txFillClrLst>
+    <dgm:txEffectClrLst/>
+  </dgm:styleLbl>
+  <dgm:styleLbl name="fgAcc4">
+    <dgm:fillClrLst meth="repeat">
+      <a:schemeClr val="lt1">
+        <a:alpha val="90000"/>
+      </a:schemeClr>
+    </dgm:fillClrLst>
+    <dgm:linClrLst meth="repeat">
+      <a:schemeClr val="accent3">
+        <a:tint val="50000"/>
+      </a:schemeClr>
+    </dgm:linClrLst>
+    <dgm:effectClrLst/>
+    <dgm:txLinClrLst/>
+    <dgm:txFillClrLst meth="repeat">
+      <a:schemeClr val="dk1"/>
+    </dgm:txFillClrLst>
+    <dgm:txEffectClrLst/>
+  </dgm:styleLbl>
+  <dgm:styleLbl name="bgShp">
+    <dgm:fillClrLst meth="repeat">
+      <a:schemeClr val="accent3">
+        <a:tint val="40000"/>
+      </a:schemeClr>
+    </dgm:fillClrLst>
+    <dgm:linClrLst meth="repeat">
+      <a:schemeClr val="dk1"/>
+    </dgm:linClrLst>
+    <dgm:effectClrLst/>
+    <dgm:txLinClrLst/>
+    <dgm:txFillClrLst meth="repeat">
+      <a:schemeClr val="dk1"/>
+    </dgm:txFillClrLst>
+    <dgm:txEffectClrLst/>
+  </dgm:styleLbl>
+  <dgm:styleLbl name="dkBgShp">
+    <dgm:fillClrLst meth="repeat">
+      <a:schemeClr val="accent3">
+        <a:shade val="90000"/>
+      </a:schemeClr>
+    </dgm:fillClrLst>
+    <dgm:linClrLst meth="repeat">
+      <a:schemeClr val="dk1"/>
+    </dgm:linClrLst>
+    <dgm:effectClrLst/>
+    <dgm:txLinClrLst/>
+    <dgm:txFillClrLst meth="repeat">
+      <a:schemeClr val="lt1"/>
+    </dgm:txFillClrLst>
+    <dgm:txEffectClrLst/>
+  </dgm:styleLbl>
+  <dgm:styleLbl name="trBgShp">
+    <dgm:fillClrLst meth="repeat">
+      <a:schemeClr val="accent3">
+        <a:tint val="50000"/>
+        <a:alpha val="40000"/>
+      </a:schemeClr>
+    </dgm:fillClrLst>
+    <dgm:linClrLst meth="repeat">
+      <a:schemeClr val="accent3"/>
+    </dgm:linClrLst>
+    <dgm:effectClrLst/>
+    <dgm:txLinClrLst/>
+    <dgm:txFillClrLst meth="repeat">
+      <a:schemeClr val="lt1"/>
+    </dgm:txFillClrLst>
+    <dgm:txEffectClrLst/>
+  </dgm:styleLbl>
+  <dgm:styleLbl name="fgShp">
+    <dgm:fillClrLst meth="repeat">
+      <a:schemeClr val="accent3">
+        <a:tint val="40000"/>
+      </a:schemeClr>
+    </dgm:fillClrLst>
+    <dgm:linClrLst meth="repeat">
+      <a:schemeClr val="lt1"/>
+    </dgm:linClrLst>
+    <dgm:effectClrLst/>
+    <dgm:txLinClrLst/>
+    <dgm:txFillClrLst meth="repeat">
+      <a:schemeClr val="dk1"/>
+    </dgm:txFillClrLst>
+    <dgm:txEffectClrLst/>
+  </dgm:styleLbl>
+  <dgm:styleLbl name="revTx">
+    <dgm:fillClrLst meth="repeat">
+      <a:schemeClr val="lt1">
+        <a:alpha val="0"/>
+      </a:schemeClr>
+    </dgm:fillClrLst>
+    <dgm:linClrLst meth="repeat">
+      <a:schemeClr val="dk1">
+        <a:alpha val="0"/>
+      </a:schemeClr>
+    </dgm:linClrLst>
+    <dgm:effectClrLst/>
+    <dgm:txLinClrLst/>
+    <dgm:txFillClrLst meth="repeat">
+      <a:schemeClr val="tx1"/>
+    </dgm:txFillClrLst>
+    <dgm:txEffectClrLst/>
+  </dgm:styleLbl>
+</dgm:colorsDef>
+</file>
+
+<file path=ppt/diagrams/data1.xml><?xml version="1.0" encoding="utf-8"?>
+<dgm:dataModel xmlns:dgm="http://schemas.openxmlformats.org/drawingml/2006/diagram" xmlns:a="http://schemas.openxmlformats.org/drawingml/2006/main">
+  <dgm:ptLst>
+    <dgm:pt modelId="{EB00CD1C-B204-40A6-A4D5-039D8C593D76}" type="doc">
+      <dgm:prSet loTypeId="urn:microsoft.com/office/officeart/2005/8/layout/vList3" loCatId="list" qsTypeId="urn:microsoft.com/office/officeart/2005/8/quickstyle/3d3" qsCatId="3D" csTypeId="urn:microsoft.com/office/officeart/2005/8/colors/accent3_5" csCatId="accent3" phldr="1"/>
+      <dgm:spPr/>
+    </dgm:pt>
+    <dgm:pt modelId="{6A11848F-1353-488F-A90E-3BFE9618C9B4}">
+      <dgm:prSet phldrT="[Text]" custT="1"/>
+      <dgm:spPr/>
+      <dgm:t>
+        <a:bodyPr/>
+        <a:lstStyle/>
+        <a:p>
+          <a:pPr algn="l"/>
+          <a:r>
+            <a:rPr lang="en-IN" sz="2000" b="1" i="0" dirty="0" smtClean="0">
+              <a:effectLst>
+                <a:outerShdw blurRad="38100" dist="38100" dir="2700000" algn="tl">
+                  <a:srgbClr val="000000">
+                    <a:alpha val="43137"/>
+                  </a:srgbClr>
+                </a:outerShdw>
+              </a:effectLst>
+            </a:rPr>
+            <a:t>Azure Portal</a:t>
+          </a:r>
+          <a:endParaRPr lang="en-IN" sz="2000" b="1" i="0" dirty="0">
+            <a:effectLst>
+              <a:outerShdw blurRad="38100" dist="38100" dir="2700000" algn="tl">
+                <a:srgbClr val="000000">
+                  <a:alpha val="43137"/>
+                </a:srgbClr>
+              </a:outerShdw>
+            </a:effectLst>
+          </a:endParaRPr>
+        </a:p>
+      </dgm:t>
+    </dgm:pt>
+    <dgm:pt modelId="{ED1920B7-A8E5-4358-B986-6515ED51D56E}" type="parTrans" cxnId="{F1187501-715B-45E3-8D1B-72DDA329746D}">
+      <dgm:prSet/>
+      <dgm:spPr/>
+      <dgm:t>
+        <a:bodyPr/>
+        <a:lstStyle/>
+        <a:p>
+          <a:pPr algn="l"/>
+          <a:endParaRPr lang="en-IN" sz="1600" b="1" i="0">
+            <a:effectLst>
+              <a:outerShdw blurRad="38100" dist="38100" dir="2700000" algn="tl">
+                <a:srgbClr val="000000">
+                  <a:alpha val="43137"/>
+                </a:srgbClr>
+              </a:outerShdw>
+            </a:effectLst>
+          </a:endParaRPr>
+        </a:p>
+      </dgm:t>
+    </dgm:pt>
+    <dgm:pt modelId="{F00B7591-E7D6-43A5-BDCE-03122ED63615}" type="sibTrans" cxnId="{F1187501-715B-45E3-8D1B-72DDA329746D}">
+      <dgm:prSet/>
+      <dgm:spPr/>
+      <dgm:t>
+        <a:bodyPr/>
+        <a:lstStyle/>
+        <a:p>
+          <a:pPr algn="l"/>
+          <a:endParaRPr lang="en-IN" sz="1600" b="1" i="0">
+            <a:effectLst>
+              <a:outerShdw blurRad="38100" dist="38100" dir="2700000" algn="tl">
+                <a:srgbClr val="000000">
+                  <a:alpha val="43137"/>
+                </a:srgbClr>
+              </a:outerShdw>
+            </a:effectLst>
+          </a:endParaRPr>
+        </a:p>
+      </dgm:t>
+    </dgm:pt>
+    <dgm:pt modelId="{5D118F1E-51EA-439A-81A0-9C1CB827812E}">
+      <dgm:prSet phldrT="[Text]" custT="1"/>
+      <dgm:spPr/>
+      <dgm:t>
+        <a:bodyPr/>
+        <a:lstStyle/>
+        <a:p>
+          <a:pPr algn="l"/>
+          <a:r>
+            <a:rPr lang="en-IN" sz="2000" b="1" i="0" dirty="0" smtClean="0">
+              <a:effectLst>
+                <a:outerShdw blurRad="38100" dist="38100" dir="2700000" algn="tl">
+                  <a:srgbClr val="000000">
+                    <a:alpha val="43137"/>
+                  </a:srgbClr>
+                </a:outerShdw>
+              </a:effectLst>
+            </a:rPr>
+            <a:t>SSH tool (</a:t>
+          </a:r>
+          <a:r>
+            <a:rPr lang="en-IN" sz="2000" b="1" i="0" dirty="0" err="1" smtClean="0">
+              <a:effectLst>
+                <a:outerShdw blurRad="38100" dist="38100" dir="2700000" algn="tl">
+                  <a:srgbClr val="000000">
+                    <a:alpha val="43137"/>
+                  </a:srgbClr>
+                </a:outerShdw>
+              </a:effectLst>
+            </a:rPr>
+            <a:t>Mobaxterm</a:t>
+          </a:r>
+          <a:r>
+            <a:rPr lang="en-IN" sz="2000" b="1" i="0" dirty="0" smtClean="0">
+              <a:effectLst>
+                <a:outerShdw blurRad="38100" dist="38100" dir="2700000" algn="tl">
+                  <a:srgbClr val="000000">
+                    <a:alpha val="43137"/>
+                  </a:srgbClr>
+                </a:outerShdw>
+              </a:effectLst>
+            </a:rPr>
+            <a:t>)</a:t>
+          </a:r>
+          <a:endParaRPr lang="en-IN" sz="2000" b="1" i="0" dirty="0">
+            <a:effectLst>
+              <a:outerShdw blurRad="38100" dist="38100" dir="2700000" algn="tl">
+                <a:srgbClr val="000000">
+                  <a:alpha val="43137"/>
+                </a:srgbClr>
+              </a:outerShdw>
+            </a:effectLst>
+          </a:endParaRPr>
+        </a:p>
+      </dgm:t>
+    </dgm:pt>
+    <dgm:pt modelId="{5FBD6E21-E43F-4788-8B76-46D2A671E78C}" type="parTrans" cxnId="{0DA53CBB-3806-4E71-8FF4-AFD02FFDA5B8}">
+      <dgm:prSet/>
+      <dgm:spPr/>
+      <dgm:t>
+        <a:bodyPr/>
+        <a:lstStyle/>
+        <a:p>
+          <a:pPr algn="l"/>
+          <a:endParaRPr lang="en-IN" sz="1600" b="1" i="0">
+            <a:effectLst>
+              <a:outerShdw blurRad="38100" dist="38100" dir="2700000" algn="tl">
+                <a:srgbClr val="000000">
+                  <a:alpha val="43137"/>
+                </a:srgbClr>
+              </a:outerShdw>
+            </a:effectLst>
+          </a:endParaRPr>
+        </a:p>
+      </dgm:t>
+    </dgm:pt>
+    <dgm:pt modelId="{C83BBB42-F3C2-433E-A768-6BDD8970BCF2}" type="sibTrans" cxnId="{0DA53CBB-3806-4E71-8FF4-AFD02FFDA5B8}">
+      <dgm:prSet/>
+      <dgm:spPr/>
+      <dgm:t>
+        <a:bodyPr/>
+        <a:lstStyle/>
+        <a:p>
+          <a:pPr algn="l"/>
+          <a:endParaRPr lang="en-IN" sz="1600" b="1" i="0">
+            <a:effectLst>
+              <a:outerShdw blurRad="38100" dist="38100" dir="2700000" algn="tl">
+                <a:srgbClr val="000000">
+                  <a:alpha val="43137"/>
+                </a:srgbClr>
+              </a:outerShdw>
+            </a:effectLst>
+          </a:endParaRPr>
+        </a:p>
+      </dgm:t>
+    </dgm:pt>
+    <dgm:pt modelId="{B499954E-7561-4217-8A8C-06A1487B1594}">
+      <dgm:prSet phldrT="[Text]" custT="1"/>
+      <dgm:spPr/>
+      <dgm:t>
+        <a:bodyPr/>
+        <a:lstStyle/>
+        <a:p>
+          <a:pPr algn="l"/>
+          <a:r>
+            <a:rPr lang="en-IN" sz="2000" b="1" i="0" dirty="0" err="1" smtClean="0">
+              <a:effectLst>
+                <a:outerShdw blurRad="38100" dist="38100" dir="2700000" algn="tl">
+                  <a:srgbClr val="000000">
+                    <a:alpha val="43137"/>
+                  </a:srgbClr>
+                </a:outerShdw>
+              </a:effectLst>
+            </a:rPr>
+            <a:t>PowerShell</a:t>
+          </a:r>
+          <a:endParaRPr lang="en-IN" sz="2000" b="1" i="0" dirty="0">
+            <a:effectLst>
+              <a:outerShdw blurRad="38100" dist="38100" dir="2700000" algn="tl">
+                <a:srgbClr val="000000">
+                  <a:alpha val="43137"/>
+                </a:srgbClr>
+              </a:outerShdw>
+            </a:effectLst>
+          </a:endParaRPr>
+        </a:p>
+      </dgm:t>
+    </dgm:pt>
+    <dgm:pt modelId="{72AE232D-F44B-467A-8EB6-55CC49CADAE5}" type="parTrans" cxnId="{4FC0CE23-A69E-49FA-8AC3-06CFA0C1D1C4}">
+      <dgm:prSet/>
+      <dgm:spPr/>
+      <dgm:t>
+        <a:bodyPr/>
+        <a:lstStyle/>
+        <a:p>
+          <a:pPr algn="l"/>
+          <a:endParaRPr lang="en-IN" sz="1600" b="1" i="0">
+            <a:effectLst>
+              <a:outerShdw blurRad="38100" dist="38100" dir="2700000" algn="tl">
+                <a:srgbClr val="000000">
+                  <a:alpha val="43137"/>
+                </a:srgbClr>
+              </a:outerShdw>
+            </a:effectLst>
+          </a:endParaRPr>
+        </a:p>
+      </dgm:t>
+    </dgm:pt>
+    <dgm:pt modelId="{210ED609-D21B-4FAB-8525-7256A40BC14C}" type="sibTrans" cxnId="{4FC0CE23-A69E-49FA-8AC3-06CFA0C1D1C4}">
+      <dgm:prSet/>
+      <dgm:spPr/>
+      <dgm:t>
+        <a:bodyPr/>
+        <a:lstStyle/>
+        <a:p>
+          <a:pPr algn="l"/>
+          <a:endParaRPr lang="en-IN" sz="1600" b="1" i="0">
+            <a:effectLst>
+              <a:outerShdw blurRad="38100" dist="38100" dir="2700000" algn="tl">
+                <a:srgbClr val="000000">
+                  <a:alpha val="43137"/>
+                </a:srgbClr>
+              </a:outerShdw>
+            </a:effectLst>
+          </a:endParaRPr>
+        </a:p>
+      </dgm:t>
+    </dgm:pt>
+    <dgm:pt modelId="{D012A263-F51F-4386-866F-0875701D4293}">
+      <dgm:prSet phldrT="[Text]" custT="1"/>
+      <dgm:spPr/>
+      <dgm:t>
+        <a:bodyPr/>
+        <a:lstStyle/>
+        <a:p>
+          <a:pPr algn="l"/>
+          <a:r>
+            <a:rPr lang="en-IN" sz="2000" b="1" i="0" dirty="0" err="1" smtClean="0">
+              <a:effectLst>
+                <a:outerShdw blurRad="38100" dist="38100" dir="2700000" algn="tl">
+                  <a:srgbClr val="000000">
+                    <a:alpha val="43137"/>
+                  </a:srgbClr>
+                </a:outerShdw>
+              </a:effectLst>
+            </a:rPr>
+            <a:t>Terraform</a:t>
+          </a:r>
+          <a:r>
+            <a:rPr lang="en-IN" sz="2000" b="1" i="0" dirty="0" smtClean="0">
+              <a:effectLst>
+                <a:outerShdw blurRad="38100" dist="38100" dir="2700000" algn="tl">
+                  <a:srgbClr val="000000">
+                    <a:alpha val="43137"/>
+                  </a:srgbClr>
+                </a:outerShdw>
+              </a:effectLst>
+            </a:rPr>
+            <a:t> (</a:t>
+          </a:r>
+          <a:r>
+            <a:rPr lang="en-IN" sz="2000" b="1" i="0" dirty="0" err="1" smtClean="0">
+              <a:effectLst>
+                <a:outerShdw blurRad="38100" dist="38100" dir="2700000" algn="tl">
+                  <a:srgbClr val="000000">
+                    <a:alpha val="43137"/>
+                  </a:srgbClr>
+                </a:outerShdw>
+              </a:effectLst>
+            </a:rPr>
+            <a:t>HashiCorp</a:t>
+          </a:r>
+          <a:r>
+            <a:rPr lang="en-IN" sz="2000" b="1" i="0" dirty="0" smtClean="0">
+              <a:effectLst>
+                <a:outerShdw blurRad="38100" dist="38100" dir="2700000" algn="tl">
+                  <a:srgbClr val="000000">
+                    <a:alpha val="43137"/>
+                  </a:srgbClr>
+                </a:outerShdw>
+              </a:effectLst>
+            </a:rPr>
+            <a:t>)</a:t>
+          </a:r>
+          <a:endParaRPr lang="en-IN" sz="2000" b="1" i="0" dirty="0">
+            <a:effectLst>
+              <a:outerShdw blurRad="38100" dist="38100" dir="2700000" algn="tl">
+                <a:srgbClr val="000000">
+                  <a:alpha val="43137"/>
+                </a:srgbClr>
+              </a:outerShdw>
+            </a:effectLst>
+          </a:endParaRPr>
+        </a:p>
+      </dgm:t>
+    </dgm:pt>
+    <dgm:pt modelId="{665924CD-6715-4FEE-998E-9CA0C58FE9C4}" type="parTrans" cxnId="{BA2641A3-2F40-4E61-80F9-A489F0E02E82}">
+      <dgm:prSet/>
+      <dgm:spPr/>
+      <dgm:t>
+        <a:bodyPr/>
+        <a:lstStyle/>
+        <a:p>
+          <a:pPr algn="l"/>
+          <a:endParaRPr lang="en-IN" sz="1600" b="1" i="0">
+            <a:effectLst>
+              <a:outerShdw blurRad="38100" dist="38100" dir="2700000" algn="tl">
+                <a:srgbClr val="000000">
+                  <a:alpha val="43137"/>
+                </a:srgbClr>
+              </a:outerShdw>
+            </a:effectLst>
+          </a:endParaRPr>
+        </a:p>
+      </dgm:t>
+    </dgm:pt>
+    <dgm:pt modelId="{1C3B4EB0-8654-4537-9B70-AF21D47B6705}" type="sibTrans" cxnId="{BA2641A3-2F40-4E61-80F9-A489F0E02E82}">
+      <dgm:prSet/>
+      <dgm:spPr/>
+      <dgm:t>
+        <a:bodyPr/>
+        <a:lstStyle/>
+        <a:p>
+          <a:pPr algn="l"/>
+          <a:endParaRPr lang="en-IN" sz="1600" b="1" i="0">
+            <a:effectLst>
+              <a:outerShdw blurRad="38100" dist="38100" dir="2700000" algn="tl">
+                <a:srgbClr val="000000">
+                  <a:alpha val="43137"/>
+                </a:srgbClr>
+              </a:outerShdw>
+            </a:effectLst>
+          </a:endParaRPr>
+        </a:p>
+      </dgm:t>
+    </dgm:pt>
+    <dgm:pt modelId="{48828C78-040E-4411-90A8-1683B3226CEE}">
+      <dgm:prSet phldrT="[Text]" custT="1"/>
+      <dgm:spPr/>
+      <dgm:t>
+        <a:bodyPr/>
+        <a:lstStyle/>
+        <a:p>
+          <a:pPr algn="l"/>
+          <a:r>
+            <a:rPr lang="en-IN" sz="2000" b="1" i="0" dirty="0" err="1" smtClean="0">
+              <a:effectLst>
+                <a:outerShdw blurRad="38100" dist="38100" dir="2700000" algn="tl">
+                  <a:srgbClr val="000000">
+                    <a:alpha val="43137"/>
+                  </a:srgbClr>
+                </a:outerShdw>
+              </a:effectLst>
+            </a:rPr>
+            <a:t>Ansible</a:t>
+          </a:r>
+          <a:r>
+            <a:rPr lang="en-IN" sz="2000" b="1" i="0" dirty="0" smtClean="0">
+              <a:effectLst>
+                <a:outerShdw blurRad="38100" dist="38100" dir="2700000" algn="tl">
+                  <a:srgbClr val="000000">
+                    <a:alpha val="43137"/>
+                  </a:srgbClr>
+                </a:outerShdw>
+              </a:effectLst>
+            </a:rPr>
+            <a:t> (Red Hat)</a:t>
+          </a:r>
+          <a:endParaRPr lang="en-IN" sz="2000" b="1" i="0" dirty="0">
+            <a:effectLst>
+              <a:outerShdw blurRad="38100" dist="38100" dir="2700000" algn="tl">
+                <a:srgbClr val="000000">
+                  <a:alpha val="43137"/>
+                </a:srgbClr>
+              </a:outerShdw>
+            </a:effectLst>
+          </a:endParaRPr>
+        </a:p>
+      </dgm:t>
+    </dgm:pt>
+    <dgm:pt modelId="{81E957C3-459E-46CA-98CB-3F5442A141C1}" type="parTrans" cxnId="{F288AF16-B19B-4939-A37E-4DFE9DDFC15D}">
+      <dgm:prSet/>
+      <dgm:spPr/>
+      <dgm:t>
+        <a:bodyPr/>
+        <a:lstStyle/>
+        <a:p>
+          <a:pPr algn="l"/>
+          <a:endParaRPr lang="en-IN" sz="1600" b="1" i="0">
+            <a:effectLst>
+              <a:outerShdw blurRad="38100" dist="38100" dir="2700000" algn="tl">
+                <a:srgbClr val="000000">
+                  <a:alpha val="43137"/>
+                </a:srgbClr>
+              </a:outerShdw>
+            </a:effectLst>
+          </a:endParaRPr>
+        </a:p>
+      </dgm:t>
+    </dgm:pt>
+    <dgm:pt modelId="{193AF9E2-3C50-4C7E-9B0F-1B2C7E4EC0A0}" type="sibTrans" cxnId="{F288AF16-B19B-4939-A37E-4DFE9DDFC15D}">
+      <dgm:prSet/>
+      <dgm:spPr/>
+      <dgm:t>
+        <a:bodyPr/>
+        <a:lstStyle/>
+        <a:p>
+          <a:pPr algn="l"/>
+          <a:endParaRPr lang="en-IN" sz="1600" b="1" i="0">
+            <a:effectLst>
+              <a:outerShdw blurRad="38100" dist="38100" dir="2700000" algn="tl">
+                <a:srgbClr val="000000">
+                  <a:alpha val="43137"/>
+                </a:srgbClr>
+              </a:outerShdw>
+            </a:effectLst>
+          </a:endParaRPr>
+        </a:p>
+      </dgm:t>
+    </dgm:pt>
+    <dgm:pt modelId="{F6423A7C-FE9E-4F8D-BFDA-D610385DCE22}">
+      <dgm:prSet phldrT="[Text]" custT="1"/>
+      <dgm:spPr/>
+      <dgm:t>
+        <a:bodyPr/>
+        <a:lstStyle/>
+        <a:p>
+          <a:pPr algn="l"/>
+          <a:r>
+            <a:rPr lang="en-IN" sz="2000" b="1" i="0" dirty="0" smtClean="0">
+              <a:effectLst>
+                <a:outerShdw blurRad="38100" dist="38100" dir="2700000" algn="tl">
+                  <a:srgbClr val="000000">
+                    <a:alpha val="43137"/>
+                  </a:srgbClr>
+                </a:outerShdw>
+              </a:effectLst>
+            </a:rPr>
+            <a:t>Azure CLI</a:t>
+          </a:r>
+          <a:endParaRPr lang="en-IN" sz="2000" b="1" i="0" dirty="0">
+            <a:effectLst>
+              <a:outerShdw blurRad="38100" dist="38100" dir="2700000" algn="tl">
+                <a:srgbClr val="000000">
+                  <a:alpha val="43137"/>
+                </a:srgbClr>
+              </a:outerShdw>
+            </a:effectLst>
+          </a:endParaRPr>
+        </a:p>
+      </dgm:t>
+    </dgm:pt>
+    <dgm:pt modelId="{3FDB6D4D-E180-48EB-BE50-88FCB4443DCE}" type="parTrans" cxnId="{1ADA2A2F-D71B-429E-B229-C02D32FA982D}">
+      <dgm:prSet/>
+      <dgm:spPr/>
+      <dgm:t>
+        <a:bodyPr/>
+        <a:lstStyle/>
+        <a:p>
+          <a:endParaRPr lang="en-IN" sz="1600"/>
+        </a:p>
+      </dgm:t>
+    </dgm:pt>
+    <dgm:pt modelId="{8E24AEFC-C8FA-4C16-8F81-EEBE072D554F}" type="sibTrans" cxnId="{1ADA2A2F-D71B-429E-B229-C02D32FA982D}">
+      <dgm:prSet/>
+      <dgm:spPr/>
+      <dgm:t>
+        <a:bodyPr/>
+        <a:lstStyle/>
+        <a:p>
+          <a:endParaRPr lang="en-IN" sz="1600"/>
+        </a:p>
+      </dgm:t>
+    </dgm:pt>
+    <dgm:pt modelId="{F0BA7D51-517A-46CC-9D57-7CCF334E0541}" type="pres">
+      <dgm:prSet presAssocID="{EB00CD1C-B204-40A6-A4D5-039D8C593D76}" presName="linearFlow" presStyleCnt="0">
+        <dgm:presLayoutVars>
+          <dgm:dir/>
+          <dgm:resizeHandles val="exact"/>
+        </dgm:presLayoutVars>
+      </dgm:prSet>
+      <dgm:spPr/>
+    </dgm:pt>
+    <dgm:pt modelId="{6F8F6550-5A3E-4251-A33B-E15C4C5B6C75}" type="pres">
+      <dgm:prSet presAssocID="{6A11848F-1353-488F-A90E-3BFE9618C9B4}" presName="composite" presStyleCnt="0"/>
+      <dgm:spPr/>
+    </dgm:pt>
+    <dgm:pt modelId="{647DB7A8-A184-4042-B34A-FE8E45546135}" type="pres">
+      <dgm:prSet presAssocID="{6A11848F-1353-488F-A90E-3BFE9618C9B4}" presName="imgShp" presStyleLbl="fgImgPlace1" presStyleIdx="0" presStyleCnt="6"/>
+      <dgm:spPr>
+        <a:blipFill rotWithShape="0">
+          <a:blip xmlns:r="http://schemas.openxmlformats.org/officeDocument/2006/relationships" r:embed="rId1"/>
+          <a:stretch>
+            <a:fillRect/>
+          </a:stretch>
+        </a:blipFill>
+      </dgm:spPr>
+      <dgm:t>
+        <a:bodyPr/>
+        <a:lstStyle/>
+        <a:p>
+          <a:endParaRPr lang="en-IN"/>
+        </a:p>
+      </dgm:t>
+    </dgm:pt>
+    <dgm:pt modelId="{E418F6FD-5CE4-4F15-8EFA-7DC5A85D647D}" type="pres">
+      <dgm:prSet presAssocID="{6A11848F-1353-488F-A90E-3BFE9618C9B4}" presName="txShp" presStyleLbl="node1" presStyleIdx="0" presStyleCnt="6">
+        <dgm:presLayoutVars>
+          <dgm:bulletEnabled val="1"/>
+        </dgm:presLayoutVars>
+      </dgm:prSet>
+      <dgm:spPr/>
+    </dgm:pt>
+    <dgm:pt modelId="{9655D403-99FD-4921-98AB-E2DA229060DC}" type="pres">
+      <dgm:prSet presAssocID="{F00B7591-E7D6-43A5-BDCE-03122ED63615}" presName="spacing" presStyleCnt="0"/>
+      <dgm:spPr/>
+    </dgm:pt>
+    <dgm:pt modelId="{9FC52D64-17E4-4A6B-B5BE-0D0C77D02D6B}" type="pres">
+      <dgm:prSet presAssocID="{5D118F1E-51EA-439A-81A0-9C1CB827812E}" presName="composite" presStyleCnt="0"/>
+      <dgm:spPr/>
+    </dgm:pt>
+    <dgm:pt modelId="{81219AE1-9981-4378-B5C7-6F5C4A8AFF92}" type="pres">
+      <dgm:prSet presAssocID="{5D118F1E-51EA-439A-81A0-9C1CB827812E}" presName="imgShp" presStyleLbl="fgImgPlace1" presStyleIdx="1" presStyleCnt="6"/>
+      <dgm:spPr>
+        <a:blipFill rotWithShape="0">
+          <a:blip xmlns:r="http://schemas.openxmlformats.org/officeDocument/2006/relationships" r:embed="rId1"/>
+          <a:stretch>
+            <a:fillRect/>
+          </a:stretch>
+        </a:blipFill>
+      </dgm:spPr>
+    </dgm:pt>
+    <dgm:pt modelId="{6EB1B28E-F377-44A0-9D30-6ABD7D788835}" type="pres">
+      <dgm:prSet presAssocID="{5D118F1E-51EA-439A-81A0-9C1CB827812E}" presName="txShp" presStyleLbl="node1" presStyleIdx="1" presStyleCnt="6">
+        <dgm:presLayoutVars>
+          <dgm:bulletEnabled val="1"/>
+        </dgm:presLayoutVars>
+      </dgm:prSet>
+      <dgm:spPr/>
+      <dgm:t>
+        <a:bodyPr/>
+        <a:lstStyle/>
+        <a:p>
+          <a:endParaRPr lang="en-IN"/>
+        </a:p>
+      </dgm:t>
+    </dgm:pt>
+    <dgm:pt modelId="{661ABEB7-63BF-4AE5-8DF3-C8EB53AD01F9}" type="pres">
+      <dgm:prSet presAssocID="{C83BBB42-F3C2-433E-A768-6BDD8970BCF2}" presName="spacing" presStyleCnt="0"/>
+      <dgm:spPr/>
+    </dgm:pt>
+    <dgm:pt modelId="{1D2B9A11-7962-40BD-B0B1-03CBE465E719}" type="pres">
+      <dgm:prSet presAssocID="{F6423A7C-FE9E-4F8D-BFDA-D610385DCE22}" presName="composite" presStyleCnt="0"/>
+      <dgm:spPr/>
+    </dgm:pt>
+    <dgm:pt modelId="{04052359-08F9-448B-B3D7-3A652C257172}" type="pres">
+      <dgm:prSet presAssocID="{F6423A7C-FE9E-4F8D-BFDA-D610385DCE22}" presName="imgShp" presStyleLbl="fgImgPlace1" presStyleIdx="2" presStyleCnt="6"/>
+      <dgm:spPr>
+        <a:blipFill rotWithShape="0">
+          <a:blip xmlns:r="http://schemas.openxmlformats.org/officeDocument/2006/relationships" r:embed="rId1"/>
+          <a:stretch>
+            <a:fillRect/>
+          </a:stretch>
+        </a:blipFill>
+      </dgm:spPr>
+    </dgm:pt>
+    <dgm:pt modelId="{AF95FDA7-B4CB-4AFB-AB5F-3AE41CB9754D}" type="pres">
+      <dgm:prSet presAssocID="{F6423A7C-FE9E-4F8D-BFDA-D610385DCE22}" presName="txShp" presStyleLbl="node1" presStyleIdx="2" presStyleCnt="6">
+        <dgm:presLayoutVars>
+          <dgm:bulletEnabled val="1"/>
+        </dgm:presLayoutVars>
+      </dgm:prSet>
+      <dgm:spPr/>
+    </dgm:pt>
+    <dgm:pt modelId="{8B9E6914-2065-412B-85C5-48801882DC21}" type="pres">
+      <dgm:prSet presAssocID="{8E24AEFC-C8FA-4C16-8F81-EEBE072D554F}" presName="spacing" presStyleCnt="0"/>
+      <dgm:spPr/>
+    </dgm:pt>
+    <dgm:pt modelId="{A2AF4B5E-DBED-4FB7-9C00-BE5CE81F4BA0}" type="pres">
+      <dgm:prSet presAssocID="{B499954E-7561-4217-8A8C-06A1487B1594}" presName="composite" presStyleCnt="0"/>
+      <dgm:spPr/>
+    </dgm:pt>
+    <dgm:pt modelId="{F0D19996-6160-4209-A19A-6A6C54D85AF4}" type="pres">
+      <dgm:prSet presAssocID="{B499954E-7561-4217-8A8C-06A1487B1594}" presName="imgShp" presStyleLbl="fgImgPlace1" presStyleIdx="3" presStyleCnt="6"/>
+      <dgm:spPr>
+        <a:blipFill rotWithShape="0">
+          <a:blip xmlns:r="http://schemas.openxmlformats.org/officeDocument/2006/relationships" r:embed="rId1"/>
+          <a:stretch>
+            <a:fillRect/>
+          </a:stretch>
+        </a:blipFill>
+      </dgm:spPr>
+    </dgm:pt>
+    <dgm:pt modelId="{4DEEED07-E6A5-4090-AB4C-E529443780F9}" type="pres">
+      <dgm:prSet presAssocID="{B499954E-7561-4217-8A8C-06A1487B1594}" presName="txShp" presStyleLbl="node1" presStyleIdx="3" presStyleCnt="6">
+        <dgm:presLayoutVars>
+          <dgm:bulletEnabled val="1"/>
+        </dgm:presLayoutVars>
+      </dgm:prSet>
+      <dgm:spPr/>
+      <dgm:t>
+        <a:bodyPr/>
+        <a:lstStyle/>
+        <a:p>
+          <a:endParaRPr lang="en-IN"/>
+        </a:p>
+      </dgm:t>
+    </dgm:pt>
+    <dgm:pt modelId="{C5A0F6FA-3BA0-4F98-AB8A-D0ACC65E5C6B}" type="pres">
+      <dgm:prSet presAssocID="{210ED609-D21B-4FAB-8525-7256A40BC14C}" presName="spacing" presStyleCnt="0"/>
+      <dgm:spPr/>
+    </dgm:pt>
+    <dgm:pt modelId="{15D399F0-DD98-4EC7-ABA8-7B54E95141CC}" type="pres">
+      <dgm:prSet presAssocID="{D012A263-F51F-4386-866F-0875701D4293}" presName="composite" presStyleCnt="0"/>
+      <dgm:spPr/>
+    </dgm:pt>
+    <dgm:pt modelId="{721673B1-1AB7-48FB-AF6F-14F8733EE7A5}" type="pres">
+      <dgm:prSet presAssocID="{D012A263-F51F-4386-866F-0875701D4293}" presName="imgShp" presStyleLbl="fgImgPlace1" presStyleIdx="4" presStyleCnt="6"/>
+      <dgm:spPr>
+        <a:blipFill rotWithShape="0">
+          <a:blip xmlns:r="http://schemas.openxmlformats.org/officeDocument/2006/relationships" r:embed="rId1"/>
+          <a:stretch>
+            <a:fillRect/>
+          </a:stretch>
+        </a:blipFill>
+      </dgm:spPr>
+    </dgm:pt>
+    <dgm:pt modelId="{9A65D9C6-7734-4E51-98A1-7EA2990BCEAE}" type="pres">
+      <dgm:prSet presAssocID="{D012A263-F51F-4386-866F-0875701D4293}" presName="txShp" presStyleLbl="node1" presStyleIdx="4" presStyleCnt="6">
+        <dgm:presLayoutVars>
+          <dgm:bulletEnabled val="1"/>
+        </dgm:presLayoutVars>
+      </dgm:prSet>
+      <dgm:spPr/>
+      <dgm:t>
+        <a:bodyPr/>
+        <a:lstStyle/>
+        <a:p>
+          <a:endParaRPr lang="en-IN"/>
+        </a:p>
+      </dgm:t>
+    </dgm:pt>
+    <dgm:pt modelId="{C3C962CA-A7ED-4DF2-B380-A72DB269AC1D}" type="pres">
+      <dgm:prSet presAssocID="{1C3B4EB0-8654-4537-9B70-AF21D47B6705}" presName="spacing" presStyleCnt="0"/>
+      <dgm:spPr/>
+    </dgm:pt>
+    <dgm:pt modelId="{17A0BB48-86D6-4DD9-9D04-D0F2FF6E33D7}" type="pres">
+      <dgm:prSet presAssocID="{48828C78-040E-4411-90A8-1683B3226CEE}" presName="composite" presStyleCnt="0"/>
+      <dgm:spPr/>
+    </dgm:pt>
+    <dgm:pt modelId="{9C825128-6184-4ADB-B5F9-5E0AF61082A9}" type="pres">
+      <dgm:prSet presAssocID="{48828C78-040E-4411-90A8-1683B3226CEE}" presName="imgShp" presStyleLbl="fgImgPlace1" presStyleIdx="5" presStyleCnt="6"/>
+      <dgm:spPr>
+        <a:blipFill rotWithShape="0">
+          <a:blip xmlns:r="http://schemas.openxmlformats.org/officeDocument/2006/relationships" r:embed="rId1"/>
+          <a:stretch>
+            <a:fillRect/>
+          </a:stretch>
+        </a:blipFill>
+      </dgm:spPr>
+    </dgm:pt>
+    <dgm:pt modelId="{7B63D496-7ED8-438E-842F-EE0B9649022F}" type="pres">
+      <dgm:prSet presAssocID="{48828C78-040E-4411-90A8-1683B3226CEE}" presName="txShp" presStyleLbl="node1" presStyleIdx="5" presStyleCnt="6">
+        <dgm:presLayoutVars>
+          <dgm:bulletEnabled val="1"/>
+        </dgm:presLayoutVars>
+      </dgm:prSet>
+      <dgm:spPr/>
+      <dgm:t>
+        <a:bodyPr/>
+        <a:lstStyle/>
+        <a:p>
+          <a:endParaRPr lang="en-IN"/>
+        </a:p>
+      </dgm:t>
+    </dgm:pt>
+  </dgm:ptLst>
+  <dgm:cxnLst>
+    <dgm:cxn modelId="{AE2F0D5F-77F3-49C9-A6EF-D4D47C7D8120}" type="presOf" srcId="{48828C78-040E-4411-90A8-1683B3226CEE}" destId="{7B63D496-7ED8-438E-842F-EE0B9649022F}" srcOrd="0" destOrd="0" presId="urn:microsoft.com/office/officeart/2005/8/layout/vList3"/>
+    <dgm:cxn modelId="{BA2641A3-2F40-4E61-80F9-A489F0E02E82}" srcId="{EB00CD1C-B204-40A6-A4D5-039D8C593D76}" destId="{D012A263-F51F-4386-866F-0875701D4293}" srcOrd="4" destOrd="0" parTransId="{665924CD-6715-4FEE-998E-9CA0C58FE9C4}" sibTransId="{1C3B4EB0-8654-4537-9B70-AF21D47B6705}"/>
+    <dgm:cxn modelId="{F1187501-715B-45E3-8D1B-72DDA329746D}" srcId="{EB00CD1C-B204-40A6-A4D5-039D8C593D76}" destId="{6A11848F-1353-488F-A90E-3BFE9618C9B4}" srcOrd="0" destOrd="0" parTransId="{ED1920B7-A8E5-4358-B986-6515ED51D56E}" sibTransId="{F00B7591-E7D6-43A5-BDCE-03122ED63615}"/>
+    <dgm:cxn modelId="{A389A4B6-AC45-4129-B2D5-C033E06C3DD7}" type="presOf" srcId="{EB00CD1C-B204-40A6-A4D5-039D8C593D76}" destId="{F0BA7D51-517A-46CC-9D57-7CCF334E0541}" srcOrd="0" destOrd="0" presId="urn:microsoft.com/office/officeart/2005/8/layout/vList3"/>
+    <dgm:cxn modelId="{4FC0CE23-A69E-49FA-8AC3-06CFA0C1D1C4}" srcId="{EB00CD1C-B204-40A6-A4D5-039D8C593D76}" destId="{B499954E-7561-4217-8A8C-06A1487B1594}" srcOrd="3" destOrd="0" parTransId="{72AE232D-F44B-467A-8EB6-55CC49CADAE5}" sibTransId="{210ED609-D21B-4FAB-8525-7256A40BC14C}"/>
+    <dgm:cxn modelId="{1ADA2A2F-D71B-429E-B229-C02D32FA982D}" srcId="{EB00CD1C-B204-40A6-A4D5-039D8C593D76}" destId="{F6423A7C-FE9E-4F8D-BFDA-D610385DCE22}" srcOrd="2" destOrd="0" parTransId="{3FDB6D4D-E180-48EB-BE50-88FCB4443DCE}" sibTransId="{8E24AEFC-C8FA-4C16-8F81-EEBE072D554F}"/>
+    <dgm:cxn modelId="{B647970A-1FA9-406A-B551-183374EC31A3}" type="presOf" srcId="{5D118F1E-51EA-439A-81A0-9C1CB827812E}" destId="{6EB1B28E-F377-44A0-9D30-6ABD7D788835}" srcOrd="0" destOrd="0" presId="urn:microsoft.com/office/officeart/2005/8/layout/vList3"/>
+    <dgm:cxn modelId="{F288AF16-B19B-4939-A37E-4DFE9DDFC15D}" srcId="{EB00CD1C-B204-40A6-A4D5-039D8C593D76}" destId="{48828C78-040E-4411-90A8-1683B3226CEE}" srcOrd="5" destOrd="0" parTransId="{81E957C3-459E-46CA-98CB-3F5442A141C1}" sibTransId="{193AF9E2-3C50-4C7E-9B0F-1B2C7E4EC0A0}"/>
+    <dgm:cxn modelId="{2AC3504C-2C3D-4206-8F0C-35496DB5CB8C}" type="presOf" srcId="{F6423A7C-FE9E-4F8D-BFDA-D610385DCE22}" destId="{AF95FDA7-B4CB-4AFB-AB5F-3AE41CB9754D}" srcOrd="0" destOrd="0" presId="urn:microsoft.com/office/officeart/2005/8/layout/vList3"/>
+    <dgm:cxn modelId="{FC4DB3EE-7958-4C41-BE87-9197486DBC3C}" type="presOf" srcId="{6A11848F-1353-488F-A90E-3BFE9618C9B4}" destId="{E418F6FD-5CE4-4F15-8EFA-7DC5A85D647D}" srcOrd="0" destOrd="0" presId="urn:microsoft.com/office/officeart/2005/8/layout/vList3"/>
+    <dgm:cxn modelId="{528A6ED5-B55C-4465-9324-9D842C8207F8}" type="presOf" srcId="{B499954E-7561-4217-8A8C-06A1487B1594}" destId="{4DEEED07-E6A5-4090-AB4C-E529443780F9}" srcOrd="0" destOrd="0" presId="urn:microsoft.com/office/officeart/2005/8/layout/vList3"/>
+    <dgm:cxn modelId="{0DA53CBB-3806-4E71-8FF4-AFD02FFDA5B8}" srcId="{EB00CD1C-B204-40A6-A4D5-039D8C593D76}" destId="{5D118F1E-51EA-439A-81A0-9C1CB827812E}" srcOrd="1" destOrd="0" parTransId="{5FBD6E21-E43F-4788-8B76-46D2A671E78C}" sibTransId="{C83BBB42-F3C2-433E-A768-6BDD8970BCF2}"/>
+    <dgm:cxn modelId="{2A95701D-C622-4BF8-9F38-5AEF1058E206}" type="presOf" srcId="{D012A263-F51F-4386-866F-0875701D4293}" destId="{9A65D9C6-7734-4E51-98A1-7EA2990BCEAE}" srcOrd="0" destOrd="0" presId="urn:microsoft.com/office/officeart/2005/8/layout/vList3"/>
+    <dgm:cxn modelId="{4073B9E4-0201-41B5-B818-A8E327FDE198}" type="presParOf" srcId="{F0BA7D51-517A-46CC-9D57-7CCF334E0541}" destId="{6F8F6550-5A3E-4251-A33B-E15C4C5B6C75}" srcOrd="0" destOrd="0" presId="urn:microsoft.com/office/officeart/2005/8/layout/vList3"/>
+    <dgm:cxn modelId="{552542F5-770C-4599-ADFE-7CB27319A9E5}" type="presParOf" srcId="{6F8F6550-5A3E-4251-A33B-E15C4C5B6C75}" destId="{647DB7A8-A184-4042-B34A-FE8E45546135}" srcOrd="0" destOrd="0" presId="urn:microsoft.com/office/officeart/2005/8/layout/vList3"/>
+    <dgm:cxn modelId="{8DB72B01-6BBE-4EAB-B5E6-A2DFFCCCED0B}" type="presParOf" srcId="{6F8F6550-5A3E-4251-A33B-E15C4C5B6C75}" destId="{E418F6FD-5CE4-4F15-8EFA-7DC5A85D647D}" srcOrd="1" destOrd="0" presId="urn:microsoft.com/office/officeart/2005/8/layout/vList3"/>
+    <dgm:cxn modelId="{B04BAD13-9C4F-45E3-8399-4798F557500C}" type="presParOf" srcId="{F0BA7D51-517A-46CC-9D57-7CCF334E0541}" destId="{9655D403-99FD-4921-98AB-E2DA229060DC}" srcOrd="1" destOrd="0" presId="urn:microsoft.com/office/officeart/2005/8/layout/vList3"/>
+    <dgm:cxn modelId="{24DC2B58-D5CD-4EBB-8B2F-4FB29A37D2C5}" type="presParOf" srcId="{F0BA7D51-517A-46CC-9D57-7CCF334E0541}" destId="{9FC52D64-17E4-4A6B-B5BE-0D0C77D02D6B}" srcOrd="2" destOrd="0" presId="urn:microsoft.com/office/officeart/2005/8/layout/vList3"/>
+    <dgm:cxn modelId="{5C5234E0-C429-45E9-9574-7894CDD7EA12}" type="presParOf" srcId="{9FC52D64-17E4-4A6B-B5BE-0D0C77D02D6B}" destId="{81219AE1-9981-4378-B5C7-6F5C4A8AFF92}" srcOrd="0" destOrd="0" presId="urn:microsoft.com/office/officeart/2005/8/layout/vList3"/>
+    <dgm:cxn modelId="{140E5B33-1F54-4955-95D1-082C16C98A84}" type="presParOf" srcId="{9FC52D64-17E4-4A6B-B5BE-0D0C77D02D6B}" destId="{6EB1B28E-F377-44A0-9D30-6ABD7D788835}" srcOrd="1" destOrd="0" presId="urn:microsoft.com/office/officeart/2005/8/layout/vList3"/>
+    <dgm:cxn modelId="{E04506B1-833D-4E5E-BB9F-C5E60D1D803B}" type="presParOf" srcId="{F0BA7D51-517A-46CC-9D57-7CCF334E0541}" destId="{661ABEB7-63BF-4AE5-8DF3-C8EB53AD01F9}" srcOrd="3" destOrd="0" presId="urn:microsoft.com/office/officeart/2005/8/layout/vList3"/>
+    <dgm:cxn modelId="{5EEF6842-6729-450A-8E08-60E30B66796F}" type="presParOf" srcId="{F0BA7D51-517A-46CC-9D57-7CCF334E0541}" destId="{1D2B9A11-7962-40BD-B0B1-03CBE465E719}" srcOrd="4" destOrd="0" presId="urn:microsoft.com/office/officeart/2005/8/layout/vList3"/>
+    <dgm:cxn modelId="{2E128DF4-A031-4025-899D-DE2008F7EEC7}" type="presParOf" srcId="{1D2B9A11-7962-40BD-B0B1-03CBE465E719}" destId="{04052359-08F9-448B-B3D7-3A652C257172}" srcOrd="0" destOrd="0" presId="urn:microsoft.com/office/officeart/2005/8/layout/vList3"/>
+    <dgm:cxn modelId="{A43796BC-A7DF-44CC-A717-4FC3E9B23820}" type="presParOf" srcId="{1D2B9A11-7962-40BD-B0B1-03CBE465E719}" destId="{AF95FDA7-B4CB-4AFB-AB5F-3AE41CB9754D}" srcOrd="1" destOrd="0" presId="urn:microsoft.com/office/officeart/2005/8/layout/vList3"/>
+    <dgm:cxn modelId="{9F65AD7F-D426-4D08-A346-B06A3DA68D34}" type="presParOf" srcId="{F0BA7D51-517A-46CC-9D57-7CCF334E0541}" destId="{8B9E6914-2065-412B-85C5-48801882DC21}" srcOrd="5" destOrd="0" presId="urn:microsoft.com/office/officeart/2005/8/layout/vList3"/>
+    <dgm:cxn modelId="{BF9F0F5B-1E0F-4A5A-8907-3C96BE5BE8DF}" type="presParOf" srcId="{F0BA7D51-517A-46CC-9D57-7CCF334E0541}" destId="{A2AF4B5E-DBED-4FB7-9C00-BE5CE81F4BA0}" srcOrd="6" destOrd="0" presId="urn:microsoft.com/office/officeart/2005/8/layout/vList3"/>
+    <dgm:cxn modelId="{824CFF5E-55A5-41CD-B212-A51421788472}" type="presParOf" srcId="{A2AF4B5E-DBED-4FB7-9C00-BE5CE81F4BA0}" destId="{F0D19996-6160-4209-A19A-6A6C54D85AF4}" srcOrd="0" destOrd="0" presId="urn:microsoft.com/office/officeart/2005/8/layout/vList3"/>
+    <dgm:cxn modelId="{CAEAA942-D058-4A4C-8947-22377826B535}" type="presParOf" srcId="{A2AF4B5E-DBED-4FB7-9C00-BE5CE81F4BA0}" destId="{4DEEED07-E6A5-4090-AB4C-E529443780F9}" srcOrd="1" destOrd="0" presId="urn:microsoft.com/office/officeart/2005/8/layout/vList3"/>
+    <dgm:cxn modelId="{1E5A78B0-E0BA-40C8-A714-653A935666C3}" type="presParOf" srcId="{F0BA7D51-517A-46CC-9D57-7CCF334E0541}" destId="{C5A0F6FA-3BA0-4F98-AB8A-D0ACC65E5C6B}" srcOrd="7" destOrd="0" presId="urn:microsoft.com/office/officeart/2005/8/layout/vList3"/>
+    <dgm:cxn modelId="{A61DC90B-13C7-48FB-961B-1C728CDCB429}" type="presParOf" srcId="{F0BA7D51-517A-46CC-9D57-7CCF334E0541}" destId="{15D399F0-DD98-4EC7-ABA8-7B54E95141CC}" srcOrd="8" destOrd="0" presId="urn:microsoft.com/office/officeart/2005/8/layout/vList3"/>
+    <dgm:cxn modelId="{FA892CDA-BCE8-4108-A1B3-AD6D35947AB8}" type="presParOf" srcId="{15D399F0-DD98-4EC7-ABA8-7B54E95141CC}" destId="{721673B1-1AB7-48FB-AF6F-14F8733EE7A5}" srcOrd="0" destOrd="0" presId="urn:microsoft.com/office/officeart/2005/8/layout/vList3"/>
+    <dgm:cxn modelId="{C09DDE73-C361-41CC-B3C1-5ABE2222468E}" type="presParOf" srcId="{15D399F0-DD98-4EC7-ABA8-7B54E95141CC}" destId="{9A65D9C6-7734-4E51-98A1-7EA2990BCEAE}" srcOrd="1" destOrd="0" presId="urn:microsoft.com/office/officeart/2005/8/layout/vList3"/>
+    <dgm:cxn modelId="{DEADD165-6599-47C9-8955-7F93FC12253E}" type="presParOf" srcId="{F0BA7D51-517A-46CC-9D57-7CCF334E0541}" destId="{C3C962CA-A7ED-4DF2-B380-A72DB269AC1D}" srcOrd="9" destOrd="0" presId="urn:microsoft.com/office/officeart/2005/8/layout/vList3"/>
+    <dgm:cxn modelId="{C19FE833-A87D-46B9-8795-0F37633269C6}" type="presParOf" srcId="{F0BA7D51-517A-46CC-9D57-7CCF334E0541}" destId="{17A0BB48-86D6-4DD9-9D04-D0F2FF6E33D7}" srcOrd="10" destOrd="0" presId="urn:microsoft.com/office/officeart/2005/8/layout/vList3"/>
+    <dgm:cxn modelId="{B25683AC-5C74-4047-AB7C-F04B5179BFBA}" type="presParOf" srcId="{17A0BB48-86D6-4DD9-9D04-D0F2FF6E33D7}" destId="{9C825128-6184-4ADB-B5F9-5E0AF61082A9}" srcOrd="0" destOrd="0" presId="urn:microsoft.com/office/officeart/2005/8/layout/vList3"/>
+    <dgm:cxn modelId="{99B16F37-DFF2-4407-B094-FEE5338A325C}" type="presParOf" srcId="{17A0BB48-86D6-4DD9-9D04-D0F2FF6E33D7}" destId="{7B63D496-7ED8-438E-842F-EE0B9649022F}" srcOrd="1" destOrd="0" presId="urn:microsoft.com/office/officeart/2005/8/layout/vList3"/>
+  </dgm:cxnLst>
+  <dgm:bg/>
+  <dgm:whole/>
+</dgm:dataModel>
+</file>
+
+<file path=ppt/diagrams/layout1.xml><?xml version="1.0" encoding="utf-8"?>
+<dgm:layoutDef xmlns:dgm="http://schemas.openxmlformats.org/drawingml/2006/diagram" xmlns:a="http://schemas.openxmlformats.org/drawingml/2006/main" uniqueId="urn:microsoft.com/office/officeart/2005/8/layout/vList3">
+  <dgm:title val=""/>
+  <dgm:desc val=""/>
+  <dgm:catLst>
+    <dgm:cat type="list" pri="14000"/>
+    <dgm:cat type="convert" pri="3000"/>
+  </dgm:catLst>
+  <dgm:sampData useDef="1">
+    <dgm:dataModel>
+      <dgm:ptLst/>
+      <dgm:bg/>
+      <dgm:whole/>
+    </dgm:dataModel>
+  </dgm:sampData>
+  <dgm:styleData>
+    <dgm:dataModel>
+      <dgm:ptLst>
+        <dgm:pt modelId="0" type="doc"/>
+        <dgm:pt modelId="1"/>
+        <dgm:pt modelId="2"/>
+      </dgm:ptLst>
+      <dgm:cxnLst>
+        <dgm:cxn modelId="3" srcId="0" destId="1" srcOrd="0" destOrd="0"/>
+        <dgm:cxn modelId="4" srcId="0" destId="2" srcOrd="1" destOrd="0"/>
+      </dgm:cxnLst>
+      <dgm:bg/>
+      <dgm:whole/>
+    </dgm:dataModel>
+  </dgm:styleData>
+  <dgm:clrData>
+    <dgm:dataModel>
+      <dgm:ptLst>
+        <dgm:pt modelId="0" type="doc"/>
+        <dgm:pt modelId="1"/>
+        <dgm:pt modelId="2"/>
+        <dgm:pt modelId="3"/>
+        <dgm:pt modelId="4"/>
+      </dgm:ptLst>
+      <dgm:cxnLst>
+        <dgm:cxn modelId="5" srcId="0" destId="1" srcOrd="0" destOrd="0"/>
+        <dgm:cxn modelId="6" srcId="0" destId="2" srcOrd="1" destOrd="0"/>
+        <dgm:cxn modelId="7" srcId="0" destId="3" srcOrd="2" destOrd="0"/>
+        <dgm:cxn modelId="8" srcId="0" destId="4" srcOrd="3" destOrd="0"/>
+      </dgm:cxnLst>
+      <dgm:bg/>
+      <dgm:whole/>
+    </dgm:dataModel>
+  </dgm:clrData>
+  <dgm:layoutNode name="linearFlow">
+    <dgm:varLst>
+      <dgm:dir/>
+      <dgm:resizeHandles val="exact"/>
+    </dgm:varLst>
+    <dgm:alg type="lin">
+      <dgm:param type="linDir" val="fromT"/>
+      <dgm:param type="vertAlign" val="mid"/>
+      <dgm:param type="horzAlign" val="ctr"/>
+    </dgm:alg>
+    <dgm:shape xmlns:r="http://schemas.openxmlformats.org/officeDocument/2006/relationships" r:blip="">
+      <dgm:adjLst/>
+    </dgm:shape>
+    <dgm:presOf/>
+    <dgm:constrLst>
+      <dgm:constr type="w" for="ch" forName="composite" refType="w"/>
+      <dgm:constr type="h" for="ch" forName="composite" refType="h"/>
+      <dgm:constr type="h" for="ch" forName="spacing" refType="h" refFor="ch" refForName="composite" fact="0.25"/>
+      <dgm:constr type="h" for="ch" forName="spacing" refType="w" op="lte" fact="0.1"/>
+      <dgm:constr type="primFontSz" for="des" ptType="node" op="equ" val="65"/>
+    </dgm:constrLst>
+    <dgm:ruleLst/>
+    <dgm:forEach name="Name0" axis="ch" ptType="node">
+      <dgm:layoutNode name="composite">
+        <dgm:alg type="composite"/>
+        <dgm:shape xmlns:r="http://schemas.openxmlformats.org/officeDocument/2006/relationships" r:blip="">
+          <dgm:adjLst/>
+        </dgm:shape>
+        <dgm:presOf/>
+        <dgm:choose name="Name1">
+          <dgm:if name="Name2" func="var" arg="dir" op="equ" val="norm">
+            <dgm:constrLst>
+              <dgm:constr type="w" for="ch" forName="imgShp" refType="w" fact="0.335"/>
+              <dgm:constr type="h" for="ch" forName="imgShp" refType="w" refFor="ch" refForName="imgShp" op="equ"/>
+              <dgm:constr type="h" for="ch" forName="imgShp" refType="h" op="lte"/>
+              <dgm:constr type="ctrY" for="ch" forName="imgShp" refType="h" fact="0.5"/>
+              <dgm:constr type="l" for="ch" forName="imgShp"/>
+              <dgm:constr type="w" for="ch" forName="txShp" refType="w" op="equ" fact="0.665"/>
+              <dgm:constr type="h" for="ch" forName="txShp" refType="h" refFor="ch" refForName="imgShp" op="equ"/>
+              <dgm:constr type="ctrY" for="ch" forName="txShp" refType="h" fact="0.5"/>
+              <dgm:constr type="l" for="ch" forName="txShp" refType="w" refFor="ch" refForName="imgShp" fact="0.5"/>
+              <dgm:constr type="lMarg" for="ch" forName="txShp" refType="w" refFor="ch" refForName="imgShp" fact="1.25"/>
+            </dgm:constrLst>
+          </dgm:if>
+          <dgm:else name="Name3">
+            <dgm:constrLst>
+              <dgm:constr type="w" for="ch" forName="imgShp" refType="w" fact="0.335"/>
+              <dgm:constr type="h" for="ch" forName="imgShp" refType="w" refFor="ch" refForName="imgShp" op="equ"/>
+              <dgm:constr type="h" for="ch" forName="imgShp" refType="h" op="lte"/>
+              <dgm:constr type="ctrY" for="ch" forName="imgShp" refType="h" fact="0.5"/>
+              <dgm:constr type="r" for="ch" forName="imgShp" refType="w"/>
+              <dgm:constr type="w" for="ch" forName="txShp" refType="w" op="equ" fact="0.665"/>
+              <dgm:constr type="h" for="ch" forName="txShp" refType="h" refFor="ch" refForName="imgShp" op="equ"/>
+              <dgm:constr type="ctrY" for="ch" forName="txShp" refType="h" fact="0.5"/>
+              <dgm:constr type="r" for="ch" forName="txShp" refType="ctrX" refFor="ch" refForName="imgShp"/>
+              <dgm:constr type="rMarg" for="ch" forName="txShp" refType="w" refFor="ch" refForName="imgShp" fact="1.25"/>
+            </dgm:constrLst>
+          </dgm:else>
+        </dgm:choose>
+        <dgm:ruleLst/>
+        <dgm:layoutNode name="imgShp" styleLbl="fgImgPlace1">
+          <dgm:alg type="sp"/>
+          <dgm:shape xmlns:r="http://schemas.openxmlformats.org/officeDocument/2006/relationships" type="ellipse" r:blip="" blipPhldr="1">
+            <dgm:adjLst/>
+          </dgm:shape>
+          <dgm:presOf/>
+          <dgm:constrLst/>
+          <dgm:ruleLst/>
+        </dgm:layoutNode>
+        <dgm:layoutNode name="txShp">
+          <dgm:varLst>
+            <dgm:bulletEnabled val="1"/>
+          </dgm:varLst>
+          <dgm:alg type="tx"/>
+          <dgm:choose name="Name4">
+            <dgm:if name="Name5" func="var" arg="dir" op="equ" val="norm">
+              <dgm:shape xmlns:r="http://schemas.openxmlformats.org/officeDocument/2006/relationships" rot="180" type="homePlate" r:blip="" zOrderOff="-1">
+                <dgm:adjLst/>
+              </dgm:shape>
+            </dgm:if>
+            <dgm:else name="Name6">
+              <dgm:shape xmlns:r="http://schemas.openxmlformats.org/officeDocument/2006/relationships" type="homePlate" r:blip="" zOrderOff="-1">
+                <dgm:adjLst/>
+              </dgm:shape>
+            </dgm:else>
+          </dgm:choose>
+          <dgm:presOf axis="desOrSelf" ptType="node"/>
+          <dgm:constrLst>
+            <dgm:constr type="tMarg" refType="primFontSz" fact="0.3"/>
+            <dgm:constr type="bMarg" refType="primFontSz" fact="0.3"/>
+          </dgm:constrLst>
+          <dgm:ruleLst>
+            <dgm:rule type="primFontSz" val="5" fact="NaN" max="NaN"/>
+          </dgm:ruleLst>
+        </dgm:layoutNode>
+      </dgm:layoutNode>
+      <dgm:forEach name="Name7" axis="followSib" ptType="sibTrans" cnt="1">
+        <dgm:layoutNode name="spacing">
+          <dgm:alg type="sp"/>
+          <dgm:shape xmlns:r="http://schemas.openxmlformats.org/officeDocument/2006/relationships" r:blip="">
+            <dgm:adjLst/>
+          </dgm:shape>
+          <dgm:presOf axis="self"/>
+          <dgm:constrLst/>
+          <dgm:ruleLst/>
+        </dgm:layoutNode>
+      </dgm:forEach>
+    </dgm:forEach>
+  </dgm:layoutNode>
+</dgm:layoutDef>
+</file>
+
+<file path=ppt/diagrams/quickStyle1.xml><?xml version="1.0" encoding="utf-8"?>
+<dgm:styleDef xmlns:dgm="http://schemas.openxmlformats.org/drawingml/2006/diagram" xmlns:a="http://schemas.openxmlformats.org/drawingml/2006/main" uniqueId="urn:microsoft.com/office/officeart/2005/8/quickstyle/3d3">
+  <dgm:title val=""/>
+  <dgm:desc val=""/>
+  <dgm:catLst>
+    <dgm:cat type="3D" pri="11300"/>
+  </dgm:catLst>
+  <dgm:scene3d>
+    <a:camera prst="orthographicFront"/>
+    <a:lightRig rig="threePt" dir="t"/>
+  </dgm:scene3d>
+  <dgm:styleLbl name="node0">
+    <dgm:scene3d>
+      <a:camera prst="orthographicFront">
+        <a:rot lat="0" lon="0" rev="0"/>
+      </a:camera>
+      <a:lightRig rig="contrasting" dir="t">
+        <a:rot lat="0" lon="0" rev="1200000"/>
+      </a:lightRig>
+    </dgm:scene3d>
+    <dgm:sp3d contourW="19050" prstMaterial="metal">
+      <a:bevelT w="88900" h="203200"/>
+      <a:bevelB w="165100" h="254000"/>
+    </dgm:sp3d>
+    <dgm:txPr/>
+    <dgm:style>
+      <a:lnRef idx="0">
+        <a:scrgbClr r="0" g="0" b="0"/>
+      </a:lnRef>
+      <a:fillRef idx="1">
+        <a:scrgbClr r="0" g="0" b="0"/>
+      </a:fillRef>
+      <a:effectRef idx="1">
+        <a:scrgbClr r="0" g="0" b="0"/>
+      </a:effectRef>
+      <a:fontRef idx="minor">
+        <a:schemeClr val="lt1"/>
+      </a:fontRef>
+    </dgm:style>
+  </dgm:styleLbl>
+  <dgm:styleLbl name="lnNode1">
+    <dgm:scene3d>
+      <a:camera prst="orthographicFront">
+        <a:rot lat="0" lon="0" rev="0"/>
+      </a:camera>
+      <a:lightRig rig="contrasting" dir="t">
+        <a:rot lat="0" lon="0" rev="1200000"/>
+      </a:lightRig>
+    </dgm:scene3d>
+    <dgm:sp3d contourW="19050" prstMaterial="metal">
+      <a:bevelT w="88900" h="203200"/>
+      <a:bevelB w="165100" h="254000"/>
+    </dgm:sp3d>
+    <dgm:txPr/>
+    <dgm:style>
+      <a:lnRef idx="0">
+        <a:scrgbClr r="0" g="0" b="0"/>
+      </a:lnRef>
+      <a:fillRef idx="1">
+        <a:scrgbClr r="0" g="0" b="0"/>
+      </a:fillRef>
+      <a:effectRef idx="1">
+        <a:scrgbClr r="0" g="0" b="0"/>
+      </a:effectRef>
+      <a:fontRef idx="minor">
+        <a:schemeClr val="lt1"/>
+      </a:fontRef>
+    </dgm:style>
+  </dgm:styleLbl>
+  <dgm:styleLbl name="vennNode1">
+    <dgm:scene3d>
+      <a:camera prst="orthographicFront">
+        <a:rot lat="0" lon="0" rev="0"/>
+      </a:camera>
+      <a:lightRig rig="contrasting" dir="t">
+        <a:rot lat="0" lon="0" rev="1200000"/>
+      </a:lightRig>
+    </dgm:scene3d>
+    <dgm:sp3d contourW="12700" prstMaterial="clear">
+      <a:bevelT w="177800" h="254000"/>
+      <a:bevelB w="152400"/>
+    </dgm:sp3d>
+    <dgm:txPr/>
+    <dgm:style>
+      <a:lnRef idx="0">
+        <a:scrgbClr r="0" g="0" b="0"/>
+      </a:lnRef>
+      <a:fillRef idx="1">
+        <a:scrgbClr r="0" g="0" b="0"/>
+      </a:fillRef>
+      <a:effectRef idx="0">
+        <a:scrgbClr r="0" g="0" b="0"/>
+      </a:effectRef>
+      <a:fontRef idx="minor">
+        <a:schemeClr val="tx1"/>
+      </a:fontRef>
+    </dgm:style>
+  </dgm:styleLbl>
+  <dgm:styleLbl name="alignNode1">
+    <dgm:scene3d>
+      <a:camera prst="orthographicFront">
+        <a:rot lat="0" lon="0" rev="0"/>
+      </a:camera>
+      <a:lightRig rig="contrasting" dir="t">
+        <a:rot lat="0" lon="0" rev="1200000"/>
+      </a:lightRig>
+    </dgm:scene3d>
+    <dgm:sp3d contourW="19050" prstMaterial="metal">
+      <a:bevelT w="88900" h="203200"/>
+      <a:bevelB w="165100" h="254000"/>
+    </dgm:sp3d>
+    <dgm:txPr/>
+    <dgm:style>
+      <a:lnRef idx="0">
+        <a:scrgbClr r="0" g="0" b="0"/>
+      </a:lnRef>
+      <a:fillRef idx="1">
+        <a:scrgbClr r="0" g="0" b="0"/>
+      </a:fillRef>
+      <a:effectRef idx="2">
+        <a:scrgbClr r="0" g="0" b="0"/>
+      </a:effectRef>
+      <a:fontRef idx="minor">
+        <a:schemeClr val="lt1"/>
+      </a:fontRef>
+    </dgm:style>
+  </dgm:styleLbl>
+  <dgm:styleLbl name="node1">
+    <dgm:scene3d>
+      <a:camera prst="orthographicFront">
+        <a:rot lat="0" lon="0" rev="0"/>
+      </a:camera>
+      <a:lightRig rig="contrasting" dir="t">
+        <a:rot lat="0" lon="0" rev="1200000"/>
+      </a:lightRig>
+    </dgm:scene3d>
+    <dgm:sp3d contourW="19050" prstMaterial="metal">
+      <a:bevelT w="88900" h="203200"/>
+      <a:bevelB w="165100" h="254000"/>
+    </dgm:sp3d>
+    <dgm:txPr/>
+    <dgm:style>
+      <a:lnRef idx="0">
+        <a:scrgbClr r="0" g="0" b="0"/>
+      </a:lnRef>
+      <a:fillRef idx="1">
+        <a:scrgbClr r="0" g="0" b="0"/>
+      </a:fillRef>
+      <a:effectRef idx="2">
+        <a:scrgbClr r="0" g="0" b="0"/>
+      </a:effectRef>
+      <a:fontRef idx="minor">
+        <a:schemeClr val="lt1"/>
+      </a:fontRef>
+    </dgm:style>
+  </dgm:styleLbl>
+  <dgm:styleLbl name="node2">
+    <dgm:scene3d>
+      <a:camera prst="orthographicFront">
+        <a:rot lat="0" lon="0" rev="0"/>
+      </a:camera>
+      <a:lightRig rig="contrasting" dir="t">
+        <a:rot lat="0" lon="0" rev="1200000"/>
+      </a:lightRig>
+    </dgm:scene3d>
+    <dgm:sp3d contourW="19050" prstMaterial="metal">
+      <a:bevelT w="88900" h="203200"/>
+      <a:bevelB w="165100" h="254000"/>
+    </dgm:sp3d>
+    <dgm:txPr/>
+    <dgm:style>
+      <a:lnRef idx="0">
+        <a:scrgbClr r="0" g="0" b="0"/>
+      </a:lnRef>
+      <a:fillRef idx="1">
+        <a:scrgbClr r="0" g="0" b="0"/>
+      </a:fillRef>
+      <a:effectRef idx="1">
+        <a:scrgbClr r="0" g="0" b="0"/>
+      </a:effectRef>
+      <a:fontRef idx="minor">
+        <a:schemeClr val="lt1"/>
+      </a:fontRef>
+    </dgm:style>
+  </dgm:styleLbl>
+  <dgm:styleLbl name="node3">
+    <dgm:scene3d>
+      <a:camera prst="orthographicFront">
+        <a:rot lat="0" lon="0" rev="0"/>
+      </a:camera>
+      <a:lightRig rig="contrasting" dir="t">
+        <a:rot lat="0" lon="0" rev="1200000"/>
+      </a:lightRig>
+    </dgm:scene3d>
+    <dgm:sp3d contourW="19050" prstMaterial="metal">
+      <a:bevelT w="88900" h="203200"/>
+      <a:bevelB w="165100" h="254000"/>
+    </dgm:sp3d>
+    <dgm:txPr/>
+    <dgm:style>
+      <a:lnRef idx="0">
+        <a:scrgbClr r="0" g="0" b="0"/>
+      </a:lnRef>
+      <a:fillRef idx="1">
+        <a:scrgbClr r="0" g="0" b="0"/>
+      </a:fillRef>
+      <a:effectRef idx="1">
+        <a:scrgbClr r="0" g="0" b="0"/>
+      </a:effectRef>
+      <a:fontRef idx="minor">
+        <a:schemeClr val="lt1"/>
+      </a:fontRef>
+    </dgm:style>
+  </dgm:styleLbl>
+  <dgm:styleLbl name="node4">
+    <dgm:scene3d>
+      <a:camera prst="orthographicFront">
+        <a:rot lat="0" lon="0" rev="0"/>
+      </a:camera>
+      <a:lightRig rig="contrasting" dir="t">
+        <a:rot lat="0" lon="0" rev="1200000"/>
+      </a:lightRig>
+    </dgm:scene3d>
+    <dgm:sp3d contourW="19050" prstMaterial="metal">
+      <a:bevelT w="88900" h="203200"/>
+      <a:bevelB w="165100" h="254000"/>
+    </dgm:sp3d>
+    <dgm:txPr/>
+    <dgm:style>
+      <a:lnRef idx="0">
+        <a:scrgbClr r="0" g="0" b="0"/>
+      </a:lnRef>
+      <a:fillRef idx="1">
+        <a:scrgbClr r="0" g="0" b="0"/>
+      </a:fillRef>
+      <a:effectRef idx="1">
+        <a:scrgbClr r="0" g="0" b="0"/>
+      </a:effectRef>
+      <a:fontRef idx="minor">
+        <a:schemeClr val="lt1"/>
+      </a:fontRef>
+    </dgm:style>
+  </dgm:styleLbl>
+  <dgm:styleLbl name="fgImgPlace1">
+    <dgm:scene3d>
+      <a:camera prst="orthographicFront">
+        <a:rot lat="0" lon="0" rev="0"/>
+      </a:camera>
+      <a:lightRig rig="contrasting" dir="t">
+        <a:rot lat="0" lon="0" rev="1200000"/>
+      </a:lightRig>
+    </dgm:scene3d>
+    <dgm:sp3d z="300000" contourW="19050" prstMaterial="metal">
+      <a:bevelT w="88900" h="203200"/>
+      <a:bevelB w="165100" h="254000"/>
+    </dgm:sp3d>
+    <dgm:txPr/>
+    <dgm:style>
+      <a:lnRef idx="0">
+        <a:scrgbClr r="0" g="0" b="0"/>
+      </a:lnRef>
+      <a:fillRef idx="1">
+        <a:scrgbClr r="0" g="0" b="0"/>
+      </a:fillRef>
+      <a:effectRef idx="1">
+        <a:scrgbClr r="0" g="0" b="0"/>
+      </a:effectRef>
+      <a:fontRef idx="minor"/>
+    </dgm:style>
+  </dgm:styleLbl>
+  <dgm:styleLbl name="alignImgPlace1">
+    <dgm:scene3d>
+      <a:camera prst="orthographicFront">
+        <a:rot lat="0" lon="0" rev="0"/>
+      </a:camera>
+      <a:lightRig rig="contrasting" dir="t">
+        <a:rot lat="0" lon="0" rev="1200000"/>
+      </a:lightRig>
+    </dgm:scene3d>
+    <dgm:sp3d contourW="12700" prstMaterial="flat">
+      <a:bevelT w="177800" h="254000"/>
+      <a:bevelB w="152400"/>
+    </dgm:sp3d>
+    <dgm:txPr/>
+    <dgm:style>
+      <a:lnRef idx="0">
+        <a:scrgbClr r="0" g="0" b="0"/>
+      </a:lnRef>
+      <a:fillRef idx="1">
+        <a:scrgbClr r="0" g="0" b="0"/>
+      </a:fillRef>
+      <a:effectRef idx="1">
+        <a:scrgbClr r="0" g="0" b="0"/>
+      </a:effectRef>
+      <a:fontRef idx="minor"/>
+    </dgm:style>
+  </dgm:styleLbl>
+  <dgm:styleLbl name="bgImgPlace1">
+    <dgm:scene3d>
+      <a:camera prst="orthographicFront">
+        <a:rot lat="0" lon="0" rev="0"/>
+      </a:camera>
+      <a:lightRig rig="contrasting" dir="t">
+        <a:rot lat="0" lon="0" rev="1200000"/>
+      </a:lightRig>
+    </dgm:scene3d>
+    <dgm:sp3d z="-300000" contourW="19050" prstMaterial="metal">
+      <a:bevelT w="88900" h="203200"/>
+      <a:bevelB w="165100" h="254000"/>
+    </dgm:sp3d>
+    <dgm:txPr/>
+    <dgm:style>
+      <a:lnRef idx="0">
+        <a:scrgbClr r="0" g="0" b="0"/>
+      </a:lnRef>
+      <a:fillRef idx="1">
+        <a:scrgbClr r="0" g="0" b="0"/>
+      </a:fillRef>
+      <a:effectRef idx="1">
+        <a:scrgbClr r="0" g="0" b="0"/>
+      </a:effectRef>
+      <a:fontRef idx="minor"/>
+    </dgm:style>
+  </dgm:styleLbl>
+  <dgm:styleLbl name="sibTrans2D1">
+    <dgm:scene3d>
+      <a:camera prst="orthographicFront">
+        <a:rot lat="0" lon="0" rev="0"/>
+      </a:camera>
+      <a:lightRig rig="contrasting" dir="t">
+        <a:rot lat="0" lon="0" rev="1200000"/>
+      </a:lightRig>
+    </dgm:scene3d>
+    <dgm:sp3d z="-182000" contourW="19050" prstMaterial="metal">
+      <a:bevelT w="88900" h="203200"/>
+      <a:bevelB w="165100" h="254000"/>
+    </dgm:sp3d>
+    <dgm:txPr/>
+    <dgm:style>
+      <a:lnRef idx="0">
+        <a:scrgbClr r="0" g="0" b="0"/>
+      </a:lnRef>
+      <a:fillRef idx="1">
+        <a:scrgbClr r="0" g="0" b="0"/>
+      </a:fillRef>
+      <a:effectRef idx="0">
+        <a:scrgbClr r="0" g="0" b="0"/>
+      </a:effectRef>
+      <a:fontRef idx="minor">
+        <a:schemeClr val="lt1"/>
+      </a:fontRef>
+    </dgm:style>
+  </dgm:styleLbl>
+  <dgm:styleLbl name="fgSibTrans2D1">
+    <dgm:scene3d>
+      <a:camera prst="orthographicFront">
+        <a:rot lat="0" lon="0" rev="0"/>
+      </a:camera>
+      <a:lightRig rig="contrasting" dir="t">
+        <a:rot lat="0" lon="0" rev="1200000"/>
+      </a:lightRig>
+    </dgm:scene3d>
+    <dgm:sp3d z="300000" contourW="19050" prstMaterial="metal">
+      <a:bevelT w="88900" h="203200"/>
+      <a:bevelB w="165100" h="254000"/>
+    </dgm:sp3d>
+    <dgm:txPr/>
+    <dgm:style>
+      <a:lnRef idx="0">
+        <a:scrgbClr r="0" g="0" b="0"/>
+      </a:lnRef>
+      <a:fillRef idx="1">
+        <a:scrgbClr r="0" g="0" b="0"/>
+      </a:fillRef>
+      <a:effectRef idx="0">
+        <a:scrgbClr r="0" g="0" b="0"/>
+      </a:effectRef>
+      <a:fontRef idx="minor"/>
+    </dgm:style>
+  </dgm:styleLbl>
+  <dgm:styleLbl name="bgSibTrans2D1">
+    <dgm:scene3d>
+      <a:camera prst="orthographicFront">
+        <a:rot lat="0" lon="0" rev="0"/>
+      </a:camera>
+      <a:lightRig rig="contrasting" dir="t">
+        <a:rot lat="0" lon="0" rev="1200000"/>
+      </a:lightRig>
+    </dgm:scene3d>
+    <dgm:sp3d z="-300000" contourW="19050" prstMaterial="metal">
+      <a:bevelT w="88900" h="203200"/>
+      <a:bevelB w="165100" h="254000"/>
+    </dgm:sp3d>
+    <dgm:txPr/>
+    <dgm:style>
+      <a:lnRef idx="0">
+        <a:scrgbClr r="0" g="0" b="0"/>
+      </a:lnRef>
+      <a:fillRef idx="1">
+        <a:scrgbClr r="0" g="0" b="0"/>
+      </a:fillRef>
+      <a:effectRef idx="0">
+        <a:scrgbClr r="0" g="0" b="0"/>
+      </a:effectRef>
+      <a:fontRef idx="minor"/>
+    </dgm:style>
+  </dgm:styleLbl>
+  <dgm:styleLbl name="sibTrans1D1">
+    <dgm:scene3d>
+      <a:camera prst="orthographicFront">
+        <a:rot lat="0" lon="0" rev="0"/>
+      </a:camera>
+      <a:lightRig rig="contrasting" dir="t">
+        <a:rot lat="0" lon="0" rev="1200000"/>
+      </a:lightRig>
+    </dgm:scene3d>
+    <dgm:sp3d z="-110000"/>
+    <dgm:txPr/>
+    <dgm:style>
+      <a:lnRef idx="1">
+        <a:scrgbClr r="0" g="0" b="0"/>
+      </a:lnRef>
+      <a:fillRef idx="0">
+        <a:scrgbClr r="0" g="0" b="0"/>
+      </a:fillRef>
+      <a:effectRef idx="0">
+        <a:scrgbClr r="0" g="0" b="0"/>
+      </a:effectRef>
+      <a:fontRef idx="minor"/>
+    </dgm:style>
+  </dgm:styleLbl>
+  <dgm:styleLbl name="callout">
+    <dgm:scene3d>
+      <a:camera prst="orthographicFront">
+        <a:rot lat="0" lon="0" rev="0"/>
+      </a:camera>
+      <a:lightRig rig="contrasting" dir="t">
+        <a:rot lat="0" lon="0" rev="1200000"/>
+      </a:lightRig>
+    </dgm:scene3d>
+    <dgm:sp3d z="10000"/>
+    <dgm:txPr/>
+    <dgm:style>
+      <a:lnRef idx="2">
+        <a:scrgbClr r="0" g="0" b="0"/>
+      </a:lnRef>
+      <a:fillRef idx="1">
+        <a:scrgbClr r="0" g="0" b="0"/>
+      </a:fillRef>
+      <a:effectRef idx="0">
+        <a:scrgbClr r="0" g="0" b="0"/>
+      </a:effectRef>
+      <a:fontRef idx="minor"/>
+    </dgm:style>
+  </dgm:styleLbl>
+  <dgm:styleLbl name="asst0">
+    <dgm:scene3d>
+      <a:camera prst="orthographicFront">
+        <a:rot lat="0" lon="0" rev="0"/>
+      </a:camera>
+      <a:lightRig rig="contrasting" dir="t">
+        <a:rot lat="0" lon="0" rev="1200000"/>
+      </a:lightRig>
+    </dgm:scene3d>
+    <dgm:sp3d contourW="19050" prstMaterial="metal">
+      <a:bevelT w="88900" h="203200"/>
+      <a:bevelB w="165100" h="254000"/>
+    </dgm:sp3d>
+    <dgm:txPr/>
+    <dgm:style>
+      <a:lnRef idx="0">
+        <a:scrgbClr r="0" g="0" b="0"/>
+      </a:lnRef>
+      <a:fillRef idx="1">
+        <a:scrgbClr r="0" g="0" b="0"/>
+      </a:fillRef>
+      <a:effectRef idx="1">
+        <a:scrgbClr r="0" g="0" b="0"/>
+      </a:effectRef>
+      <a:fontRef idx="minor">
+        <a:schemeClr val="lt1"/>
+      </a:fontRef>
+    </dgm:style>
+  </dgm:styleLbl>
+  <dgm:styleLbl name="asst1">
+    <dgm:scene3d>
+      <a:camera prst="orthographicFront">
+        <a:rot lat="0" lon="0" rev="0"/>
+      </a:camera>
+      <a:lightRig rig="contrasting" dir="t">
+        <a:rot lat="0" lon="0" rev="1200000"/>
+      </a:lightRig>
+    </dgm:scene3d>
+    <dgm:sp3d contourW="19050" prstMaterial="metal">
+      <a:bevelT w="88900" h="203200"/>
+      <a:bevelB w="165100" h="254000"/>
+    </dgm:sp3d>
+    <dgm:txPr/>
+    <dgm:style>
+      <a:lnRef idx="0">
+        <a:scrgbClr r="0" g="0" b="0"/>
+      </a:lnRef>
+      <a:fillRef idx="1">
+        <a:scrgbClr r="0" g="0" b="0"/>
+      </a:fillRef>
+      <a:effectRef idx="1">
+        <a:scrgbClr r="0" g="0" b="0"/>
+      </a:effectRef>
+      <a:fontRef idx="minor">
+        <a:schemeClr val="lt1"/>
+      </a:fontRef>
+    </dgm:style>
+  </dgm:styleLbl>
+  <dgm:styleLbl name="asst2">
+    <dgm:scene3d>
+      <a:camera prst="orthographicFront">
+        <a:rot lat="0" lon="0" rev="0"/>
+      </a:camera>
+      <a:lightRig rig="contrasting" dir="t">
+        <a:rot lat="0" lon="0" rev="1200000"/>
+      </a:lightRig>
+    </dgm:scene3d>
+    <dgm:sp3d contourW="19050" prstMaterial="metal">
+      <a:bevelT w="88900" h="203200"/>
+      <a:bevelB w="165100" h="254000"/>
+    </dgm:sp3d>
+    <dgm:txPr/>
+    <dgm:style>
+      <a:lnRef idx="0">
+        <a:scrgbClr r="0" g="0" b="0"/>
+      </a:lnRef>
+      <a:fillRef idx="1">
+        <a:scrgbClr r="0" g="0" b="0"/>
+      </a:fillRef>
+      <a:effectRef idx="1">
+        <a:scrgbClr r="0" g="0" b="0"/>
+      </a:effectRef>
+      <a:fontRef idx="minor">
+        <a:schemeClr val="lt1"/>
+      </a:fontRef>
+    </dgm:style>
+  </dgm:styleLbl>
+  <dgm:styleLbl name="asst3">
+    <dgm:scene3d>
+      <a:camera prst="orthographicFront">
+        <a:rot lat="0" lon="0" rev="0"/>
+      </a:camera>
+      <a:lightRig rig="contrasting" dir="t">
+        <a:rot lat="0" lon="0" rev="1200000"/>
+      </a:lightRig>
+    </dgm:scene3d>
+    <dgm:sp3d contourW="19050" prstMaterial="metal">
+      <a:bevelT w="88900" h="203200"/>
+      <a:bevelB w="165100" h="254000"/>
+    </dgm:sp3d>
+    <dgm:txPr/>
+    <dgm:style>
+      <a:lnRef idx="0">
+        <a:scrgbClr r="0" g="0" b="0"/>
+      </a:lnRef>
+      <a:fillRef idx="1">
+        <a:scrgbClr r="0" g="0" b="0"/>
+      </a:fillRef>
+      <a:effectRef idx="1">
+        <a:scrgbClr r="0" g="0" b="0"/>
+      </a:effectRef>
+      <a:fontRef idx="minor">
+        <a:schemeClr val="lt1"/>
+      </a:fontRef>
+    </dgm:style>
+  </dgm:styleLbl>
+  <dgm:styleLbl name="asst4">
+    <dgm:scene3d>
+      <a:camera prst="orthographicFront"/>
+      <a:lightRig rig="threePt" dir="t"/>
+    </dgm:scene3d>
+    <dgm:sp3d contourW="19050" prstMaterial="metal">
+      <a:bevelT w="88900" h="203200"/>
+      <a:bevelB w="165100" h="254000"/>
+    </dgm:sp3d>
+    <dgm:txPr/>
+    <dgm:style>
+      <a:lnRef idx="0">
+        <a:scrgbClr r="0" g="0" b="0"/>
+      </a:lnRef>
+      <a:fillRef idx="1">
+        <a:scrgbClr r="0" g="0" b="0"/>
+      </a:fillRef>
+      <a:effectRef idx="1">
+        <a:scrgbClr r="0" g="0" b="0"/>
+      </a:effectRef>
+      <a:fontRef idx="minor">
+        <a:schemeClr val="lt1"/>
+      </a:fontRef>
+    </dgm:style>
+  </dgm:styleLbl>
+  <dgm:styleLbl name="parChTrans2D1">
+    <dgm:scene3d>
+      <a:camera prst="orthographicFront">
+        <a:rot lat="0" lon="0" rev="0"/>
+      </a:camera>
+      <a:lightRig rig="contrasting" dir="t">
+        <a:rot lat="0" lon="0" rev="1200000"/>
+      </a:lightRig>
+    </dgm:scene3d>
+    <dgm:sp3d contourW="19050" prstMaterial="metal">
+      <a:bevelT w="88900" h="203200"/>
+      <a:bevelB w="165100" h="254000"/>
+    </dgm:sp3d>
+    <dgm:txPr/>
+    <dgm:style>
+      <a:lnRef idx="0">
+        <a:scrgbClr r="0" g="0" b="0"/>
+      </a:lnRef>
+      <a:fillRef idx="1">
+        <a:scrgbClr r="0" g="0" b="0"/>
+      </a:fillRef>
+      <a:effectRef idx="0">
+        <a:scrgbClr r="0" g="0" b="0"/>
+      </a:effectRef>
+      <a:fontRef idx="minor"/>
+    </dgm:style>
+  </dgm:styleLbl>
+  <dgm:styleLbl name="parChTrans2D2">
+    <dgm:scene3d>
+      <a:camera prst="orthographicFront">
+        <a:rot lat="0" lon="0" rev="0"/>
+      </a:camera>
+      <a:lightRig rig="contrasting" dir="t">
+        <a:rot lat="0" lon="0" rev="1200000"/>
+      </a:lightRig>
+    </dgm:scene3d>
+    <dgm:sp3d contourW="19050" prstMaterial="metal">
+      <a:bevelT w="88900" h="203200"/>
+      <a:bevelB w="165100" h="254000"/>
+    </dgm:sp3d>
+    <dgm:txPr/>
+    <dgm:style>
+      <a:lnRef idx="0">
+        <a:scrgbClr r="0" g="0" b="0"/>
+      </a:lnRef>
+      <a:fillRef idx="1">
+        <a:scrgbClr r="0" g="0" b="0"/>
+      </a:fillRef>
+      <a:effectRef idx="0">
+        <a:scrgbClr r="0" g="0" b="0"/>
+      </a:effectRef>
+      <a:fontRef idx="minor"/>
+    </dgm:style>
+  </dgm:styleLbl>
+  <dgm:styleLbl name="parChTrans2D3">
+    <dgm:scene3d>
+      <a:camera prst="orthographicFront">
+        <a:rot lat="0" lon="0" rev="0"/>
+      </a:camera>
+      <a:lightRig rig="contrasting" dir="t">
+        <a:rot lat="0" lon="0" rev="1200000"/>
+      </a:lightRig>
+    </dgm:scene3d>
+    <dgm:sp3d contourW="19050" prstMaterial="metal">
+      <a:bevelT w="88900" h="203200"/>
+      <a:bevelB w="165100" h="254000"/>
+    </dgm:sp3d>
+    <dgm:txPr/>
+    <dgm:style>
+      <a:lnRef idx="0">
+        <a:scrgbClr r="0" g="0" b="0"/>
+      </a:lnRef>
+      <a:fillRef idx="1">
+        <a:scrgbClr r="0" g="0" b="0"/>
+      </a:fillRef>
+      <a:effectRef idx="0">
+        <a:scrgbClr r="0" g="0" b="0"/>
+      </a:effectRef>
+      <a:fontRef idx="minor"/>
+    </dgm:style>
+  </dgm:styleLbl>
+  <dgm:styleLbl name="parChTrans2D4">
+    <dgm:scene3d>
+      <a:camera prst="orthographicFront">
+        <a:rot lat="0" lon="0" rev="0"/>
+      </a:camera>
+      <a:lightRig rig="contrasting" dir="t">
+        <a:rot lat="0" lon="0" rev="1200000"/>
+      </a:lightRig>
+    </dgm:scene3d>
+    <dgm:sp3d contourW="19050" prstMaterial="metal">
+      <a:bevelT w="88900" h="203200"/>
+      <a:bevelB w="165100" h="254000"/>
+    </dgm:sp3d>
+    <dgm:txPr/>
+    <dgm:style>
+      <a:lnRef idx="0">
+        <a:scrgbClr r="0" g="0" b="0"/>
+      </a:lnRef>
+      <a:fillRef idx="1">
+        <a:scrgbClr r="0" g="0" b="0"/>
+      </a:fillRef>
+      <a:effectRef idx="0">
+        <a:scrgbClr r="0" g="0" b="0"/>
+      </a:effectRef>
+      <a:fontRef idx="minor"/>
+    </dgm:style>
+  </dgm:styleLbl>
+  <dgm:styleLbl name="parChTrans1D1">
+    <dgm:scene3d>
+      <a:camera prst="orthographicFront">
+        <a:rot lat="0" lon="0" rev="0"/>
+      </a:camera>
+      <a:lightRig rig="contrasting" dir="t">
+        <a:rot lat="0" lon="0" rev="1200000"/>
+      </a:lightRig>
+    </dgm:scene3d>
+    <dgm:sp3d z="-110000"/>
+    <dgm:txPr/>
+    <dgm:style>
+      <a:lnRef idx="2">
+        <a:scrgbClr r="0" g="0" b="0"/>
+      </a:lnRef>
+      <a:fillRef idx="0">
+        <a:scrgbClr r="0" g="0" b="0"/>
+      </a:fillRef>
+      <a:effectRef idx="0">
+        <a:scrgbClr r="0" g="0" b="0"/>
+      </a:effectRef>
+      <a:fontRef idx="minor"/>
+    </dgm:style>
+  </dgm:styleLbl>
+  <dgm:styleLbl name="parChTrans1D2">
+    <dgm:scene3d>
+      <a:camera prst="orthographicFront">
+        <a:rot lat="0" lon="0" rev="0"/>
+      </a:camera>
+      <a:lightRig rig="contrasting" dir="t">
+        <a:rot lat="0" lon="0" rev="1200000"/>
+      </a:lightRig>
+    </dgm:scene3d>
+    <dgm:sp3d z="-110000"/>
+    <dgm:txPr/>
+    <dgm:style>
+      <a:lnRef idx="2">
+        <a:scrgbClr r="0" g="0" b="0"/>
+      </a:lnRef>
+      <a:fillRef idx="0">
+        <a:scrgbClr r="0" g="0" b="0"/>
+      </a:fillRef>
+      <a:effectRef idx="0">
+        <a:scrgbClr r="0" g="0" b="0"/>
+      </a:effectRef>
+      <a:fontRef idx="minor"/>
+    </dgm:style>
+  </dgm:styleLbl>
+  <dgm:styleLbl name="parChTrans1D3">
+    <dgm:scene3d>
+      <a:camera prst="orthographicFront">
+        <a:rot lat="0" lon="0" rev="0"/>
+      </a:camera>
+      <a:lightRig rig="contrasting" dir="t">
+        <a:rot lat="0" lon="0" rev="1200000"/>
+      </a:lightRig>
+    </dgm:scene3d>
+    <dgm:sp3d z="-110000"/>
+    <dgm:txPr/>
+    <dgm:style>
+      <a:lnRef idx="2">
+        <a:scrgbClr r="0" g="0" b="0"/>
+      </a:lnRef>
+      <a:fillRef idx="0">
+        <a:scrgbClr r="0" g="0" b="0"/>
+      </a:fillRef>
+      <a:effectRef idx="0">
+        <a:scrgbClr r="0" g="0" b="0"/>
+      </a:effectRef>
+      <a:fontRef idx="minor"/>
+    </dgm:style>
+  </dgm:styleLbl>
+  <dgm:styleLbl name="parChTrans1D4">
+    <dgm:scene3d>
+      <a:camera prst="orthographicFront">
+        <a:rot lat="0" lon="0" rev="0"/>
+      </a:camera>
+      <a:lightRig rig="contrasting" dir="t">
+        <a:rot lat="0" lon="0" rev="1200000"/>
+      </a:lightRig>
+    </dgm:scene3d>
+    <dgm:sp3d z="-110000"/>
+    <dgm:txPr/>
+    <dgm:style>
+      <a:lnRef idx="2">
+        <a:scrgbClr r="0" g="0" b="0"/>
+      </a:lnRef>
+      <a:fillRef idx="0">
+        <a:scrgbClr r="0" g="0" b="0"/>
+      </a:fillRef>
+      <a:effectRef idx="0">
+        <a:scrgbClr r="0" g="0" b="0"/>
+      </a:effectRef>
+      <a:fontRef idx="minor"/>
+    </dgm:style>
+  </dgm:styleLbl>
+  <dgm:styleLbl name="fgAcc1">
+    <dgm:scene3d>
+      <a:camera prst="orthographicFront">
+        <a:rot lat="0" lon="0" rev="0"/>
+      </a:camera>
+      <a:lightRig rig="contrasting" dir="t">
+        <a:rot lat="0" lon="0" rev="1200000"/>
+      </a:lightRig>
+    </dgm:scene3d>
+    <dgm:sp3d z="300000" contourW="19050" prstMaterial="metal">
+      <a:bevelT w="88900" h="203200"/>
+      <a:bevelB w="165100" h="254000"/>
+    </dgm:sp3d>
+    <dgm:txPr/>
+    <dgm:style>
+      <a:lnRef idx="0">
+        <a:scrgbClr r="0" g="0" b="0"/>
+      </a:lnRef>
+      <a:fillRef idx="1">
+        <a:scrgbClr r="0" g="0" b="0"/>
+      </a:fillRef>
+      <a:effectRef idx="0">
+        <a:scrgbClr r="0" g="0" b="0"/>
+      </a:effectRef>
+      <a:fontRef idx="minor"/>
+    </dgm:style>
+  </dgm:styleLbl>
+  <dgm:styleLbl name="conFgAcc1">
+    <dgm:scene3d>
+      <a:camera prst="orthographicFront">
+        <a:rot lat="0" lon="0" rev="0"/>
+      </a:camera>
+      <a:lightRig rig="contrasting" dir="t">
+        <a:rot lat="0" lon="0" rev="1200000"/>
+      </a:lightRig>
+    </dgm:scene3d>
+    <dgm:sp3d z="300000" contourW="19050" prstMaterial="metal">
+      <a:bevelT w="88900" h="203200"/>
+      <a:bevelB w="165100" h="254000"/>
+    </dgm:sp3d>
+    <dgm:txPr/>
+    <dgm:style>
+      <a:lnRef idx="0">
+        <a:scrgbClr r="0" g="0" b="0"/>
+      </a:lnRef>
+      <a:fillRef idx="1">
+        <a:scrgbClr r="0" g="0" b="0"/>
+      </a:fillRef>
+      <a:effectRef idx="0">
+        <a:scrgbClr r="0" g="0" b="0"/>
+      </a:effectRef>
+      <a:fontRef idx="minor"/>
+    </dgm:style>
+  </dgm:styleLbl>
+  <dgm:styleLbl name="alignAcc1">
+    <dgm:scene3d>
+      <a:camera prst="orthographicFront">
+        <a:rot lat="0" lon="0" rev="0"/>
+      </a:camera>
+      <a:lightRig rig="contrasting" dir="t">
+        <a:rot lat="0" lon="0" rev="1200000"/>
+      </a:lightRig>
+    </dgm:scene3d>
+    <dgm:sp3d contourW="19050" prstMaterial="metal">
+      <a:bevelT w="88900" h="203200"/>
+      <a:bevelB w="165100" h="254000"/>
+    </dgm:sp3d>
+    <dgm:txPr/>
+    <dgm:style>
+      <a:lnRef idx="0">
+        <a:scrgbClr r="0" g="0" b="0"/>
+      </a:lnRef>
+      <a:fillRef idx="1">
+        <a:scrgbClr r="0" g="0" b="0"/>
+      </a:fillRef>
+      <a:effectRef idx="0">
+        <a:scrgbClr r="0" g="0" b="0"/>
+      </a:effectRef>
+      <a:fontRef idx="minor"/>
+    </dgm:style>
+  </dgm:styleLbl>
+  <dgm:styleLbl name="trAlignAcc1">
+    <dgm:scene3d>
+      <a:camera prst="orthographicFront">
+        <a:rot lat="0" lon="0" rev="0"/>
+      </a:camera>
+      <a:lightRig rig="contrasting" dir="t">
+        <a:rot lat="0" lon="0" rev="1200000"/>
+      </a:lightRig>
+    </dgm:scene3d>
+    <dgm:sp3d contourW="19050" prstMaterial="metal">
+      <a:bevelT w="88900" h="203200"/>
+      <a:bevelB w="165100" h="254000"/>
+    </dgm:sp3d>
+    <dgm:txPr/>
+    <dgm:style>
+      <a:lnRef idx="0">
+        <a:scrgbClr r="0" g="0" b="0"/>
+      </a:lnRef>
+      <a:fillRef idx="1">
+        <a:scrgbClr r="0" g="0" b="0"/>
+      </a:fillRef>
+      <a:effectRef idx="1">
+        <a:scrgbClr r="0" g="0" b="0"/>
+      </a:effectRef>
+      <a:fontRef idx="minor"/>
+    </dgm:style>
+  </dgm:styleLbl>
+  <dgm:styleLbl name="bgAcc1">
+    <dgm:scene3d>
+      <a:camera prst="orthographicFront">
+        <a:rot lat="0" lon="0" rev="0"/>
+      </a:camera>
+      <a:lightRig rig="contrasting" dir="t">
+        <a:rot lat="0" lon="0" rev="1200000"/>
+      </a:lightRig>
+    </dgm:scene3d>
+    <dgm:sp3d z="-300000" contourW="19050" prstMaterial="metal">
+      <a:bevelT w="88900" h="203200"/>
+      <a:bevelB w="165100" h="254000"/>
+    </dgm:sp3d>
+    <dgm:txPr/>
+    <dgm:style>
+      <a:lnRef idx="0">
+        <a:scrgbClr r="0" g="0" b="0"/>
+      </a:lnRef>
+      <a:fillRef idx="1">
+        <a:scrgbClr r="0" g="0" b="0"/>
+      </a:fillRef>
+      <a:effectRef idx="0">
+        <a:scrgbClr r="0" g="0" b="0"/>
+      </a:effectRef>
+      <a:fontRef idx="minor"/>
+    </dgm:style>
+  </dgm:styleLbl>
+  <dgm:styleLbl name="solidFgAcc1">
+    <dgm:scene3d>
+      <a:camera prst="orthographicFront">
+        <a:rot lat="0" lon="0" rev="0"/>
+      </a:camera>
+      <a:lightRig rig="contrasting" dir="t">
+        <a:rot lat="0" lon="0" rev="1200000"/>
+      </a:lightRig>
+    </dgm:scene3d>
+    <dgm:sp3d z="300000" contourW="12700" prstMaterial="flat">
+      <a:bevelT w="177800" h="254000"/>
+      <a:bevelB w="152400"/>
+    </dgm:sp3d>
+    <dgm:txPr/>
+    <dgm:style>
+      <a:lnRef idx="0">
+        <a:scrgbClr r="0" g="0" b="0"/>
+      </a:lnRef>
+      <a:fillRef idx="1">
+        <a:scrgbClr r="0" g="0" b="0"/>
+      </a:fillRef>
+      <a:effectRef idx="0">
+        <a:scrgbClr r="0" g="0" b="0"/>
+      </a:effectRef>
+      <a:fontRef idx="minor"/>
+    </dgm:style>
+  </dgm:styleLbl>
+  <dgm:styleLbl name="solidAlignAcc1">
+    <dgm:scene3d>
+      <a:camera prst="orthographicFront">
+        <a:rot lat="0" lon="0" rev="0"/>
+      </a:camera>
+      <a:lightRig rig="contrasting" dir="t">
+        <a:rot lat="0" lon="0" rev="1200000"/>
+      </a:lightRig>
+    </dgm:scene3d>
+    <dgm:sp3d contourW="19050" prstMaterial="metal">
+      <a:bevelT w="88900" h="203200"/>
+      <a:bevelB w="165100" h="254000"/>
+    </dgm:sp3d>
+    <dgm:txPr/>
+    <dgm:style>
+      <a:lnRef idx="0">
+        <a:scrgbClr r="0" g="0" b="0"/>
+      </a:lnRef>
+      <a:fillRef idx="1">
+        <a:scrgbClr r="0" g="0" b="0"/>
+      </a:fillRef>
+      <a:effectRef idx="0">
+        <a:scrgbClr r="0" g="0" b="0"/>
+      </a:effectRef>
+      <a:fontRef idx="minor"/>
+    </dgm:style>
+  </dgm:styleLbl>
+  <dgm:styleLbl name="solidBgAcc1">
+    <dgm:scene3d>
+      <a:camera prst="orthographicFront">
+        <a:rot lat="0" lon="0" rev="0"/>
+      </a:camera>
+      <a:lightRig rig="contrasting" dir="t">
+        <a:rot lat="0" lon="0" rev="1200000"/>
+      </a:lightRig>
+    </dgm:scene3d>
+    <dgm:sp3d z="-300000" contourW="19050" prstMaterial="metal">
+      <a:bevelT w="88900" h="203200"/>
+      <a:bevelB w="165100" h="254000"/>
+    </dgm:sp3d>
+    <dgm:txPr/>
+    <dgm:style>
+      <a:lnRef idx="0">
+        <a:scrgbClr r="0" g="0" b="0"/>
+      </a:lnRef>
+      <a:fillRef idx="1">
+        <a:scrgbClr r="0" g="0" b="0"/>
+      </a:fillRef>
+      <a:effectRef idx="0">
+        <a:scrgbClr r="0" g="0" b="0"/>
+      </a:effectRef>
+      <a:fontRef idx="minor"/>
+    </dgm:style>
+  </dgm:styleLbl>
+  <dgm:styleLbl name="fgAccFollowNode1">
+    <dgm:scene3d>
+      <a:camera prst="orthographicFront">
+        <a:rot lat="0" lon="0" rev="0"/>
+      </a:camera>
+      <a:lightRig rig="contrasting" dir="t">
+        <a:rot lat="0" lon="0" rev="1200000"/>
+      </a:lightRig>
+    </dgm:scene3d>
+    <dgm:sp3d z="300000" contourW="19050" prstMaterial="metal">
+      <a:bevelT w="88900" h="203200"/>
+      <a:bevelB w="165100" h="254000"/>
+    </dgm:sp3d>
+    <dgm:txPr/>
+    <dgm:style>
+      <a:lnRef idx="0">
+        <a:scrgbClr r="0" g="0" b="0"/>
+      </a:lnRef>
+      <a:fillRef idx="1">
+        <a:scrgbClr r="0" g="0" b="0"/>
+      </a:fillRef>
+      <a:effectRef idx="0">
+        <a:scrgbClr r="0" g="0" b="0"/>
+      </a:effectRef>
+      <a:fontRef idx="minor"/>
+    </dgm:style>
+  </dgm:styleLbl>
+  <dgm:styleLbl name="alignAccFollowNode1">
+    <dgm:scene3d>
+      <a:camera prst="orthographicFront">
+        <a:rot lat="0" lon="0" rev="0"/>
+      </a:camera>
+      <a:lightRig rig="contrasting" dir="t">
+        <a:rot lat="0" lon="0" rev="1200000"/>
+      </a:lightRig>
+    </dgm:scene3d>
+    <dgm:sp3d contourW="19050" prstMaterial="metal">
+      <a:bevelT w="88900" h="203200"/>
+      <a:bevelB w="165100" h="254000"/>
+    </dgm:sp3d>
+    <dgm:txPr/>
+    <dgm:style>
+      <a:lnRef idx="0">
+        <a:scrgbClr r="0" g="0" b="0"/>
+      </a:lnRef>
+      <a:fillRef idx="1">
+        <a:scrgbClr r="0" g="0" b="0"/>
+      </a:fillRef>
+      <a:effectRef idx="0">
+        <a:scrgbClr r="0" g="0" b="0"/>
+      </a:effectRef>
+      <a:fontRef idx="minor"/>
+    </dgm:style>
+  </dgm:styleLbl>
+  <dgm:styleLbl name="bgAccFollowNode1">
+    <dgm:scene3d>
+      <a:camera prst="orthographicFront">
+        <a:rot lat="0" lon="0" rev="0"/>
+      </a:camera>
+      <a:lightRig rig="contrasting" dir="t">
+        <a:rot lat="0" lon="0" rev="1200000"/>
+      </a:lightRig>
+    </dgm:scene3d>
+    <dgm:sp3d z="-300000" contourW="19050" prstMaterial="metal">
+      <a:bevelT w="88900" h="203200"/>
+      <a:bevelB w="165100" h="254000"/>
+    </dgm:sp3d>
+    <dgm:txPr/>
+    <dgm:style>
+      <a:lnRef idx="0">
+        <a:scrgbClr r="0" g="0" b="0"/>
+      </a:lnRef>
+      <a:fillRef idx="1">
+        <a:scrgbClr r="0" g="0" b="0"/>
+      </a:fillRef>
+      <a:effectRef idx="0">
+        <a:scrgbClr r="0" g="0" b="0"/>
+      </a:effectRef>
+      <a:fontRef idx="minor"/>
+    </dgm:style>
+  </dgm:styleLbl>
+  <dgm:styleLbl name="fgAcc0">
+    <dgm:scene3d>
+      <a:camera prst="orthographicFront">
+        <a:rot lat="0" lon="0" rev="0"/>
+      </a:camera>
+      <a:lightRig rig="contrasting" dir="t">
+        <a:rot lat="0" lon="0" rev="1200000"/>
+      </a:lightRig>
+    </dgm:scene3d>
+    <dgm:sp3d z="300000" contourW="19050" prstMaterial="metal">
+      <a:bevelT w="88900" h="203200"/>
+      <a:bevelB w="165100" h="254000"/>
+    </dgm:sp3d>
+    <dgm:txPr/>
+    <dgm:style>
+      <a:lnRef idx="0">
+        <a:scrgbClr r="0" g="0" b="0"/>
+      </a:lnRef>
+      <a:fillRef idx="1">
+        <a:scrgbClr r="0" g="0" b="0"/>
+      </a:fillRef>
+      <a:effectRef idx="0">
+        <a:scrgbClr r="0" g="0" b="0"/>
+      </a:effectRef>
+      <a:fontRef idx="minor"/>
+    </dgm:style>
+  </dgm:styleLbl>
+  <dgm:styleLbl name="fgAcc2">
+    <dgm:scene3d>
+      <a:camera prst="orthographicFront">
+        <a:rot lat="0" lon="0" rev="0"/>
+      </a:camera>
+      <a:lightRig rig="contrasting" dir="t">
+        <a:rot lat="0" lon="0" rev="1200000"/>
+      </a:lightRig>
+    </dgm:scene3d>
+    <dgm:sp3d z="300000" contourW="19050" prstMaterial="metal">
+      <a:bevelT w="88900" h="203200"/>
+      <a:bevelB w="165100" h="254000"/>
+    </dgm:sp3d>
+    <dgm:txPr/>
+    <dgm:style>
+      <a:lnRef idx="0">
+        <a:scrgbClr r="0" g="0" b="0"/>
+      </a:lnRef>
+      <a:fillRef idx="1">
+        <a:scrgbClr r="0" g="0" b="0"/>
+      </a:fillRef>
+      <a:effectRef idx="0">
+        <a:scrgbClr r="0" g="0" b="0"/>
+      </a:effectRef>
+      <a:fontRef idx="minor"/>
+    </dgm:style>
+  </dgm:styleLbl>
+  <dgm:styleLbl name="fgAcc3">
+    <dgm:scene3d>
+      <a:camera prst="orthographicFront">
+        <a:rot lat="0" lon="0" rev="0"/>
+      </a:camera>
+      <a:lightRig rig="contrasting" dir="t">
+        <a:rot lat="0" lon="0" rev="1200000"/>
+      </a:lightRig>
+    </dgm:scene3d>
+    <dgm:sp3d z="300000" contourW="19050" prstMaterial="metal">
+      <a:bevelT w="88900" h="203200"/>
+      <a:bevelB w="165100" h="254000"/>
+    </dgm:sp3d>
+    <dgm:txPr/>
+    <dgm:style>
+      <a:lnRef idx="0">
+        <a:scrgbClr r="0" g="0" b="0"/>
+      </a:lnRef>
+      <a:fillRef idx="1">
+        <a:scrgbClr r="0" g="0" b="0"/>
+      </a:fillRef>
+      <a:effectRef idx="0">
+        <a:scrgbClr r="0" g="0" b="0"/>
+      </a:effectRef>
+      <a:fontRef idx="minor"/>
+    </dgm:style>
+  </dgm:styleLbl>
+  <dgm:styleLbl name="fgAcc4">
+    <dgm:scene3d>
+      <a:camera prst="orthographicFront">
+        <a:rot lat="0" lon="0" rev="0"/>
+      </a:camera>
+      <a:lightRig rig="contrasting" dir="t">
+        <a:rot lat="0" lon="0" rev="1200000"/>
+      </a:lightRig>
+    </dgm:scene3d>
+    <dgm:sp3d z="300000" contourW="19050" prstMaterial="metal">
+      <a:bevelT w="88900" h="203200"/>
+      <a:bevelB w="165100" h="254000"/>
+    </dgm:sp3d>
+    <dgm:txPr/>
+    <dgm:style>
+      <a:lnRef idx="0">
+        <a:scrgbClr r="0" g="0" b="0"/>
+      </a:lnRef>
+      <a:fillRef idx="1">
+        <a:scrgbClr r="0" g="0" b="0"/>
+      </a:fillRef>
+      <a:effectRef idx="0">
+        <a:scrgbClr r="0" g="0" b="0"/>
+      </a:effectRef>
+      <a:fontRef idx="minor"/>
+    </dgm:style>
+  </dgm:styleLbl>
+  <dgm:styleLbl name="bgShp">
+    <dgm:scene3d>
+      <a:camera prst="orthographicFront">
+        <a:rot lat="0" lon="0" rev="0"/>
+      </a:camera>
+      <a:lightRig rig="contrasting" dir="t">
+        <a:rot lat="0" lon="0" rev="1200000"/>
+      </a:lightRig>
+    </dgm:scene3d>
+    <dgm:sp3d z="-300000" prstMaterial="plastic"/>
+    <dgm:txPr/>
+    <dgm:style>
+      <a:lnRef idx="1">
+        <a:scrgbClr r="0" g="0" b="0"/>
+      </a:lnRef>
+      <a:fillRef idx="1">
+        <a:scrgbClr r="0" g="0" b="0"/>
+      </a:fillRef>
+      <a:effectRef idx="0">
+        <a:scrgbClr r="0" g="0" b="0"/>
+      </a:effectRef>
+      <a:fontRef idx="minor"/>
+    </dgm:style>
+  </dgm:styleLbl>
+  <dgm:styleLbl name="dkBgShp">
+    <dgm:scene3d>
+      <a:camera prst="orthographicFront">
+        <a:rot lat="0" lon="0" rev="0"/>
+      </a:camera>
+      <a:lightRig rig="contrasting" dir="t">
+        <a:rot lat="0" lon="0" rev="1200000"/>
+      </a:lightRig>
+    </dgm:scene3d>
+    <dgm:sp3d contourW="12700" prstMaterial="flat">
+      <a:bevelT w="100800" h="154000"/>
+      <a:bevelB w="152400"/>
+    </dgm:sp3d>
+    <dgm:txPr/>
+    <dgm:style>
+      <a:lnRef idx="0">
+        <a:scrgbClr r="0" g="0" b="0"/>
+      </a:lnRef>
+      <a:fillRef idx="1">
+        <a:scrgbClr r="0" g="0" b="0"/>
+      </a:fillRef>
+      <a:effectRef idx="0">
+        <a:scrgbClr r="0" g="0" b="0"/>
+      </a:effectRef>
+      <a:fontRef idx="minor"/>
+    </dgm:style>
+  </dgm:styleLbl>
+  <dgm:styleLbl name="trBgShp">
+    <dgm:scene3d>
+      <a:camera prst="orthographicFront">
+        <a:rot lat="0" lon="0" rev="0"/>
+      </a:camera>
+      <a:lightRig rig="contrasting" dir="t">
+        <a:rot lat="0" lon="0" rev="1200000"/>
+      </a:lightRig>
+    </dgm:scene3d>
+    <dgm:sp3d z="-152400" prstMaterial="matte"/>
+    <dgm:txPr/>
+    <dgm:style>
+      <a:lnRef idx="1">
+        <a:scrgbClr r="0" g="0" b="0"/>
+      </a:lnRef>
+      <a:fillRef idx="1">
+        <a:scrgbClr r="0" g="0" b="0"/>
+      </a:fillRef>
+      <a:effectRef idx="0">
+        <a:scrgbClr r="0" g="0" b="0"/>
+      </a:effectRef>
+      <a:fontRef idx="minor"/>
+    </dgm:style>
+  </dgm:styleLbl>
+  <dgm:styleLbl name="fgShp">
+    <dgm:scene3d>
+      <a:camera prst="orthographicFront">
+        <a:rot lat="0" lon="0" rev="0"/>
+      </a:camera>
+      <a:lightRig rig="contrasting" dir="t">
+        <a:rot lat="0" lon="0" rev="1200000"/>
+      </a:lightRig>
+    </dgm:scene3d>
+    <dgm:sp3d z="300000" contourW="19050" prstMaterial="metal">
+      <a:bevelT w="88900" h="203200"/>
+      <a:bevelB w="165100" h="254000"/>
+    </dgm:sp3d>
+    <dgm:txPr/>
+    <dgm:style>
+      <a:lnRef idx="0">
+        <a:scrgbClr r="0" g="0" b="0"/>
+      </a:lnRef>
+      <a:fillRef idx="1">
+        <a:scrgbClr r="0" g="0" b="0"/>
+      </a:fillRef>
+      <a:effectRef idx="0">
+        <a:scrgbClr r="0" g="0" b="0"/>
+      </a:effectRef>
+      <a:fontRef idx="minor"/>
+    </dgm:style>
+  </dgm:styleLbl>
+  <dgm:styleLbl name="revTx">
+    <dgm:scene3d>
+      <a:camera prst="orthographicFront"/>
+      <a:lightRig rig="threePt" dir="t"/>
+    </dgm:scene3d>
+    <dgm:sp3d/>
+    <dgm:txPr/>
+    <dgm:style>
+      <a:lnRef idx="1">
+        <a:scrgbClr r="0" g="0" b="0"/>
+      </a:lnRef>
+      <a:fillRef idx="0">
+        <a:scrgbClr r="0" g="0" b="0"/>
+      </a:fillRef>
+      <a:effectRef idx="0">
+        <a:scrgbClr r="0" g="0" b="0"/>
+      </a:effectRef>
+      <a:fontRef idx="minor"/>
+    </dgm:style>
+  </dgm:styleLbl>
+</dgm:styleDef>
 </file>
 
 <file path=ppt/notesMasters/notesMaster1.xml><?xml version="1.0" encoding="utf-8"?>
@@ -716,6 +3828,228 @@
 </file>
 
 <file path=ppt/notesSlides/notesSlide11.xml><?xml version="1.0" encoding="utf-8"?>
+<p:notes xmlns:a="http://schemas.openxmlformats.org/drawingml/2006/main" xmlns:r="http://schemas.openxmlformats.org/officeDocument/2006/relationships" xmlns:p="http://schemas.openxmlformats.org/presentationml/2006/main" showMasterSp="0" showMasterPhAnim="0">
+  <p:cSld>
+    <p:spTree>
+      <p:nvGrpSpPr>
+        <p:cNvPr id="1" name="Shape 285"/>
+        <p:cNvGrpSpPr/>
+        <p:nvPr/>
+      </p:nvGrpSpPr>
+      <p:grpSpPr>
+        <a:xfrm>
+          <a:off x="0" y="0"/>
+          <a:ext cx="0" cy="0"/>
+          <a:chOff x="0" y="0"/>
+          <a:chExt cx="0" cy="0"/>
+        </a:xfrm>
+      </p:grpSpPr>
+      <p:sp>
+        <p:nvSpPr>
+          <p:cNvPr id="286" name="Shape 286"/>
+          <p:cNvSpPr>
+            <a:spLocks noGrp="1" noRot="1" noChangeAspect="1"/>
+          </p:cNvSpPr>
+          <p:nvPr>
+            <p:ph type="sldImg" idx="2"/>
+          </p:nvPr>
+        </p:nvSpPr>
+        <p:spPr>
+          <a:xfrm>
+            <a:off x="381000" y="685800"/>
+            <a:ext cx="6096000" cy="3429000"/>
+          </a:xfrm>
+          <a:custGeom>
+            <a:avLst/>
+            <a:gdLst/>
+            <a:ahLst/>
+            <a:cxnLst/>
+            <a:rect l="0" t="0" r="0" b="0"/>
+            <a:pathLst>
+              <a:path w="120000" h="120000" extrusionOk="0">
+                <a:moveTo>
+                  <a:pt x="0" y="0"/>
+                </a:moveTo>
+                <a:lnTo>
+                  <a:pt x="120000" y="0"/>
+                </a:lnTo>
+                <a:lnTo>
+                  <a:pt x="120000" y="120000"/>
+                </a:lnTo>
+                <a:lnTo>
+                  <a:pt x="0" y="120000"/>
+                </a:lnTo>
+                <a:close/>
+              </a:path>
+            </a:pathLst>
+          </a:custGeom>
+          <a:noFill/>
+          <a:ln w="9525" cap="flat">
+            <a:solidFill>
+              <a:srgbClr val="000000"/>
+            </a:solidFill>
+            <a:prstDash val="solid"/>
+            <a:round/>
+            <a:headEnd type="none" w="med" len="med"/>
+            <a:tailEnd type="none" w="med" len="med"/>
+          </a:ln>
+        </p:spPr>
+      </p:sp>
+      <p:sp>
+        <p:nvSpPr>
+          <p:cNvPr id="287" name="Shape 287"/>
+          <p:cNvSpPr txBox="1">
+            <a:spLocks noGrp="1"/>
+          </p:cNvSpPr>
+          <p:nvPr>
+            <p:ph type="body" idx="1"/>
+          </p:nvPr>
+        </p:nvSpPr>
+        <p:spPr>
+          <a:xfrm>
+            <a:off x="685800" y="4343400"/>
+            <a:ext cx="5486399" cy="4114800"/>
+          </a:xfrm>
+          <a:prstGeom prst="rect">
+            <a:avLst/>
+          </a:prstGeom>
+        </p:spPr>
+        <p:txBody>
+          <a:bodyPr lIns="91425" tIns="91425" rIns="91425" bIns="91425" anchor="t" anchorCtr="0">
+            <a:noAutofit/>
+          </a:bodyPr>
+          <a:lstStyle/>
+          <a:p>
+            <a:pPr>
+              <a:spcBef>
+                <a:spcPts val="0"/>
+              </a:spcBef>
+              <a:buNone/>
+            </a:pPr>
+            <a:endParaRPr/>
+          </a:p>
+        </p:txBody>
+      </p:sp>
+    </p:spTree>
+  </p:cSld>
+  <p:clrMapOvr>
+    <a:masterClrMapping/>
+  </p:clrMapOvr>
+</p:notes>
+</file>
+
+<file path=ppt/notesSlides/notesSlide12.xml><?xml version="1.0" encoding="utf-8"?>
+<p:notes xmlns:a="http://schemas.openxmlformats.org/drawingml/2006/main" xmlns:r="http://schemas.openxmlformats.org/officeDocument/2006/relationships" xmlns:p="http://schemas.openxmlformats.org/presentationml/2006/main" showMasterSp="0" showMasterPhAnim="0">
+  <p:cSld>
+    <p:spTree>
+      <p:nvGrpSpPr>
+        <p:cNvPr id="1" name="Shape 285"/>
+        <p:cNvGrpSpPr/>
+        <p:nvPr/>
+      </p:nvGrpSpPr>
+      <p:grpSpPr>
+        <a:xfrm>
+          <a:off x="0" y="0"/>
+          <a:ext cx="0" cy="0"/>
+          <a:chOff x="0" y="0"/>
+          <a:chExt cx="0" cy="0"/>
+        </a:xfrm>
+      </p:grpSpPr>
+      <p:sp>
+        <p:nvSpPr>
+          <p:cNvPr id="286" name="Shape 286"/>
+          <p:cNvSpPr>
+            <a:spLocks noGrp="1" noRot="1" noChangeAspect="1"/>
+          </p:cNvSpPr>
+          <p:nvPr>
+            <p:ph type="sldImg" idx="2"/>
+          </p:nvPr>
+        </p:nvSpPr>
+        <p:spPr>
+          <a:xfrm>
+            <a:off x="381000" y="685800"/>
+            <a:ext cx="6096000" cy="3429000"/>
+          </a:xfrm>
+          <a:custGeom>
+            <a:avLst/>
+            <a:gdLst/>
+            <a:ahLst/>
+            <a:cxnLst/>
+            <a:rect l="0" t="0" r="0" b="0"/>
+            <a:pathLst>
+              <a:path w="120000" h="120000" extrusionOk="0">
+                <a:moveTo>
+                  <a:pt x="0" y="0"/>
+                </a:moveTo>
+                <a:lnTo>
+                  <a:pt x="120000" y="0"/>
+                </a:lnTo>
+                <a:lnTo>
+                  <a:pt x="120000" y="120000"/>
+                </a:lnTo>
+                <a:lnTo>
+                  <a:pt x="0" y="120000"/>
+                </a:lnTo>
+                <a:close/>
+              </a:path>
+            </a:pathLst>
+          </a:custGeom>
+          <a:noFill/>
+          <a:ln w="9525" cap="flat">
+            <a:solidFill>
+              <a:srgbClr val="000000"/>
+            </a:solidFill>
+            <a:prstDash val="solid"/>
+            <a:round/>
+            <a:headEnd type="none" w="med" len="med"/>
+            <a:tailEnd type="none" w="med" len="med"/>
+          </a:ln>
+        </p:spPr>
+      </p:sp>
+      <p:sp>
+        <p:nvSpPr>
+          <p:cNvPr id="287" name="Shape 287"/>
+          <p:cNvSpPr txBox="1">
+            <a:spLocks noGrp="1"/>
+          </p:cNvSpPr>
+          <p:nvPr>
+            <p:ph type="body" idx="1"/>
+          </p:nvPr>
+        </p:nvSpPr>
+        <p:spPr>
+          <a:xfrm>
+            <a:off x="685800" y="4343400"/>
+            <a:ext cx="5486399" cy="4114800"/>
+          </a:xfrm>
+          <a:prstGeom prst="rect">
+            <a:avLst/>
+          </a:prstGeom>
+        </p:spPr>
+        <p:txBody>
+          <a:bodyPr lIns="91425" tIns="91425" rIns="91425" bIns="91425" anchor="t" anchorCtr="0">
+            <a:noAutofit/>
+          </a:bodyPr>
+          <a:lstStyle/>
+          <a:p>
+            <a:pPr>
+              <a:spcBef>
+                <a:spcPts val="0"/>
+              </a:spcBef>
+              <a:buNone/>
+            </a:pPr>
+            <a:endParaRPr/>
+          </a:p>
+        </p:txBody>
+      </p:sp>
+    </p:spTree>
+  </p:cSld>
+  <p:clrMapOvr>
+    <a:masterClrMapping/>
+  </p:clrMapOvr>
+</p:notes>
+</file>
+
+<file path=ppt/notesSlides/notesSlide13.xml><?xml version="1.0" encoding="utf-8"?>
 <p:notes xmlns:a="http://schemas.openxmlformats.org/drawingml/2006/main" xmlns:r="http://schemas.openxmlformats.org/officeDocument/2006/relationships" xmlns:p="http://schemas.openxmlformats.org/presentationml/2006/main" showMasterSp="0" showMasterPhAnim="0">
   <p:cSld>
     <p:spTree>
@@ -3994,21 +7328,8 @@
             <a:pPr marL="342900" indent="-342900"/>
             <a:r>
               <a:rPr lang="en-IN" sz="3200" dirty="0" smtClean="0"/>
-              <a:t>2</a:t>
-            </a:r>
-            <a:r>
-              <a:rPr lang="en-IN" sz="3200" dirty="0" smtClean="0"/>
-              <a:t>. </a:t>
-            </a:r>
-            <a:r>
-              <a:rPr lang="en-IN" sz="3200" dirty="0" smtClean="0"/>
-              <a:t>Translating to Technical </a:t>
-            </a:r>
-            <a:r>
-              <a:rPr lang="en-IN" sz="3200" dirty="0" smtClean="0"/>
-              <a:t>Specification</a:t>
-            </a:r>
-            <a:endParaRPr lang="en-IN" sz="3200" dirty="0" smtClean="0"/>
+              <a:t>2. Translating to Technical Specification</a:t>
+            </a:r>
           </a:p>
         </p:txBody>
       </p:sp>
@@ -4017,7 +7338,7 @@
           <p:cNvPr id="3" name="Text Placeholder 2">
             <a:extLst>
               <a:ext uri="{FF2B5EF4-FFF2-40B4-BE49-F238E27FC236}">
-                <a16:creationId xmlns:a16="http://schemas.microsoft.com/office/drawing/2014/main" xmlns="" id="{971F7253-CCD3-4CBC-BB09-2744338EA02A}"/>
+                <a16:creationId xmlns="" xmlns:a16="http://schemas.microsoft.com/office/drawing/2014/main" id="{971F7253-CCD3-4CBC-BB09-2744338EA02A}"/>
               </a:ext>
             </a:extLst>
           </p:cNvPr>
@@ -4043,7 +7364,6 @@
               <a:rPr lang="en-IN" sz="900" dirty="0" smtClean="0"/>
               <a:t>--SEA region</a:t>
             </a:r>
-            <a:endParaRPr lang="en-IN" sz="900" dirty="0" smtClean="0"/>
           </a:p>
           <a:p>
             <a:pPr marL="342900" lvl="3" indent="-342900">
@@ -4398,7 +7718,11 @@
             <a:pPr marL="342900" indent="-342900"/>
             <a:r>
               <a:rPr lang="en-IN" sz="3200" dirty="0" smtClean="0"/>
-              <a:t>3. Implementation</a:t>
+              <a:t>3. </a:t>
+            </a:r>
+            <a:r>
+              <a:rPr lang="en-IN" sz="3200" dirty="0" smtClean="0"/>
+              <a:t>Implementation Order</a:t>
             </a:r>
             <a:endParaRPr lang="en-IN" sz="3200" dirty="0" smtClean="0"/>
           </a:p>
@@ -4446,6 +7770,18 @@
               <a:rPr lang="en-IN" sz="1400" dirty="0" err="1" smtClean="0"/>
               <a:t>Terraform</a:t>
             </a:r>
+            <a:r>
+              <a:rPr lang="en-IN" sz="1400" dirty="0" smtClean="0"/>
+              <a:t> in </a:t>
+            </a:r>
+            <a:r>
+              <a:rPr lang="en-IN" sz="1400" strike="sngStrike" dirty="0" smtClean="0"/>
+              <a:t>SEA Region</a:t>
+            </a:r>
+            <a:r>
+              <a:rPr lang="en-IN" sz="1400" dirty="0" smtClean="0"/>
+              <a:t> Central US Region*</a:t>
+            </a:r>
             <a:endParaRPr lang="en-IN" sz="1400" dirty="0" smtClean="0"/>
           </a:p>
           <a:p>
@@ -4539,6 +7875,181 @@
               <a:t>VMs</a:t>
             </a:r>
             <a:endParaRPr lang="en-IN" sz="1400" dirty="0" smtClean="0"/>
+          </a:p>
+        </p:txBody>
+      </p:sp>
+      <p:sp>
+        <p:nvSpPr>
+          <p:cNvPr id="6" name="Text Placeholder 3"/>
+          <p:cNvSpPr txBox="1">
+            <a:spLocks/>
+          </p:cNvSpPr>
+          <p:nvPr/>
+        </p:nvSpPr>
+        <p:spPr>
+          <a:xfrm>
+            <a:off x="212036" y="4115628"/>
+            <a:ext cx="8229600" cy="764485"/>
+          </a:xfrm>
+          <a:prstGeom prst="rect">
+            <a:avLst/>
+          </a:prstGeom>
+          <a:noFill/>
+          <a:ln>
+            <a:noFill/>
+          </a:ln>
+        </p:spPr>
+        <p:txBody>
+          <a:bodyPr lIns="91425" tIns="91425" rIns="91425" bIns="91425" anchor="t" anchorCtr="0"/>
+          <a:lstStyle/>
+          <a:p>
+            <a:pPr marL="457200" marR="0" lvl="4" indent="-457200" algn="l" defTabSz="914400" rtl="0" eaLnBrk="1" fontAlgn="auto" latinLnBrk="0" hangingPunct="1">
+              <a:lnSpc>
+                <a:spcPct val="100000"/>
+              </a:lnSpc>
+              <a:spcBef>
+                <a:spcPts val="0"/>
+              </a:spcBef>
+              <a:spcAft>
+                <a:spcPts val="0"/>
+              </a:spcAft>
+              <a:buClr>
+                <a:schemeClr val="dk1"/>
+              </a:buClr>
+              <a:buSzPct val="100000"/>
+              <a:tabLst/>
+              <a:defRPr/>
+            </a:pPr>
+            <a:r>
+              <a:rPr kumimoji="0" lang="en-IN" sz="1200" b="0" i="1" u="none" strike="noStrike" kern="0" cap="none" spc="0" normalizeH="0" baseline="0" noProof="0" dirty="0" smtClean="0">
+                <a:ln>
+                  <a:noFill/>
+                </a:ln>
+                <a:solidFill>
+                  <a:schemeClr val="dk1"/>
+                </a:solidFill>
+                <a:effectLst/>
+                <a:uLnTx/>
+                <a:uFillTx/>
+                <a:latin typeface="Arial"/>
+                <a:ea typeface="Arial"/>
+                <a:cs typeface="Arial"/>
+                <a:sym typeface="Arial"/>
+              </a:rPr>
+              <a:t>*Note:</a:t>
+            </a:r>
+            <a:r>
+              <a:rPr kumimoji="0" lang="en-IN" sz="1200" b="0" i="1" u="none" strike="noStrike" kern="0" cap="none" spc="0" normalizeH="0" noProof="0" dirty="0" smtClean="0">
+                <a:ln>
+                  <a:noFill/>
+                </a:ln>
+                <a:solidFill>
+                  <a:schemeClr val="dk1"/>
+                </a:solidFill>
+                <a:effectLst/>
+                <a:uLnTx/>
+                <a:uFillTx/>
+                <a:latin typeface="Arial"/>
+                <a:ea typeface="Arial"/>
+                <a:cs typeface="Arial"/>
+                <a:sym typeface="Arial"/>
+              </a:rPr>
+              <a:t> Due to absence of 3 Fault Domains in SEA Region, </a:t>
+            </a:r>
+            <a:r>
+              <a:rPr lang="en-IN" sz="1200" i="1" dirty="0" err="1" smtClean="0">
+                <a:solidFill>
+                  <a:schemeClr val="dk1"/>
+                </a:solidFill>
+              </a:rPr>
+              <a:t>T</a:t>
+            </a:r>
+            <a:r>
+              <a:rPr kumimoji="0" lang="en-IN" sz="1200" b="0" i="1" u="none" strike="noStrike" kern="0" cap="none" spc="0" normalizeH="0" noProof="0" dirty="0" err="1" smtClean="0">
+                <a:ln>
+                  <a:noFill/>
+                </a:ln>
+                <a:solidFill>
+                  <a:schemeClr val="dk1"/>
+                </a:solidFill>
+                <a:effectLst/>
+                <a:uLnTx/>
+                <a:uFillTx/>
+                <a:latin typeface="Arial"/>
+                <a:ea typeface="Arial"/>
+                <a:cs typeface="Arial"/>
+                <a:sym typeface="Arial"/>
+              </a:rPr>
+              <a:t>erraform</a:t>
+            </a:r>
+            <a:r>
+              <a:rPr kumimoji="0" lang="en-IN" sz="1200" b="0" i="1" u="none" strike="noStrike" kern="0" cap="none" spc="0" normalizeH="0" noProof="0" dirty="0" smtClean="0">
+                <a:ln>
+                  <a:noFill/>
+                </a:ln>
+                <a:solidFill>
+                  <a:schemeClr val="dk1"/>
+                </a:solidFill>
+                <a:effectLst/>
+                <a:uLnTx/>
+                <a:uFillTx/>
+                <a:latin typeface="Arial"/>
+                <a:ea typeface="Arial"/>
+                <a:cs typeface="Arial"/>
+                <a:sym typeface="Arial"/>
+              </a:rPr>
+              <a:t> scripts was </a:t>
+            </a:r>
+            <a:r>
+              <a:rPr lang="en-IN" sz="1200" i="1" dirty="0" smtClean="0">
+                <a:solidFill>
+                  <a:schemeClr val="dk1"/>
+                </a:solidFill>
+              </a:rPr>
+              <a:t>giving error on SEA region. </a:t>
+            </a:r>
+          </a:p>
+          <a:p>
+            <a:pPr marL="457200" marR="0" lvl="4" indent="-457200" algn="l" defTabSz="914400" rtl="0" eaLnBrk="1" fontAlgn="auto" latinLnBrk="0" hangingPunct="1">
+              <a:lnSpc>
+                <a:spcPct val="100000"/>
+              </a:lnSpc>
+              <a:spcBef>
+                <a:spcPts val="0"/>
+              </a:spcBef>
+              <a:spcAft>
+                <a:spcPts val="0"/>
+              </a:spcAft>
+              <a:buClr>
+                <a:schemeClr val="dk1"/>
+              </a:buClr>
+              <a:buSzPct val="100000"/>
+              <a:tabLst/>
+              <a:defRPr/>
+            </a:pPr>
+            <a:r>
+              <a:rPr lang="en-IN" sz="1200" i="1" dirty="0" smtClean="0">
+                <a:solidFill>
+                  <a:schemeClr val="dk1"/>
+                </a:solidFill>
+              </a:rPr>
+              <a:t>Hence infrastructure related to SEA Region was built in Central US.</a:t>
+            </a:r>
+            <a:endParaRPr kumimoji="0" lang="en-IN" sz="1200" b="0" i="1" u="none" strike="noStrike" kern="0" cap="none" spc="0" normalizeH="0" baseline="0" noProof="0" dirty="0" smtClean="0">
+              <a:ln>
+                <a:noFill/>
+              </a:ln>
+              <a:solidFill>
+                <a:schemeClr val="dk1"/>
+              </a:solidFill>
+              <a:effectLst/>
+              <a:uLnTx/>
+              <a:uFillTx/>
+              <a:latin typeface="Arial"/>
+              <a:ea typeface="Arial"/>
+              <a:cs typeface="Arial"/>
+              <a:sym typeface="Arial"/>
+            </a:endParaRPr>
           </a:p>
         </p:txBody>
       </p:sp>
@@ -4600,7 +8111,6 @@
               <a:rPr lang="en-IN" sz="3200" dirty="0" smtClean="0"/>
               <a:t>Final Design Structure</a:t>
             </a:r>
-            <a:endParaRPr lang="en-IN" sz="3200" dirty="0" smtClean="0"/>
           </a:p>
         </p:txBody>
       </p:sp>
@@ -4690,18 +8200,18 @@
             <a:pPr marL="342900" lvl="4" indent="-342900" algn="l" rtl="0"/>
             <a:r>
               <a:rPr lang="en-IN" sz="3200" dirty="0" smtClean="0"/>
-              <a:t>4</a:t>
+              <a:t>4. Installing </a:t>
             </a:r>
             <a:r>
               <a:rPr lang="en-IN" sz="3200" dirty="0" smtClean="0"/>
-              <a:t>. </a:t>
-            </a:r>
-            <a:r>
-              <a:rPr lang="en-IN" sz="2000" dirty="0" smtClean="0"/>
-              <a:t>Installing Internet Information Services(IIS)  on to each VM using </a:t>
-            </a:r>
-            <a:r>
-              <a:rPr lang="en-IN" sz="2000" dirty="0" err="1" smtClean="0"/>
+              <a:t>IIS on </a:t>
+            </a:r>
+            <a:r>
+              <a:rPr lang="en-IN" sz="3200" dirty="0" smtClean="0"/>
+              <a:t>each VM using </a:t>
+            </a:r>
+            <a:r>
+              <a:rPr lang="en-IN" sz="3200" dirty="0" err="1" smtClean="0"/>
               <a:t>Ansible</a:t>
             </a:r>
             <a:endParaRPr lang="en-IN" sz="3200" dirty="0" smtClean="0"/>
@@ -4744,7 +8254,6 @@
               <a:rPr lang="en-IN" sz="1400" dirty="0" smtClean="0"/>
               <a:t> software</a:t>
             </a:r>
-            <a:endParaRPr lang="en-IN" sz="1400" dirty="0" smtClean="0"/>
           </a:p>
           <a:p>
             <a:pPr marL="457200" lvl="4" indent="-457200">
@@ -4755,7 +8264,6 @@
               <a:rPr lang="en-IN" sz="1400" dirty="0" smtClean="0"/>
               <a:t>Creating hosts file</a:t>
             </a:r>
-            <a:endParaRPr lang="en-IN" sz="1400" dirty="0" smtClean="0"/>
           </a:p>
           <a:p>
             <a:pPr marL="457200" lvl="4" indent="-457200">
@@ -4774,7 +8282,6 @@
               <a:rPr lang="en-IN" sz="1400" dirty="0" smtClean="0"/>
               <a:t> file having scripts to be executed on each VM</a:t>
             </a:r>
-            <a:endParaRPr lang="en-IN" sz="1400" dirty="0" smtClean="0"/>
           </a:p>
           <a:p>
             <a:pPr marL="457200" lvl="4" indent="-457200">
@@ -4813,8 +8320,8 @@
         </p:blipFill>
         <p:spPr bwMode="auto">
           <a:xfrm>
-            <a:off x="3508513" y="2345635"/>
-            <a:ext cx="5387009" cy="2591987"/>
+            <a:off x="2912165" y="2246242"/>
+            <a:ext cx="5834270" cy="2673627"/>
           </a:xfrm>
           <a:prstGeom prst="rect">
             <a:avLst/>
@@ -4884,13 +8391,8 @@
             <a:pPr marL="342900" indent="-342900"/>
             <a:r>
               <a:rPr lang="en-IN" sz="3200" dirty="0" smtClean="0"/>
-              <a:t>5</a:t>
-            </a:r>
-            <a:r>
-              <a:rPr lang="en-IN" sz="3200" dirty="0" smtClean="0"/>
-              <a:t>. Storage Account and User Access</a:t>
-            </a:r>
-            <a:endParaRPr lang="en-IN" sz="3200" dirty="0" smtClean="0"/>
+              <a:t>5. Storage Account and User Access</a:t>
+            </a:r>
           </a:p>
         </p:txBody>
       </p:sp>
@@ -4916,63 +8418,31 @@
           <a:p>
             <a:pPr marL="457200" lvl="4" indent="-457200">
               <a:buFont typeface="+mj-lt"/>
-              <a:buAutoNum type="alphaLcParenR"/>
-            </a:pPr>
-            <a:r>
-              <a:rPr lang="en-IN" sz="1400" dirty="0" smtClean="0"/>
+              <a:buAutoNum type="arabicPeriod"/>
+            </a:pPr>
+            <a:r>
+              <a:rPr lang="en-IN" dirty="0" smtClean="0"/>
               <a:t>Creating Storage Account</a:t>
             </a:r>
           </a:p>
           <a:p>
             <a:pPr marL="457200" lvl="4" indent="-457200">
               <a:buFont typeface="+mj-lt"/>
-              <a:buAutoNum type="alphaLcParenR"/>
-            </a:pPr>
-            <a:r>
-              <a:rPr lang="en-IN" sz="1400" dirty="0" smtClean="0"/>
+              <a:buAutoNum type="arabicPeriod"/>
+            </a:pPr>
+            <a:r>
+              <a:rPr lang="en-IN" dirty="0" smtClean="0"/>
               <a:t>Providing access using SAS keys</a:t>
             </a:r>
           </a:p>
           <a:p>
             <a:pPr marL="457200" lvl="4" indent="-457200">
               <a:buFont typeface="+mj-lt"/>
-              <a:buAutoNum type="alphaLcParenR"/>
-            </a:pPr>
-            <a:r>
-              <a:rPr lang="en-IN" sz="1400" dirty="0" smtClean="0"/>
+              <a:buAutoNum type="arabicPeriod"/>
+            </a:pPr>
+            <a:r>
+              <a:rPr lang="en-IN" dirty="0" smtClean="0"/>
               <a:t>Creating users: </a:t>
-            </a:r>
-          </a:p>
-          <a:p>
-            <a:pPr marL="457200" lvl="4" indent="-457200">
-              <a:buFont typeface="+mj-lt"/>
-              <a:buAutoNum type="alphaLcParenR"/>
-            </a:pPr>
-            <a:r>
-              <a:rPr lang="en-IN" sz="1400" dirty="0" smtClean="0"/>
-              <a:t>     - Sales Manager</a:t>
-            </a:r>
-          </a:p>
-          <a:p>
-            <a:pPr marL="457200" lvl="4" indent="-457200">
-              <a:buFont typeface="+mj-lt"/>
-              <a:buAutoNum type="alphaLcParenR"/>
-            </a:pPr>
-            <a:r>
-              <a:rPr lang="en-IN" sz="1400" dirty="0" smtClean="0"/>
-              <a:t> </a:t>
-            </a:r>
-            <a:r>
-              <a:rPr lang="en-IN" sz="1400" dirty="0" smtClean="0"/>
-              <a:t>    - </a:t>
-            </a:r>
-            <a:r>
-              <a:rPr lang="en-IN" sz="1400" dirty="0" err="1" smtClean="0"/>
-              <a:t>Vm</a:t>
-            </a:r>
-            <a:r>
-              <a:rPr lang="en-IN" sz="1400" dirty="0" smtClean="0"/>
-              <a:t> Admin</a:t>
             </a:r>
           </a:p>
           <a:p>
@@ -4981,23 +8451,51 @@
               <a:buAutoNum type="alphaLcParenR"/>
             </a:pPr>
             <a:r>
-              <a:rPr lang="en-IN" sz="1400" dirty="0" smtClean="0"/>
-              <a:t> </a:t>
-            </a:r>
-            <a:r>
-              <a:rPr lang="en-IN" sz="1400" dirty="0" smtClean="0"/>
-              <a:t>    - Back up Admin</a:t>
-            </a:r>
-          </a:p>
-          <a:p>
-            <a:pPr marL="457200" lvl="7" indent="-457200">
+              <a:rPr lang="en-IN" dirty="0" smtClean="0"/>
+              <a:t>     - Sales Manager</a:t>
+            </a:r>
+          </a:p>
+          <a:p>
+            <a:pPr marL="457200" lvl="6" indent="-457200">
               <a:buFont typeface="+mj-lt"/>
               <a:buAutoNum type="alphaLcParenR"/>
             </a:pPr>
             <a:r>
-              <a:rPr lang="en-IN" sz="1400" dirty="0" smtClean="0"/>
-              <a:t>Assigning Roles through User Access Management</a:t>
-            </a:r>
+              <a:rPr lang="en-IN" dirty="0" smtClean="0"/>
+              <a:t>     - </a:t>
+            </a:r>
+            <a:r>
+              <a:rPr lang="en-IN" dirty="0" err="1" smtClean="0"/>
+              <a:t>Vm</a:t>
+            </a:r>
+            <a:r>
+              <a:rPr lang="en-IN" dirty="0" smtClean="0"/>
+              <a:t> </a:t>
+            </a:r>
+            <a:r>
+              <a:rPr lang="en-IN" dirty="0" smtClean="0"/>
+              <a:t>Admin</a:t>
+            </a:r>
+          </a:p>
+          <a:p>
+            <a:pPr marL="457200" lvl="6" indent="-457200">
+              <a:buFont typeface="+mj-lt"/>
+              <a:buAutoNum type="alphaLcParenR"/>
+            </a:pPr>
+            <a:r>
+              <a:rPr lang="en-IN" dirty="0" smtClean="0"/>
+              <a:t> </a:t>
+            </a:r>
+            <a:r>
+              <a:rPr lang="en-IN" dirty="0" smtClean="0"/>
+              <a:t>    - Backup Admin</a:t>
+            </a:r>
+          </a:p>
+          <a:p>
+            <a:pPr marL="457200" lvl="4" indent="-457200">
+              <a:buFont typeface="+mj-lt"/>
+              <a:buAutoNum type="arabicPeriod"/>
+            </a:pPr>
             <a:endParaRPr lang="en-IN" sz="1400" dirty="0" smtClean="0"/>
           </a:p>
         </p:txBody>
@@ -5058,12 +8556,257 @@
             <a:pPr marL="342900" indent="-342900"/>
             <a:r>
               <a:rPr lang="en-IN" sz="3200" dirty="0" smtClean="0"/>
-              <a:t>Thank You</a:t>
-            </a:r>
-            <a:endParaRPr lang="en-IN" sz="3200" dirty="0" smtClean="0"/>
+              <a:t>5. </a:t>
+            </a:r>
+            <a:r>
+              <a:rPr lang="en-IN" sz="2800" dirty="0" smtClean="0"/>
+              <a:t>User Access Management and Monitoring</a:t>
+            </a:r>
+            <a:endParaRPr lang="en-IN" sz="2800" dirty="0" smtClean="0"/>
           </a:p>
         </p:txBody>
       </p:sp>
+      <p:sp>
+        <p:nvSpPr>
+          <p:cNvPr id="4" name="Text Placeholder 3"/>
+          <p:cNvSpPr>
+            <a:spLocks noGrp="1"/>
+          </p:cNvSpPr>
+          <p:nvPr>
+            <p:ph type="body" idx="1"/>
+          </p:nvPr>
+        </p:nvSpPr>
+        <p:spPr>
+          <a:xfrm>
+            <a:off x="457200" y="1200150"/>
+            <a:ext cx="8229600" cy="2397815"/>
+          </a:xfrm>
+        </p:spPr>
+        <p:txBody>
+          <a:bodyPr/>
+          <a:lstStyle/>
+          <a:p>
+            <a:pPr marL="457200" lvl="7" indent="-457200">
+              <a:buFont typeface="+mj-lt"/>
+              <a:buAutoNum type="arabicPeriod"/>
+            </a:pPr>
+            <a:r>
+              <a:rPr lang="en-IN" sz="2000" dirty="0" smtClean="0"/>
+              <a:t>Assigning </a:t>
+            </a:r>
+            <a:r>
+              <a:rPr lang="en-IN" sz="2000" dirty="0" smtClean="0"/>
+              <a:t>Roles through </a:t>
+            </a:r>
+            <a:r>
+              <a:rPr lang="en-IN" sz="2000" dirty="0" smtClean="0"/>
+              <a:t>Using Azure RBAC </a:t>
+            </a:r>
+          </a:p>
+          <a:p>
+            <a:pPr marL="457200" lvl="7" indent="-457200">
+              <a:buFont typeface="+mj-lt"/>
+              <a:buAutoNum type="arabicPeriod"/>
+            </a:pPr>
+            <a:r>
+              <a:rPr lang="en-IN" sz="2000" dirty="0" smtClean="0"/>
+              <a:t>Monitoring of Infrastructure through Automated alerts:</a:t>
+            </a:r>
+          </a:p>
+          <a:p>
+            <a:pPr marL="457200" lvl="8" indent="-457200">
+              <a:buFont typeface="Wingdings" pitchFamily="2" charset="2"/>
+              <a:buChar char="Ø"/>
+            </a:pPr>
+            <a:r>
+              <a:rPr lang="en-IN" dirty="0" smtClean="0"/>
+              <a:t>SMS Alerts</a:t>
+            </a:r>
+          </a:p>
+          <a:p>
+            <a:pPr marL="457200" lvl="8" indent="-457200">
+              <a:buFont typeface="Wingdings" pitchFamily="2" charset="2"/>
+              <a:buChar char="Ø"/>
+            </a:pPr>
+            <a:r>
+              <a:rPr lang="en-IN" dirty="0" smtClean="0"/>
+              <a:t>Email Alerts</a:t>
+            </a:r>
+            <a:endParaRPr lang="en-IN" dirty="0" smtClean="0"/>
+          </a:p>
+          <a:p>
+            <a:pPr marL="457200" lvl="7" indent="-457200">
+              <a:buFont typeface="+mj-lt"/>
+              <a:buAutoNum type="arabicPeriod"/>
+            </a:pPr>
+            <a:endParaRPr lang="en-IN" sz="1400" dirty="0" smtClean="0"/>
+          </a:p>
+        </p:txBody>
+      </p:sp>
+    </p:spTree>
+  </p:cSld>
+  <p:clrMapOvr>
+    <a:masterClrMapping/>
+  </p:clrMapOvr>
+  <p:transition spd="slow">
+    <p:cut/>
+  </p:transition>
+</p:sld>
+</file>
+
+<file path=ppt/slides/slide16.xml><?xml version="1.0" encoding="utf-8"?>
+<p:sld xmlns:a="http://schemas.openxmlformats.org/drawingml/2006/main" xmlns:r="http://schemas.openxmlformats.org/officeDocument/2006/relationships" xmlns:p="http://schemas.openxmlformats.org/presentationml/2006/main">
+  <p:cSld>
+    <p:spTree>
+      <p:nvGrpSpPr>
+        <p:cNvPr id="1" name="Shape 282"/>
+        <p:cNvGrpSpPr/>
+        <p:nvPr/>
+      </p:nvGrpSpPr>
+      <p:grpSpPr>
+        <a:xfrm>
+          <a:off x="0" y="0"/>
+          <a:ext cx="0" cy="0"/>
+          <a:chOff x="0" y="0"/>
+          <a:chExt cx="0" cy="0"/>
+        </a:xfrm>
+      </p:grpSpPr>
+      <p:sp>
+        <p:nvSpPr>
+          <p:cNvPr id="283" name="Shape 283"/>
+          <p:cNvSpPr txBox="1">
+            <a:spLocks noGrp="1"/>
+          </p:cNvSpPr>
+          <p:nvPr>
+            <p:ph type="title"/>
+          </p:nvPr>
+        </p:nvSpPr>
+        <p:spPr>
+          <a:xfrm>
+            <a:off x="437321" y="138568"/>
+            <a:ext cx="8229600" cy="857400"/>
+          </a:xfrm>
+          <a:prstGeom prst="rect">
+            <a:avLst/>
+          </a:prstGeom>
+        </p:spPr>
+        <p:txBody>
+          <a:bodyPr lIns="91425" tIns="91425" rIns="91425" bIns="91425" anchor="b" anchorCtr="0">
+            <a:noAutofit/>
+          </a:bodyPr>
+          <a:lstStyle/>
+          <a:p>
+            <a:pPr marL="342900" indent="-342900"/>
+            <a:r>
+              <a:rPr lang="en-IN" sz="2800" dirty="0" smtClean="0"/>
+              <a:t>Components/Tools/Interfaces Used in this POC</a:t>
+            </a:r>
+            <a:endParaRPr lang="en-IN" sz="2400" dirty="0" smtClean="0"/>
+          </a:p>
+        </p:txBody>
+      </p:sp>
+      <p:graphicFrame>
+        <p:nvGraphicFramePr>
+          <p:cNvPr id="5" name="Diagram 4"/>
+          <p:cNvGraphicFramePr/>
+          <p:nvPr/>
+        </p:nvGraphicFramePr>
+        <p:xfrm>
+          <a:off x="288233" y="1381540"/>
+          <a:ext cx="5108715" cy="3438938"/>
+        </p:xfrm>
+        <a:graphic>
+          <a:graphicData uri="http://schemas.openxmlformats.org/drawingml/2006/diagram">
+            <dgm:relIds xmlns:dgm="http://schemas.openxmlformats.org/drawingml/2006/diagram" xmlns:r="http://schemas.openxmlformats.org/officeDocument/2006/relationships" r:dm="rId3" r:lo="rId4" r:qs="rId5" r:cs="rId6"/>
+          </a:graphicData>
+        </a:graphic>
+      </p:graphicFrame>
+    </p:spTree>
+  </p:cSld>
+  <p:clrMapOvr>
+    <a:masterClrMapping/>
+  </p:clrMapOvr>
+  <p:transition spd="slow">
+    <p:cut/>
+  </p:transition>
+</p:sld>
+</file>
+
+<file path=ppt/slides/slide17.xml><?xml version="1.0" encoding="utf-8"?>
+<p:sld xmlns:a="http://schemas.openxmlformats.org/drawingml/2006/main" xmlns:r="http://schemas.openxmlformats.org/officeDocument/2006/relationships" xmlns:p="http://schemas.openxmlformats.org/presentationml/2006/main">
+  <p:cSld>
+    <p:spTree>
+      <p:nvGrpSpPr>
+        <p:cNvPr id="1" name="Shape 282"/>
+        <p:cNvGrpSpPr/>
+        <p:nvPr/>
+      </p:nvGrpSpPr>
+      <p:grpSpPr>
+        <a:xfrm>
+          <a:off x="0" y="0"/>
+          <a:ext cx="0" cy="0"/>
+          <a:chOff x="0" y="0"/>
+          <a:chExt cx="0" cy="0"/>
+        </a:xfrm>
+      </p:grpSpPr>
+      <p:sp>
+        <p:nvSpPr>
+          <p:cNvPr id="283" name="Shape 283"/>
+          <p:cNvSpPr txBox="1">
+            <a:spLocks noGrp="1"/>
+          </p:cNvSpPr>
+          <p:nvPr>
+            <p:ph type="title"/>
+          </p:nvPr>
+        </p:nvSpPr>
+        <p:spPr>
+          <a:xfrm>
+            <a:off x="387626" y="218081"/>
+            <a:ext cx="8229600" cy="857400"/>
+          </a:xfrm>
+          <a:prstGeom prst="rect">
+            <a:avLst/>
+          </a:prstGeom>
+        </p:spPr>
+        <p:txBody>
+          <a:bodyPr lIns="91425" tIns="91425" rIns="91425" bIns="91425" anchor="b" anchorCtr="0">
+            <a:noAutofit/>
+          </a:bodyPr>
+          <a:lstStyle/>
+          <a:p>
+            <a:pPr marL="342900" indent="-342900"/>
+            <a:r>
+              <a:rPr lang="en-IN" sz="3200" dirty="0" smtClean="0"/>
+              <a:t>Questions ?</a:t>
+            </a:r>
+            <a:endParaRPr lang="en-IN" sz="3200" dirty="0" smtClean="0"/>
+          </a:p>
+        </p:txBody>
+      </p:sp>
+      <p:pic>
+        <p:nvPicPr>
+          <p:cNvPr id="3" name="Picture 2" descr="Que.jpg"/>
+          <p:cNvPicPr>
+            <a:picLocks noChangeAspect="1"/>
+          </p:cNvPicPr>
+          <p:nvPr/>
+        </p:nvPicPr>
+        <p:blipFill>
+          <a:blip r:embed="rId3"/>
+          <a:stretch>
+            <a:fillRect/>
+          </a:stretch>
+        </p:blipFill>
+        <p:spPr>
+          <a:xfrm>
+            <a:off x="2738783" y="1872921"/>
+            <a:ext cx="3721652" cy="2443421"/>
+          </a:xfrm>
+          <a:prstGeom prst="rect">
+            <a:avLst/>
+          </a:prstGeom>
+        </p:spPr>
+      </p:pic>
     </p:spTree>
   </p:cSld>
   <p:clrMapOvr>
@@ -5460,7 +9203,7 @@
           <a:blip r:embed="rId3">
             <a:extLst>
               <a:ext uri="{28A0092B-C50C-407E-A947-70E740481C1C}">
-                <a14:useLocalDpi xmlns:a14="http://schemas.microsoft.com/office/drawing/2010/main" xmlns="" val="0"/>
+                <a14:useLocalDpi xmlns="" xmlns:a14="http://schemas.microsoft.com/office/drawing/2010/main" val="0"/>
               </a:ext>
             </a:extLst>
           </a:blip>
@@ -5480,7 +9223,7 @@
           <a:noFill/>
           <a:extLst>
             <a:ext uri="{909E8E84-426E-40DD-AFC4-6F175D3DCCD1}">
-              <a14:hiddenFill xmlns:a14="http://schemas.microsoft.com/office/drawing/2010/main" xmlns="">
+              <a14:hiddenFill xmlns="" xmlns:a14="http://schemas.microsoft.com/office/drawing/2010/main">
                 <a:solidFill>
                   <a:srgbClr val="FFFFFF"/>
                 </a:solidFill>
@@ -5663,7 +9406,7 @@
     </p:spTree>
     <p:extLst>
       <p:ext uri="{BB962C8B-B14F-4D97-AF65-F5344CB8AC3E}">
-        <p14:creationId xmlns:p14="http://schemas.microsoft.com/office/powerpoint/2010/main" xmlns="" val="309032390"/>
+        <p14:creationId xmlns="" xmlns:p14="http://schemas.microsoft.com/office/powerpoint/2010/main" val="309032390"/>
       </p:ext>
     </p:extLst>
   </p:cSld>
@@ -5775,7 +9518,7 @@
     </p:spTree>
     <p:extLst>
       <p:ext uri="{BB962C8B-B14F-4D97-AF65-F5344CB8AC3E}">
-        <p14:creationId xmlns:p14="http://schemas.microsoft.com/office/powerpoint/2010/main" xmlns="" val="1037694471"/>
+        <p14:creationId xmlns="" xmlns:p14="http://schemas.microsoft.com/office/powerpoint/2010/main" val="1037694471"/>
       </p:ext>
     </p:extLst>
   </p:cSld>
@@ -5807,7 +9550,7 @@
           <p:cNvPr id="2" name="Title 1">
             <a:extLst>
               <a:ext uri="{FF2B5EF4-FFF2-40B4-BE49-F238E27FC236}">
-                <a16:creationId xmlns:a16="http://schemas.microsoft.com/office/drawing/2014/main" xmlns="" id="{7C660843-ED4F-412C-ACCF-76896C478778}"/>
+                <a16:creationId xmlns="" xmlns:a16="http://schemas.microsoft.com/office/drawing/2014/main" id="{7C660843-ED4F-412C-ACCF-76896C478778}"/>
               </a:ext>
             </a:extLst>
           </p:cNvPr>
@@ -5835,7 +9578,7 @@
           <p:cNvPr id="3" name="Text Placeholder 2">
             <a:extLst>
               <a:ext uri="{FF2B5EF4-FFF2-40B4-BE49-F238E27FC236}">
-                <a16:creationId xmlns:a16="http://schemas.microsoft.com/office/drawing/2014/main" xmlns="" id="{971F7253-CCD3-4CBC-BB09-2744338EA02A}"/>
+                <a16:creationId xmlns="" xmlns:a16="http://schemas.microsoft.com/office/drawing/2014/main" id="{971F7253-CCD3-4CBC-BB09-2744338EA02A}"/>
               </a:ext>
             </a:extLst>
           </p:cNvPr>
@@ -5911,7 +9654,7 @@
     </p:spTree>
     <p:extLst>
       <p:ext uri="{BB962C8B-B14F-4D97-AF65-F5344CB8AC3E}">
-        <p14:creationId xmlns:p14="http://schemas.microsoft.com/office/powerpoint/2010/main" xmlns="" val="1228378672"/>
+        <p14:creationId xmlns="" xmlns:p14="http://schemas.microsoft.com/office/powerpoint/2010/main" val="1228378672"/>
       </p:ext>
     </p:extLst>
   </p:cSld>
@@ -5943,7 +9686,7 @@
           <p:cNvPr id="2" name="Title 1">
             <a:extLst>
               <a:ext uri="{FF2B5EF4-FFF2-40B4-BE49-F238E27FC236}">
-                <a16:creationId xmlns:a16="http://schemas.microsoft.com/office/drawing/2014/main" xmlns="" id="{BAC88482-AACF-4338-9519-5134FD99F4F3}"/>
+                <a16:creationId xmlns="" xmlns:a16="http://schemas.microsoft.com/office/drawing/2014/main" id="{BAC88482-AACF-4338-9519-5134FD99F4F3}"/>
               </a:ext>
             </a:extLst>
           </p:cNvPr>
@@ -5972,7 +9715,7 @@
           <p:cNvPr id="3" name="Text Placeholder 2">
             <a:extLst>
               <a:ext uri="{FF2B5EF4-FFF2-40B4-BE49-F238E27FC236}">
-                <a16:creationId xmlns:a16="http://schemas.microsoft.com/office/drawing/2014/main" xmlns="" id="{AF2864C0-ADAE-4303-9859-CDC68E7E8F95}"/>
+                <a16:creationId xmlns="" xmlns:a16="http://schemas.microsoft.com/office/drawing/2014/main" id="{AF2864C0-ADAE-4303-9859-CDC68E7E8F95}"/>
               </a:ext>
             </a:extLst>
           </p:cNvPr>
@@ -6034,7 +9777,7 @@
     </p:spTree>
     <p:extLst>
       <p:ext uri="{BB962C8B-B14F-4D97-AF65-F5344CB8AC3E}">
-        <p14:creationId xmlns:p14="http://schemas.microsoft.com/office/powerpoint/2010/main" xmlns="" val="2516207536"/>
+        <p14:creationId xmlns="" xmlns:p14="http://schemas.microsoft.com/office/powerpoint/2010/main" val="2516207536"/>
       </p:ext>
     </p:extLst>
   </p:cSld>
@@ -6104,7 +9847,7 @@
           <p:cNvPr id="3" name="Text Placeholder 2">
             <a:extLst>
               <a:ext uri="{FF2B5EF4-FFF2-40B4-BE49-F238E27FC236}">
-                <a16:creationId xmlns:a16="http://schemas.microsoft.com/office/drawing/2014/main" xmlns="" id="{971F7253-CCD3-4CBC-BB09-2744338EA02A}"/>
+                <a16:creationId xmlns="" xmlns:a16="http://schemas.microsoft.com/office/drawing/2014/main" id="{971F7253-CCD3-4CBC-BB09-2744338EA02A}"/>
               </a:ext>
             </a:extLst>
           </p:cNvPr>
@@ -6161,15 +9904,7 @@
             </a:pPr>
             <a:r>
               <a:rPr lang="en-IN" sz="1400" dirty="0" smtClean="0"/>
-              <a:t>Creating a Jump server in East US region. This server </a:t>
-            </a:r>
-            <a:r>
-              <a:rPr lang="en-IN" sz="1400" dirty="0" smtClean="0"/>
-              <a:t>will also act as (Server11</a:t>
-            </a:r>
-            <a:r>
-              <a:rPr lang="en-IN" sz="1400" dirty="0" smtClean="0"/>
-              <a:t>) </a:t>
+              <a:t>Creating a Jump server in East US region. This server will also act as (Server11) </a:t>
             </a:r>
           </a:p>
           <a:p>
@@ -6219,9 +9954,20 @@
             </a:pPr>
             <a:r>
               <a:rPr lang="en-IN" sz="1400" dirty="0" smtClean="0"/>
-              <a:t>Creation of Different Users and Setting their Access</a:t>
-            </a:r>
-            <a:endParaRPr lang="en-IN" sz="1400" dirty="0"/>
+              <a:t>Creation of Different Users and Setting their </a:t>
+            </a:r>
+            <a:r>
+              <a:rPr lang="en-IN" sz="1400" dirty="0" smtClean="0"/>
+              <a:t>Access</a:t>
+            </a:r>
+          </a:p>
+          <a:p>
+            <a:pPr marL="457200" lvl="4" indent="-457200"/>
+            <a:r>
+              <a:rPr lang="en-IN" sz="2000" dirty="0" smtClean="0"/>
+              <a:t>4.  Backup and Monitoring</a:t>
+            </a:r>
+            <a:endParaRPr lang="en-IN" sz="2000" dirty="0"/>
           </a:p>
         </p:txBody>
       </p:sp>
@@ -6281,11 +10027,7 @@
             <a:pPr marL="342900" indent="-342900"/>
             <a:r>
               <a:rPr lang="en-IN" dirty="0" smtClean="0"/>
-              <a:t>1. Listing </a:t>
-            </a:r>
-            <a:r>
-              <a:rPr lang="en-IN" dirty="0" smtClean="0"/>
-              <a:t>Business Requirement</a:t>
+              <a:t>1. Listing Business Requirement</a:t>
             </a:r>
           </a:p>
         </p:txBody>
@@ -6295,7 +10037,7 @@
           <p:cNvPr id="3" name="Text Placeholder 2">
             <a:extLst>
               <a:ext uri="{FF2B5EF4-FFF2-40B4-BE49-F238E27FC236}">
-                <a16:creationId xmlns:a16="http://schemas.microsoft.com/office/drawing/2014/main" xmlns="" id="{971F7253-CCD3-4CBC-BB09-2744338EA02A}"/>
+                <a16:creationId xmlns="" xmlns:a16="http://schemas.microsoft.com/office/drawing/2014/main" id="{971F7253-CCD3-4CBC-BB09-2744338EA02A}"/>
               </a:ext>
             </a:extLst>
           </p:cNvPr>

--- a/AzureCase_TM_coe_updated.pptx
+++ b/AzureCase_TM_coe_updated.pptx
@@ -5,7 +5,7 @@
     <p:sldMasterId id="2147483654" r:id="rId1"/>
   </p:sldMasterIdLst>
   <p:notesMasterIdLst>
-    <p:notesMasterId r:id="rId19"/>
+    <p:notesMasterId r:id="rId20"/>
   </p:notesMasterIdLst>
   <p:sldIdLst>
     <p:sldId id="256" r:id="rId2"/>
@@ -25,6 +25,7 @@
     <p:sldId id="287" r:id="rId16"/>
     <p:sldId id="288" r:id="rId17"/>
     <p:sldId id="284" r:id="rId18"/>
+    <p:sldId id="289" r:id="rId19"/>
   </p:sldIdLst>
   <p:sldSz cx="9144000" cy="5143500" type="screen16x9"/>
   <p:notesSz cx="6858000" cy="9144000"/>
@@ -232,7 +233,7 @@
   </p:defaultTextStyle>
   <p:extLst>
     <p:ext uri="{EFAFB233-063F-42B5-8137-9DF3F51BA10A}">
-      <p15:sldGuideLst xmlns="" xmlns:p15="http://schemas.microsoft.com/office/powerpoint/2012/main"/>
+      <p15:sldGuideLst xmlns:p15="http://schemas.microsoft.com/office/powerpoint/2012/main" xmlns=""/>
     </p:ext>
   </p:extLst>
 </p:presentation>
@@ -1649,6 +1650,13 @@
         </dgm:presLayoutVars>
       </dgm:prSet>
       <dgm:spPr/>
+      <dgm:t>
+        <a:bodyPr/>
+        <a:lstStyle/>
+        <a:p>
+          <a:endParaRPr lang="en-IN"/>
+        </a:p>
+      </dgm:t>
     </dgm:pt>
     <dgm:pt modelId="{9655D403-99FD-4921-98AB-E2DA229060DC}" type="pres">
       <dgm:prSet presAssocID="{F00B7591-E7D6-43A5-BDCE-03122ED63615}" presName="spacing" presStyleCnt="0"/>
@@ -1710,6 +1718,13 @@
         </dgm:presLayoutVars>
       </dgm:prSet>
       <dgm:spPr/>
+      <dgm:t>
+        <a:bodyPr/>
+        <a:lstStyle/>
+        <a:p>
+          <a:endParaRPr lang="en-IN"/>
+        </a:p>
+      </dgm:t>
     </dgm:pt>
     <dgm:pt modelId="{8B9E6914-2065-412B-85C5-48801882DC21}" type="pres">
       <dgm:prSet presAssocID="{8E24AEFC-C8FA-4C16-8F81-EEBE072D554F}" presName="spacing" presStyleCnt="0"/>
@@ -4050,6 +4065,117 @@
 </file>
 
 <file path=ppt/notesSlides/notesSlide13.xml><?xml version="1.0" encoding="utf-8"?>
+<p:notes xmlns:a="http://schemas.openxmlformats.org/drawingml/2006/main" xmlns:r="http://schemas.openxmlformats.org/officeDocument/2006/relationships" xmlns:p="http://schemas.openxmlformats.org/presentationml/2006/main" showMasterSp="0" showMasterPhAnim="0">
+  <p:cSld>
+    <p:spTree>
+      <p:nvGrpSpPr>
+        <p:cNvPr id="1" name="Shape 285"/>
+        <p:cNvGrpSpPr/>
+        <p:nvPr/>
+      </p:nvGrpSpPr>
+      <p:grpSpPr>
+        <a:xfrm>
+          <a:off x="0" y="0"/>
+          <a:ext cx="0" cy="0"/>
+          <a:chOff x="0" y="0"/>
+          <a:chExt cx="0" cy="0"/>
+        </a:xfrm>
+      </p:grpSpPr>
+      <p:sp>
+        <p:nvSpPr>
+          <p:cNvPr id="286" name="Shape 286"/>
+          <p:cNvSpPr>
+            <a:spLocks noGrp="1" noRot="1" noChangeAspect="1"/>
+          </p:cNvSpPr>
+          <p:nvPr>
+            <p:ph type="sldImg" idx="2"/>
+          </p:nvPr>
+        </p:nvSpPr>
+        <p:spPr>
+          <a:xfrm>
+            <a:off x="381000" y="685800"/>
+            <a:ext cx="6096000" cy="3429000"/>
+          </a:xfrm>
+          <a:custGeom>
+            <a:avLst/>
+            <a:gdLst/>
+            <a:ahLst/>
+            <a:cxnLst/>
+            <a:rect l="0" t="0" r="0" b="0"/>
+            <a:pathLst>
+              <a:path w="120000" h="120000" extrusionOk="0">
+                <a:moveTo>
+                  <a:pt x="0" y="0"/>
+                </a:moveTo>
+                <a:lnTo>
+                  <a:pt x="120000" y="0"/>
+                </a:lnTo>
+                <a:lnTo>
+                  <a:pt x="120000" y="120000"/>
+                </a:lnTo>
+                <a:lnTo>
+                  <a:pt x="0" y="120000"/>
+                </a:lnTo>
+                <a:close/>
+              </a:path>
+            </a:pathLst>
+          </a:custGeom>
+          <a:noFill/>
+          <a:ln w="9525" cap="flat">
+            <a:solidFill>
+              <a:srgbClr val="000000"/>
+            </a:solidFill>
+            <a:prstDash val="solid"/>
+            <a:round/>
+            <a:headEnd type="none" w="med" len="med"/>
+            <a:tailEnd type="none" w="med" len="med"/>
+          </a:ln>
+        </p:spPr>
+      </p:sp>
+      <p:sp>
+        <p:nvSpPr>
+          <p:cNvPr id="287" name="Shape 287"/>
+          <p:cNvSpPr txBox="1">
+            <a:spLocks noGrp="1"/>
+          </p:cNvSpPr>
+          <p:nvPr>
+            <p:ph type="body" idx="1"/>
+          </p:nvPr>
+        </p:nvSpPr>
+        <p:spPr>
+          <a:xfrm>
+            <a:off x="685800" y="4343400"/>
+            <a:ext cx="5486399" cy="4114800"/>
+          </a:xfrm>
+          <a:prstGeom prst="rect">
+            <a:avLst/>
+          </a:prstGeom>
+        </p:spPr>
+        <p:txBody>
+          <a:bodyPr lIns="91425" tIns="91425" rIns="91425" bIns="91425" anchor="t" anchorCtr="0">
+            <a:noAutofit/>
+          </a:bodyPr>
+          <a:lstStyle/>
+          <a:p>
+            <a:pPr>
+              <a:spcBef>
+                <a:spcPts val="0"/>
+              </a:spcBef>
+              <a:buNone/>
+            </a:pPr>
+            <a:endParaRPr/>
+          </a:p>
+        </p:txBody>
+      </p:sp>
+    </p:spTree>
+  </p:cSld>
+  <p:clrMapOvr>
+    <a:masterClrMapping/>
+  </p:clrMapOvr>
+</p:notes>
+</file>
+
+<file path=ppt/notesSlides/notesSlide14.xml><?xml version="1.0" encoding="utf-8"?>
 <p:notes xmlns:a="http://schemas.openxmlformats.org/drawingml/2006/main" xmlns:r="http://schemas.openxmlformats.org/officeDocument/2006/relationships" xmlns:p="http://schemas.openxmlformats.org/presentationml/2006/main" showMasterSp="0" showMasterPhAnim="0">
   <p:cSld>
     <p:spTree>
@@ -7338,7 +7464,7 @@
           <p:cNvPr id="3" name="Text Placeholder 2">
             <a:extLst>
               <a:ext uri="{FF2B5EF4-FFF2-40B4-BE49-F238E27FC236}">
-                <a16:creationId xmlns="" xmlns:a16="http://schemas.microsoft.com/office/drawing/2014/main" id="{971F7253-CCD3-4CBC-BB09-2744338EA02A}"/>
+                <a16:creationId xmlns:a16="http://schemas.microsoft.com/office/drawing/2014/main" xmlns="" id="{971F7253-CCD3-4CBC-BB09-2744338EA02A}"/>
               </a:ext>
             </a:extLst>
           </p:cNvPr>
@@ -7718,13 +7844,8 @@
             <a:pPr marL="342900" indent="-342900"/>
             <a:r>
               <a:rPr lang="en-IN" sz="3200" dirty="0" smtClean="0"/>
-              <a:t>3. </a:t>
-            </a:r>
-            <a:r>
-              <a:rPr lang="en-IN" sz="3200" dirty="0" smtClean="0"/>
-              <a:t>Implementation Order</a:t>
-            </a:r>
-            <a:endParaRPr lang="en-IN" sz="3200" dirty="0" smtClean="0"/>
+              <a:t>3. Implementation Order</a:t>
+            </a:r>
           </a:p>
         </p:txBody>
       </p:sp>
@@ -7782,7 +7903,6 @@
               <a:rPr lang="en-IN" sz="1400" dirty="0" smtClean="0"/>
               <a:t> Central US Region*</a:t>
             </a:r>
-            <a:endParaRPr lang="en-IN" sz="1400" dirty="0" smtClean="0"/>
           </a:p>
           <a:p>
             <a:pPr marL="457200" lvl="7" indent="-457200">
@@ -8200,15 +8320,7 @@
             <a:pPr marL="342900" lvl="4" indent="-342900" algn="l" rtl="0"/>
             <a:r>
               <a:rPr lang="en-IN" sz="3200" dirty="0" smtClean="0"/>
-              <a:t>4. Installing </a:t>
-            </a:r>
-            <a:r>
-              <a:rPr lang="en-IN" sz="3200" dirty="0" smtClean="0"/>
-              <a:t>IIS on </a:t>
-            </a:r>
-            <a:r>
-              <a:rPr lang="en-IN" sz="3200" dirty="0" smtClean="0"/>
-              <a:t>each VM using </a:t>
+              <a:t>4. Installing IIS on each VM using </a:t>
             </a:r>
             <a:r>
               <a:rPr lang="en-IN" sz="3200" dirty="0" err="1" smtClean="0"/>
@@ -8470,11 +8582,7 @@
             </a:r>
             <a:r>
               <a:rPr lang="en-IN" dirty="0" smtClean="0"/>
-              <a:t> </a:t>
-            </a:r>
-            <a:r>
-              <a:rPr lang="en-IN" dirty="0" smtClean="0"/>
-              <a:t>Admin</a:t>
+              <a:t> Admin</a:t>
             </a:r>
           </a:p>
           <a:p>
@@ -8484,11 +8592,7 @@
             </a:pPr>
             <a:r>
               <a:rPr lang="en-IN" dirty="0" smtClean="0"/>
-              <a:t> </a:t>
-            </a:r>
-            <a:r>
-              <a:rPr lang="en-IN" dirty="0" smtClean="0"/>
-              <a:t>    - Backup Admin</a:t>
+              <a:t>     - Backup Admin</a:t>
             </a:r>
           </a:p>
           <a:p>
@@ -8562,7 +8666,6 @@
               <a:rPr lang="en-IN" sz="2800" dirty="0" smtClean="0"/>
               <a:t>User Access Management and Monitoring</a:t>
             </a:r>
-            <a:endParaRPr lang="en-IN" sz="2800" dirty="0" smtClean="0"/>
           </a:p>
         </p:txBody>
       </p:sp>
@@ -8592,15 +8695,7 @@
             </a:pPr>
             <a:r>
               <a:rPr lang="en-IN" sz="2000" dirty="0" smtClean="0"/>
-              <a:t>Assigning </a:t>
-            </a:r>
-            <a:r>
-              <a:rPr lang="en-IN" sz="2000" dirty="0" smtClean="0"/>
-              <a:t>Roles through </a:t>
-            </a:r>
-            <a:r>
-              <a:rPr lang="en-IN" sz="2000" dirty="0" smtClean="0"/>
-              <a:t>Using Azure RBAC </a:t>
+              <a:t>Assigning Roles through Using Azure RBAC </a:t>
             </a:r>
           </a:p>
           <a:p>
@@ -8632,7 +8727,6 @@
               <a:rPr lang="en-IN" dirty="0" smtClean="0"/>
               <a:t>Email Alerts</a:t>
             </a:r>
-            <a:endParaRPr lang="en-IN" dirty="0" smtClean="0"/>
           </a:p>
           <a:p>
             <a:pPr marL="457200" lvl="7" indent="-457200">
@@ -8777,9 +8871,103 @@
             <a:pPr marL="342900" indent="-342900"/>
             <a:r>
               <a:rPr lang="en-IN" sz="3200" dirty="0" smtClean="0"/>
+              <a:t>Resource Costs</a:t>
+            </a:r>
+            <a:endParaRPr lang="en-IN" sz="3200" dirty="0" smtClean="0"/>
+          </a:p>
+        </p:txBody>
+      </p:sp>
+      <p:pic>
+        <p:nvPicPr>
+          <p:cNvPr id="1027" name="Picture 3"/>
+          <p:cNvPicPr>
+            <a:picLocks noChangeAspect="1" noChangeArrowheads="1"/>
+          </p:cNvPicPr>
+          <p:nvPr/>
+        </p:nvPicPr>
+        <p:blipFill>
+          <a:blip r:embed="rId3"/>
+          <a:srcRect/>
+          <a:stretch>
+            <a:fillRect/>
+          </a:stretch>
+        </p:blipFill>
+        <p:spPr bwMode="auto">
+          <a:xfrm>
+            <a:off x="636105" y="1214361"/>
+            <a:ext cx="7881730" cy="3718211"/>
+          </a:xfrm>
+          <a:prstGeom prst="rect">
+            <a:avLst/>
+          </a:prstGeom>
+          <a:noFill/>
+          <a:ln w="9525">
+            <a:noFill/>
+            <a:miter lim="800000"/>
+            <a:headEnd/>
+            <a:tailEnd/>
+          </a:ln>
+          <a:effectLst/>
+        </p:spPr>
+      </p:pic>
+    </p:spTree>
+  </p:cSld>
+  <p:clrMapOvr>
+    <a:masterClrMapping/>
+  </p:clrMapOvr>
+  <p:transition spd="slow">
+    <p:cut/>
+  </p:transition>
+</p:sld>
+</file>
+
+<file path=ppt/slides/slide18.xml><?xml version="1.0" encoding="utf-8"?>
+<p:sld xmlns:a="http://schemas.openxmlformats.org/drawingml/2006/main" xmlns:r="http://schemas.openxmlformats.org/officeDocument/2006/relationships" xmlns:p="http://schemas.openxmlformats.org/presentationml/2006/main">
+  <p:cSld>
+    <p:spTree>
+      <p:nvGrpSpPr>
+        <p:cNvPr id="1" name="Shape 282"/>
+        <p:cNvGrpSpPr/>
+        <p:nvPr/>
+      </p:nvGrpSpPr>
+      <p:grpSpPr>
+        <a:xfrm>
+          <a:off x="0" y="0"/>
+          <a:ext cx="0" cy="0"/>
+          <a:chOff x="0" y="0"/>
+          <a:chExt cx="0" cy="0"/>
+        </a:xfrm>
+      </p:grpSpPr>
+      <p:sp>
+        <p:nvSpPr>
+          <p:cNvPr id="283" name="Shape 283"/>
+          <p:cNvSpPr txBox="1">
+            <a:spLocks noGrp="1"/>
+          </p:cNvSpPr>
+          <p:nvPr>
+            <p:ph type="title"/>
+          </p:nvPr>
+        </p:nvSpPr>
+        <p:spPr>
+          <a:xfrm>
+            <a:off x="387626" y="218081"/>
+            <a:ext cx="8229600" cy="857400"/>
+          </a:xfrm>
+          <a:prstGeom prst="rect">
+            <a:avLst/>
+          </a:prstGeom>
+        </p:spPr>
+        <p:txBody>
+          <a:bodyPr lIns="91425" tIns="91425" rIns="91425" bIns="91425" anchor="b" anchorCtr="0">
+            <a:noAutofit/>
+          </a:bodyPr>
+          <a:lstStyle/>
+          <a:p>
+            <a:pPr marL="342900" indent="-342900"/>
+            <a:r>
+              <a:rPr lang="en-IN" sz="3200" dirty="0" smtClean="0"/>
               <a:t>Questions ?</a:t>
             </a:r>
-            <a:endParaRPr lang="en-IN" sz="3200" dirty="0" smtClean="0"/>
           </a:p>
         </p:txBody>
       </p:sp>
@@ -9203,7 +9391,7 @@
           <a:blip r:embed="rId3">
             <a:extLst>
               <a:ext uri="{28A0092B-C50C-407E-A947-70E740481C1C}">
-                <a14:useLocalDpi xmlns="" xmlns:a14="http://schemas.microsoft.com/office/drawing/2010/main" val="0"/>
+                <a14:useLocalDpi xmlns:a14="http://schemas.microsoft.com/office/drawing/2010/main" xmlns="" val="0"/>
               </a:ext>
             </a:extLst>
           </a:blip>
@@ -9223,7 +9411,7 @@
           <a:noFill/>
           <a:extLst>
             <a:ext uri="{909E8E84-426E-40DD-AFC4-6F175D3DCCD1}">
-              <a14:hiddenFill xmlns="" xmlns:a14="http://schemas.microsoft.com/office/drawing/2010/main">
+              <a14:hiddenFill xmlns:a14="http://schemas.microsoft.com/office/drawing/2010/main" xmlns="">
                 <a:solidFill>
                   <a:srgbClr val="FFFFFF"/>
                 </a:solidFill>
@@ -9406,7 +9594,7 @@
     </p:spTree>
     <p:extLst>
       <p:ext uri="{BB962C8B-B14F-4D97-AF65-F5344CB8AC3E}">
-        <p14:creationId xmlns="" xmlns:p14="http://schemas.microsoft.com/office/powerpoint/2010/main" val="309032390"/>
+        <p14:creationId xmlns:p14="http://schemas.microsoft.com/office/powerpoint/2010/main" xmlns="" val="309032390"/>
       </p:ext>
     </p:extLst>
   </p:cSld>
@@ -9518,7 +9706,7 @@
     </p:spTree>
     <p:extLst>
       <p:ext uri="{BB962C8B-B14F-4D97-AF65-F5344CB8AC3E}">
-        <p14:creationId xmlns="" xmlns:p14="http://schemas.microsoft.com/office/powerpoint/2010/main" val="1037694471"/>
+        <p14:creationId xmlns:p14="http://schemas.microsoft.com/office/powerpoint/2010/main" xmlns="" val="1037694471"/>
       </p:ext>
     </p:extLst>
   </p:cSld>
@@ -9550,7 +9738,7 @@
           <p:cNvPr id="2" name="Title 1">
             <a:extLst>
               <a:ext uri="{FF2B5EF4-FFF2-40B4-BE49-F238E27FC236}">
-                <a16:creationId xmlns="" xmlns:a16="http://schemas.microsoft.com/office/drawing/2014/main" id="{7C660843-ED4F-412C-ACCF-76896C478778}"/>
+                <a16:creationId xmlns:a16="http://schemas.microsoft.com/office/drawing/2014/main" xmlns="" id="{7C660843-ED4F-412C-ACCF-76896C478778}"/>
               </a:ext>
             </a:extLst>
           </p:cNvPr>
@@ -9578,7 +9766,7 @@
           <p:cNvPr id="3" name="Text Placeholder 2">
             <a:extLst>
               <a:ext uri="{FF2B5EF4-FFF2-40B4-BE49-F238E27FC236}">
-                <a16:creationId xmlns="" xmlns:a16="http://schemas.microsoft.com/office/drawing/2014/main" id="{971F7253-CCD3-4CBC-BB09-2744338EA02A}"/>
+                <a16:creationId xmlns:a16="http://schemas.microsoft.com/office/drawing/2014/main" xmlns="" id="{971F7253-CCD3-4CBC-BB09-2744338EA02A}"/>
               </a:ext>
             </a:extLst>
           </p:cNvPr>
@@ -9654,7 +9842,7 @@
     </p:spTree>
     <p:extLst>
       <p:ext uri="{BB962C8B-B14F-4D97-AF65-F5344CB8AC3E}">
-        <p14:creationId xmlns="" xmlns:p14="http://schemas.microsoft.com/office/powerpoint/2010/main" val="1228378672"/>
+        <p14:creationId xmlns:p14="http://schemas.microsoft.com/office/powerpoint/2010/main" xmlns="" val="1228378672"/>
       </p:ext>
     </p:extLst>
   </p:cSld>
@@ -9686,7 +9874,7 @@
           <p:cNvPr id="2" name="Title 1">
             <a:extLst>
               <a:ext uri="{FF2B5EF4-FFF2-40B4-BE49-F238E27FC236}">
-                <a16:creationId xmlns="" xmlns:a16="http://schemas.microsoft.com/office/drawing/2014/main" id="{BAC88482-AACF-4338-9519-5134FD99F4F3}"/>
+                <a16:creationId xmlns:a16="http://schemas.microsoft.com/office/drawing/2014/main" xmlns="" id="{BAC88482-AACF-4338-9519-5134FD99F4F3}"/>
               </a:ext>
             </a:extLst>
           </p:cNvPr>
@@ -9715,7 +9903,7 @@
           <p:cNvPr id="3" name="Text Placeholder 2">
             <a:extLst>
               <a:ext uri="{FF2B5EF4-FFF2-40B4-BE49-F238E27FC236}">
-                <a16:creationId xmlns="" xmlns:a16="http://schemas.microsoft.com/office/drawing/2014/main" id="{AF2864C0-ADAE-4303-9859-CDC68E7E8F95}"/>
+                <a16:creationId xmlns:a16="http://schemas.microsoft.com/office/drawing/2014/main" xmlns="" id="{AF2864C0-ADAE-4303-9859-CDC68E7E8F95}"/>
               </a:ext>
             </a:extLst>
           </p:cNvPr>
@@ -9777,7 +9965,7 @@
     </p:spTree>
     <p:extLst>
       <p:ext uri="{BB962C8B-B14F-4D97-AF65-F5344CB8AC3E}">
-        <p14:creationId xmlns="" xmlns:p14="http://schemas.microsoft.com/office/powerpoint/2010/main" val="2516207536"/>
+        <p14:creationId xmlns:p14="http://schemas.microsoft.com/office/powerpoint/2010/main" xmlns="" val="2516207536"/>
       </p:ext>
     </p:extLst>
   </p:cSld>
@@ -9847,7 +10035,7 @@
           <p:cNvPr id="3" name="Text Placeholder 2">
             <a:extLst>
               <a:ext uri="{FF2B5EF4-FFF2-40B4-BE49-F238E27FC236}">
-                <a16:creationId xmlns="" xmlns:a16="http://schemas.microsoft.com/office/drawing/2014/main" id="{971F7253-CCD3-4CBC-BB09-2744338EA02A}"/>
+                <a16:creationId xmlns:a16="http://schemas.microsoft.com/office/drawing/2014/main" xmlns="" id="{971F7253-CCD3-4CBC-BB09-2744338EA02A}"/>
               </a:ext>
             </a:extLst>
           </p:cNvPr>
@@ -9954,11 +10142,7 @@
             </a:pPr>
             <a:r>
               <a:rPr lang="en-IN" sz="1400" dirty="0" smtClean="0"/>
-              <a:t>Creation of Different Users and Setting their </a:t>
-            </a:r>
-            <a:r>
-              <a:rPr lang="en-IN" sz="1400" dirty="0" smtClean="0"/>
-              <a:t>Access</a:t>
+              <a:t>Creation of Different Users and Setting their Access</a:t>
             </a:r>
           </a:p>
           <a:p>
@@ -10037,7 +10221,7 @@
           <p:cNvPr id="3" name="Text Placeholder 2">
             <a:extLst>
               <a:ext uri="{FF2B5EF4-FFF2-40B4-BE49-F238E27FC236}">
-                <a16:creationId xmlns="" xmlns:a16="http://schemas.microsoft.com/office/drawing/2014/main" id="{971F7253-CCD3-4CBC-BB09-2744338EA02A}"/>
+                <a16:creationId xmlns:a16="http://schemas.microsoft.com/office/drawing/2014/main" xmlns="" id="{971F7253-CCD3-4CBC-BB09-2744338EA02A}"/>
               </a:ext>
             </a:extLst>
           </p:cNvPr>
